--- a/correlation/Notes/2D_Correlation.pptx
+++ b/correlation/Notes/2D_Correlation.pptx
@@ -4,6 +4,9 @@
   <p:sldMasterIdLst>
     <p:sldMasterId id="2147483648" r:id="rId1"/>
   </p:sldMasterIdLst>
+  <p:notesMasterIdLst>
+    <p:notesMasterId r:id="rId7"/>
+  </p:notesMasterIdLst>
   <p:sldIdLst>
     <p:sldId id="256" r:id="rId2"/>
     <p:sldId id="257" r:id="rId3"/>
@@ -116,6 +119,439 @@
 </p:presentation>
 </file>
 
+<file path=ppt/notesMasters/notesMaster1.xml><?xml version="1.0" encoding="utf-8"?>
+<p:notesMaster xmlns:a="http://schemas.openxmlformats.org/drawingml/2006/main" xmlns:r="http://schemas.openxmlformats.org/officeDocument/2006/relationships" xmlns:p="http://schemas.openxmlformats.org/presentationml/2006/main">
+  <p:cSld>
+    <p:bg>
+      <p:bgRef idx="1001">
+        <a:schemeClr val="bg1"/>
+      </p:bgRef>
+    </p:bg>
+    <p:spTree>
+      <p:nvGrpSpPr>
+        <p:cNvPr id="1" name=""/>
+        <p:cNvGrpSpPr/>
+        <p:nvPr/>
+      </p:nvGrpSpPr>
+      <p:grpSpPr>
+        <a:xfrm>
+          <a:off x="0" y="0"/>
+          <a:ext cx="0" cy="0"/>
+          <a:chOff x="0" y="0"/>
+          <a:chExt cx="0" cy="0"/>
+        </a:xfrm>
+      </p:grpSpPr>
+      <p:sp>
+        <p:nvSpPr>
+          <p:cNvPr id="2" name="页眉占位符 1"/>
+          <p:cNvSpPr>
+            <a:spLocks noGrp="1"/>
+          </p:cNvSpPr>
+          <p:nvPr>
+            <p:ph type="hdr" sz="quarter"/>
+          </p:nvPr>
+        </p:nvSpPr>
+        <p:spPr>
+          <a:xfrm>
+            <a:off x="0" y="0"/>
+            <a:ext cx="2971800" cy="458788"/>
+          </a:xfrm>
+          <a:prstGeom prst="rect">
+            <a:avLst/>
+          </a:prstGeom>
+        </p:spPr>
+        <p:txBody>
+          <a:bodyPr vert="horz" lIns="91440" tIns="45720" rIns="91440" bIns="45720" rtlCol="0"/>
+          <a:lstStyle>
+            <a:lvl1pPr algn="l">
+              <a:defRPr sz="1200"/>
+            </a:lvl1pPr>
+          </a:lstStyle>
+          <a:p>
+            <a:endParaRPr lang="zh-CN" altLang="en-US"/>
+          </a:p>
+        </p:txBody>
+      </p:sp>
+      <p:sp>
+        <p:nvSpPr>
+          <p:cNvPr id="3" name="日期占位符 2"/>
+          <p:cNvSpPr>
+            <a:spLocks noGrp="1"/>
+          </p:cNvSpPr>
+          <p:nvPr>
+            <p:ph type="dt" idx="1"/>
+          </p:nvPr>
+        </p:nvSpPr>
+        <p:spPr>
+          <a:xfrm>
+            <a:off x="3884613" y="0"/>
+            <a:ext cx="2971800" cy="458788"/>
+          </a:xfrm>
+          <a:prstGeom prst="rect">
+            <a:avLst/>
+          </a:prstGeom>
+        </p:spPr>
+        <p:txBody>
+          <a:bodyPr vert="horz" lIns="91440" tIns="45720" rIns="91440" bIns="45720" rtlCol="0"/>
+          <a:lstStyle>
+            <a:lvl1pPr algn="r">
+              <a:defRPr sz="1200"/>
+            </a:lvl1pPr>
+          </a:lstStyle>
+          <a:p>
+            <a:fld id="{66F288D8-71D9-4F75-AD48-B432E8F9C6EE}" type="datetimeFigureOut">
+              <a:rPr lang="zh-CN" altLang="en-US" smtClean="0"/>
+              <a:t>2020/4/9</a:t>
+            </a:fld>
+            <a:endParaRPr lang="zh-CN" altLang="en-US"/>
+          </a:p>
+        </p:txBody>
+      </p:sp>
+      <p:sp>
+        <p:nvSpPr>
+          <p:cNvPr id="4" name="幻灯片图像占位符 3"/>
+          <p:cNvSpPr>
+            <a:spLocks noGrp="1" noRot="1" noChangeAspect="1"/>
+          </p:cNvSpPr>
+          <p:nvPr>
+            <p:ph type="sldImg" idx="2"/>
+          </p:nvPr>
+        </p:nvSpPr>
+        <p:spPr>
+          <a:xfrm>
+            <a:off x="685800" y="1143000"/>
+            <a:ext cx="5486400" cy="3086100"/>
+          </a:xfrm>
+          <a:prstGeom prst="rect">
+            <a:avLst/>
+          </a:prstGeom>
+          <a:noFill/>
+          <a:ln w="12700">
+            <a:solidFill>
+              <a:prstClr val="black"/>
+            </a:solidFill>
+          </a:ln>
+        </p:spPr>
+        <p:txBody>
+          <a:bodyPr vert="horz" lIns="91440" tIns="45720" rIns="91440" bIns="45720" rtlCol="0" anchor="ctr"/>
+          <a:lstStyle/>
+          <a:p>
+            <a:endParaRPr lang="zh-CN" altLang="en-US"/>
+          </a:p>
+        </p:txBody>
+      </p:sp>
+      <p:sp>
+        <p:nvSpPr>
+          <p:cNvPr id="5" name="备注占位符 4"/>
+          <p:cNvSpPr>
+            <a:spLocks noGrp="1"/>
+          </p:cNvSpPr>
+          <p:nvPr>
+            <p:ph type="body" sz="quarter" idx="3"/>
+          </p:nvPr>
+        </p:nvSpPr>
+        <p:spPr>
+          <a:xfrm>
+            <a:off x="685800" y="4400550"/>
+            <a:ext cx="5486400" cy="3600450"/>
+          </a:xfrm>
+          <a:prstGeom prst="rect">
+            <a:avLst/>
+          </a:prstGeom>
+        </p:spPr>
+        <p:txBody>
+          <a:bodyPr vert="horz" lIns="91440" tIns="45720" rIns="91440" bIns="45720" rtlCol="0"/>
+          <a:lstStyle/>
+          <a:p>
+            <a:pPr lvl="0"/>
+            <a:r>
+              <a:rPr lang="zh-CN" altLang="en-US"/>
+              <a:t>单击此处编辑母版文本样式</a:t>
+            </a:r>
+          </a:p>
+          <a:p>
+            <a:pPr lvl="1"/>
+            <a:r>
+              <a:rPr lang="zh-CN" altLang="en-US"/>
+              <a:t>二级</a:t>
+            </a:r>
+          </a:p>
+          <a:p>
+            <a:pPr lvl="2"/>
+            <a:r>
+              <a:rPr lang="zh-CN" altLang="en-US"/>
+              <a:t>三级</a:t>
+            </a:r>
+          </a:p>
+          <a:p>
+            <a:pPr lvl="3"/>
+            <a:r>
+              <a:rPr lang="zh-CN" altLang="en-US"/>
+              <a:t>四级</a:t>
+            </a:r>
+          </a:p>
+          <a:p>
+            <a:pPr lvl="4"/>
+            <a:r>
+              <a:rPr lang="zh-CN" altLang="en-US"/>
+              <a:t>五级</a:t>
+            </a:r>
+          </a:p>
+        </p:txBody>
+      </p:sp>
+      <p:sp>
+        <p:nvSpPr>
+          <p:cNvPr id="6" name="页脚占位符 5"/>
+          <p:cNvSpPr>
+            <a:spLocks noGrp="1"/>
+          </p:cNvSpPr>
+          <p:nvPr>
+            <p:ph type="ftr" sz="quarter" idx="4"/>
+          </p:nvPr>
+        </p:nvSpPr>
+        <p:spPr>
+          <a:xfrm>
+            <a:off x="0" y="8685213"/>
+            <a:ext cx="2971800" cy="458787"/>
+          </a:xfrm>
+          <a:prstGeom prst="rect">
+            <a:avLst/>
+          </a:prstGeom>
+        </p:spPr>
+        <p:txBody>
+          <a:bodyPr vert="horz" lIns="91440" tIns="45720" rIns="91440" bIns="45720" rtlCol="0" anchor="b"/>
+          <a:lstStyle>
+            <a:lvl1pPr algn="l">
+              <a:defRPr sz="1200"/>
+            </a:lvl1pPr>
+          </a:lstStyle>
+          <a:p>
+            <a:endParaRPr lang="zh-CN" altLang="en-US"/>
+          </a:p>
+        </p:txBody>
+      </p:sp>
+      <p:sp>
+        <p:nvSpPr>
+          <p:cNvPr id="7" name="灯片编号占位符 6"/>
+          <p:cNvSpPr>
+            <a:spLocks noGrp="1"/>
+          </p:cNvSpPr>
+          <p:nvPr>
+            <p:ph type="sldNum" sz="quarter" idx="5"/>
+          </p:nvPr>
+        </p:nvSpPr>
+        <p:spPr>
+          <a:xfrm>
+            <a:off x="3884613" y="8685213"/>
+            <a:ext cx="2971800" cy="458787"/>
+          </a:xfrm>
+          <a:prstGeom prst="rect">
+            <a:avLst/>
+          </a:prstGeom>
+        </p:spPr>
+        <p:txBody>
+          <a:bodyPr vert="horz" lIns="91440" tIns="45720" rIns="91440" bIns="45720" rtlCol="0" anchor="b"/>
+          <a:lstStyle>
+            <a:lvl1pPr algn="r">
+              <a:defRPr sz="1200"/>
+            </a:lvl1pPr>
+          </a:lstStyle>
+          <a:p>
+            <a:fld id="{AB143B9A-FB23-4992-B70D-B1103A60456F}" type="slidenum">
+              <a:rPr lang="zh-CN" altLang="en-US" smtClean="0"/>
+              <a:t>‹#›</a:t>
+            </a:fld>
+            <a:endParaRPr lang="zh-CN" altLang="en-US"/>
+          </a:p>
+        </p:txBody>
+      </p:sp>
+    </p:spTree>
+    <p:extLst>
+      <p:ext uri="{BB962C8B-B14F-4D97-AF65-F5344CB8AC3E}">
+        <p14:creationId xmlns:p14="http://schemas.microsoft.com/office/powerpoint/2010/main" val="2657523638"/>
+      </p:ext>
+    </p:extLst>
+  </p:cSld>
+  <p:clrMap bg1="lt1" tx1="dk1" bg2="lt2" tx2="dk2" accent1="accent1" accent2="accent2" accent3="accent3" accent4="accent4" accent5="accent5" accent6="accent6" hlink="hlink" folHlink="folHlink"/>
+  <p:notesStyle>
+    <a:lvl1pPr marL="0" algn="l" defTabSz="914400" rtl="0" eaLnBrk="1" latinLnBrk="0" hangingPunct="1">
+      <a:defRPr sz="1200" kern="1200">
+        <a:solidFill>
+          <a:schemeClr val="tx1"/>
+        </a:solidFill>
+        <a:latin typeface="+mn-lt"/>
+        <a:ea typeface="+mn-ea"/>
+        <a:cs typeface="+mn-cs"/>
+      </a:defRPr>
+    </a:lvl1pPr>
+    <a:lvl2pPr marL="457200" algn="l" defTabSz="914400" rtl="0" eaLnBrk="1" latinLnBrk="0" hangingPunct="1">
+      <a:defRPr sz="1200" kern="1200">
+        <a:solidFill>
+          <a:schemeClr val="tx1"/>
+        </a:solidFill>
+        <a:latin typeface="+mn-lt"/>
+        <a:ea typeface="+mn-ea"/>
+        <a:cs typeface="+mn-cs"/>
+      </a:defRPr>
+    </a:lvl2pPr>
+    <a:lvl3pPr marL="914400" algn="l" defTabSz="914400" rtl="0" eaLnBrk="1" latinLnBrk="0" hangingPunct="1">
+      <a:defRPr sz="1200" kern="1200">
+        <a:solidFill>
+          <a:schemeClr val="tx1"/>
+        </a:solidFill>
+        <a:latin typeface="+mn-lt"/>
+        <a:ea typeface="+mn-ea"/>
+        <a:cs typeface="+mn-cs"/>
+      </a:defRPr>
+    </a:lvl3pPr>
+    <a:lvl4pPr marL="1371600" algn="l" defTabSz="914400" rtl="0" eaLnBrk="1" latinLnBrk="0" hangingPunct="1">
+      <a:defRPr sz="1200" kern="1200">
+        <a:solidFill>
+          <a:schemeClr val="tx1"/>
+        </a:solidFill>
+        <a:latin typeface="+mn-lt"/>
+        <a:ea typeface="+mn-ea"/>
+        <a:cs typeface="+mn-cs"/>
+      </a:defRPr>
+    </a:lvl4pPr>
+    <a:lvl5pPr marL="1828800" algn="l" defTabSz="914400" rtl="0" eaLnBrk="1" latinLnBrk="0" hangingPunct="1">
+      <a:defRPr sz="1200" kern="1200">
+        <a:solidFill>
+          <a:schemeClr val="tx1"/>
+        </a:solidFill>
+        <a:latin typeface="+mn-lt"/>
+        <a:ea typeface="+mn-ea"/>
+        <a:cs typeface="+mn-cs"/>
+      </a:defRPr>
+    </a:lvl5pPr>
+    <a:lvl6pPr marL="2286000" algn="l" defTabSz="914400" rtl="0" eaLnBrk="1" latinLnBrk="0" hangingPunct="1">
+      <a:defRPr sz="1200" kern="1200">
+        <a:solidFill>
+          <a:schemeClr val="tx1"/>
+        </a:solidFill>
+        <a:latin typeface="+mn-lt"/>
+        <a:ea typeface="+mn-ea"/>
+        <a:cs typeface="+mn-cs"/>
+      </a:defRPr>
+    </a:lvl6pPr>
+    <a:lvl7pPr marL="2743200" algn="l" defTabSz="914400" rtl="0" eaLnBrk="1" latinLnBrk="0" hangingPunct="1">
+      <a:defRPr sz="1200" kern="1200">
+        <a:solidFill>
+          <a:schemeClr val="tx1"/>
+        </a:solidFill>
+        <a:latin typeface="+mn-lt"/>
+        <a:ea typeface="+mn-ea"/>
+        <a:cs typeface="+mn-cs"/>
+      </a:defRPr>
+    </a:lvl7pPr>
+    <a:lvl8pPr marL="3200400" algn="l" defTabSz="914400" rtl="0" eaLnBrk="1" latinLnBrk="0" hangingPunct="1">
+      <a:defRPr sz="1200" kern="1200">
+        <a:solidFill>
+          <a:schemeClr val="tx1"/>
+        </a:solidFill>
+        <a:latin typeface="+mn-lt"/>
+        <a:ea typeface="+mn-ea"/>
+        <a:cs typeface="+mn-cs"/>
+      </a:defRPr>
+    </a:lvl8pPr>
+    <a:lvl9pPr marL="3657600" algn="l" defTabSz="914400" rtl="0" eaLnBrk="1" latinLnBrk="0" hangingPunct="1">
+      <a:defRPr sz="1200" kern="1200">
+        <a:solidFill>
+          <a:schemeClr val="tx1"/>
+        </a:solidFill>
+        <a:latin typeface="+mn-lt"/>
+        <a:ea typeface="+mn-ea"/>
+        <a:cs typeface="+mn-cs"/>
+      </a:defRPr>
+    </a:lvl9pPr>
+  </p:notesStyle>
+</p:notesMaster>
+</file>
+
+<file path=ppt/notesSlides/notesSlide1.xml><?xml version="1.0" encoding="utf-8"?>
+<p:notes xmlns:a="http://schemas.openxmlformats.org/drawingml/2006/main" xmlns:r="http://schemas.openxmlformats.org/officeDocument/2006/relationships" xmlns:p="http://schemas.openxmlformats.org/presentationml/2006/main">
+  <p:cSld>
+    <p:spTree>
+      <p:nvGrpSpPr>
+        <p:cNvPr id="1" name=""/>
+        <p:cNvGrpSpPr/>
+        <p:nvPr/>
+      </p:nvGrpSpPr>
+      <p:grpSpPr>
+        <a:xfrm>
+          <a:off x="0" y="0"/>
+          <a:ext cx="0" cy="0"/>
+          <a:chOff x="0" y="0"/>
+          <a:chExt cx="0" cy="0"/>
+        </a:xfrm>
+      </p:grpSpPr>
+      <p:sp>
+        <p:nvSpPr>
+          <p:cNvPr id="2" name="幻灯片图像占位符 1"/>
+          <p:cNvSpPr>
+            <a:spLocks noGrp="1" noRot="1" noChangeAspect="1"/>
+          </p:cNvSpPr>
+          <p:nvPr>
+            <p:ph type="sldImg"/>
+          </p:nvPr>
+        </p:nvSpPr>
+        <p:spPr/>
+      </p:sp>
+      <p:sp>
+        <p:nvSpPr>
+          <p:cNvPr id="3" name="备注占位符 2"/>
+          <p:cNvSpPr>
+            <a:spLocks noGrp="1"/>
+          </p:cNvSpPr>
+          <p:nvPr>
+            <p:ph type="body" idx="1"/>
+          </p:nvPr>
+        </p:nvSpPr>
+        <p:spPr/>
+        <p:txBody>
+          <a:bodyPr/>
+          <a:lstStyle/>
+          <a:p>
+            <a:endParaRPr lang="zh-CN" altLang="en-US" dirty="0"/>
+          </a:p>
+        </p:txBody>
+      </p:sp>
+      <p:sp>
+        <p:nvSpPr>
+          <p:cNvPr id="4" name="灯片编号占位符 3"/>
+          <p:cNvSpPr>
+            <a:spLocks noGrp="1"/>
+          </p:cNvSpPr>
+          <p:nvPr>
+            <p:ph type="sldNum" sz="quarter" idx="5"/>
+          </p:nvPr>
+        </p:nvSpPr>
+        <p:spPr/>
+        <p:txBody>
+          <a:bodyPr/>
+          <a:lstStyle/>
+          <a:p>
+            <a:fld id="{AB143B9A-FB23-4992-B70D-B1103A60456F}" type="slidenum">
+              <a:rPr lang="zh-CN" altLang="en-US" smtClean="0"/>
+              <a:t>3</a:t>
+            </a:fld>
+            <a:endParaRPr lang="zh-CN" altLang="en-US"/>
+          </a:p>
+        </p:txBody>
+      </p:sp>
+    </p:spTree>
+    <p:extLst>
+      <p:ext uri="{BB962C8B-B14F-4D97-AF65-F5344CB8AC3E}">
+        <p14:creationId xmlns:p14="http://schemas.microsoft.com/office/powerpoint/2010/main" val="3539355561"/>
+      </p:ext>
+    </p:extLst>
+  </p:cSld>
+  <p:clrMapOvr>
+    <a:masterClrMapping/>
+  </p:clrMapOvr>
+</p:notes>
+</file>
+
 <file path=ppt/slideLayouts/slideLayout1.xml><?xml version="1.0" encoding="utf-8"?>
 <p:sldLayout xmlns:a="http://schemas.openxmlformats.org/drawingml/2006/main" xmlns:r="http://schemas.openxmlformats.org/officeDocument/2006/relationships" xmlns:p="http://schemas.openxmlformats.org/presentationml/2006/main" type="title" preserve="1">
   <p:cSld name="标题幻灯片">
@@ -263,7 +699,7 @@
           <a:p>
             <a:fld id="{82DF6F50-6649-4E72-90E0-B87FF704A153}" type="datetimeFigureOut">
               <a:rPr lang="zh-CN" altLang="en-US" smtClean="0"/>
-              <a:t>2019/11/18</a:t>
+              <a:t>2020/4/9</a:t>
             </a:fld>
             <a:endParaRPr lang="zh-CN" altLang="en-US"/>
           </a:p>
@@ -461,7 +897,7 @@
           <a:p>
             <a:fld id="{82DF6F50-6649-4E72-90E0-B87FF704A153}" type="datetimeFigureOut">
               <a:rPr lang="zh-CN" altLang="en-US" smtClean="0"/>
-              <a:t>2019/11/18</a:t>
+              <a:t>2020/4/9</a:t>
             </a:fld>
             <a:endParaRPr lang="zh-CN" altLang="en-US"/>
           </a:p>
@@ -669,7 +1105,7 @@
           <a:p>
             <a:fld id="{82DF6F50-6649-4E72-90E0-B87FF704A153}" type="datetimeFigureOut">
               <a:rPr lang="zh-CN" altLang="en-US" smtClean="0"/>
-              <a:t>2019/11/18</a:t>
+              <a:t>2020/4/9</a:t>
             </a:fld>
             <a:endParaRPr lang="zh-CN" altLang="en-US"/>
           </a:p>
@@ -867,7 +1303,7 @@
           <a:p>
             <a:fld id="{82DF6F50-6649-4E72-90E0-B87FF704A153}" type="datetimeFigureOut">
               <a:rPr lang="zh-CN" altLang="en-US" smtClean="0"/>
-              <a:t>2019/11/18</a:t>
+              <a:t>2020/4/9</a:t>
             </a:fld>
             <a:endParaRPr lang="zh-CN" altLang="en-US"/>
           </a:p>
@@ -1142,7 +1578,7 @@
           <a:p>
             <a:fld id="{82DF6F50-6649-4E72-90E0-B87FF704A153}" type="datetimeFigureOut">
               <a:rPr lang="zh-CN" altLang="en-US" smtClean="0"/>
-              <a:t>2019/11/18</a:t>
+              <a:t>2020/4/9</a:t>
             </a:fld>
             <a:endParaRPr lang="zh-CN" altLang="en-US"/>
           </a:p>
@@ -1407,7 +1843,7 @@
           <a:p>
             <a:fld id="{82DF6F50-6649-4E72-90E0-B87FF704A153}" type="datetimeFigureOut">
               <a:rPr lang="zh-CN" altLang="en-US" smtClean="0"/>
-              <a:t>2019/11/18</a:t>
+              <a:t>2020/4/9</a:t>
             </a:fld>
             <a:endParaRPr lang="zh-CN" altLang="en-US"/>
           </a:p>
@@ -1819,7 +2255,7 @@
           <a:p>
             <a:fld id="{82DF6F50-6649-4E72-90E0-B87FF704A153}" type="datetimeFigureOut">
               <a:rPr lang="zh-CN" altLang="en-US" smtClean="0"/>
-              <a:t>2019/11/18</a:t>
+              <a:t>2020/4/9</a:t>
             </a:fld>
             <a:endParaRPr lang="zh-CN" altLang="en-US"/>
           </a:p>
@@ -1960,7 +2396,7 @@
           <a:p>
             <a:fld id="{82DF6F50-6649-4E72-90E0-B87FF704A153}" type="datetimeFigureOut">
               <a:rPr lang="zh-CN" altLang="en-US" smtClean="0"/>
-              <a:t>2019/11/18</a:t>
+              <a:t>2020/4/9</a:t>
             </a:fld>
             <a:endParaRPr lang="zh-CN" altLang="en-US"/>
           </a:p>
@@ -2073,7 +2509,7 @@
           <a:p>
             <a:fld id="{82DF6F50-6649-4E72-90E0-B87FF704A153}" type="datetimeFigureOut">
               <a:rPr lang="zh-CN" altLang="en-US" smtClean="0"/>
-              <a:t>2019/11/18</a:t>
+              <a:t>2020/4/9</a:t>
             </a:fld>
             <a:endParaRPr lang="zh-CN" altLang="en-US"/>
           </a:p>
@@ -2384,7 +2820,7 @@
           <a:p>
             <a:fld id="{82DF6F50-6649-4E72-90E0-B87FF704A153}" type="datetimeFigureOut">
               <a:rPr lang="zh-CN" altLang="en-US" smtClean="0"/>
-              <a:t>2019/11/18</a:t>
+              <a:t>2020/4/9</a:t>
             </a:fld>
             <a:endParaRPr lang="zh-CN" altLang="en-US"/>
           </a:p>
@@ -2672,7 +3108,7 @@
           <a:p>
             <a:fld id="{82DF6F50-6649-4E72-90E0-B87FF704A153}" type="datetimeFigureOut">
               <a:rPr lang="zh-CN" altLang="en-US" smtClean="0"/>
-              <a:t>2019/11/18</a:t>
+              <a:t>2020/4/9</a:t>
             </a:fld>
             <a:endParaRPr lang="zh-CN" altLang="en-US"/>
           </a:p>
@@ -2913,7 +3349,7 @@
           <a:p>
             <a:fld id="{82DF6F50-6649-4E72-90E0-B87FF704A153}" type="datetimeFigureOut">
               <a:rPr lang="zh-CN" altLang="en-US" smtClean="0"/>
-              <a:t>2019/11/18</a:t>
+              <a:t>2020/4/9</a:t>
             </a:fld>
             <a:endParaRPr lang="zh-CN" altLang="en-US"/>
           </a:p>
@@ -3793,6 +4229,240 @@
           <a:chExt cx="0" cy="0"/>
         </a:xfrm>
       </p:grpSpPr>
+      <p:pic>
+        <p:nvPicPr>
+          <p:cNvPr id="3" name="图片 2">
+            <a:extLst>
+              <a:ext uri="{FF2B5EF4-FFF2-40B4-BE49-F238E27FC236}">
+                <a16:creationId xmlns:a16="http://schemas.microsoft.com/office/drawing/2014/main" id="{0F06725D-A05C-4F2F-856A-D787BF8DD58A}"/>
+              </a:ext>
+            </a:extLst>
+          </p:cNvPr>
+          <p:cNvPicPr>
+            <a:picLocks noChangeAspect="1"/>
+          </p:cNvPicPr>
+          <p:nvPr/>
+        </p:nvPicPr>
+        <p:blipFill>
+          <a:blip r:embed="rId2">
+            <a:extLst>
+              <a:ext uri="{28A0092B-C50C-407E-A947-70E740481C1C}">
+                <a14:useLocalDpi xmlns:a14="http://schemas.microsoft.com/office/drawing/2010/main" val="0"/>
+              </a:ext>
+            </a:extLst>
+          </a:blip>
+          <a:stretch>
+            <a:fillRect/>
+          </a:stretch>
+        </p:blipFill>
+        <p:spPr>
+          <a:xfrm>
+            <a:off x="6293355" y="934826"/>
+            <a:ext cx="4528526" cy="3534195"/>
+          </a:xfrm>
+          <a:prstGeom prst="rect">
+            <a:avLst/>
+          </a:prstGeom>
+        </p:spPr>
+      </p:pic>
+      <p:sp>
+        <p:nvSpPr>
+          <p:cNvPr id="4" name="文本框 3">
+            <a:extLst>
+              <a:ext uri="{FF2B5EF4-FFF2-40B4-BE49-F238E27FC236}">
+                <a16:creationId xmlns:a16="http://schemas.microsoft.com/office/drawing/2014/main" id="{1B0A88BA-63A0-4C8E-B042-D62C566BDE7F}"/>
+              </a:ext>
+            </a:extLst>
+          </p:cNvPr>
+          <p:cNvSpPr txBox="1"/>
+          <p:nvPr/>
+        </p:nvSpPr>
+        <p:spPr>
+          <a:xfrm>
+            <a:off x="5726261" y="2332591"/>
+            <a:ext cx="566181" cy="369332"/>
+          </a:xfrm>
+          <a:prstGeom prst="rect">
+            <a:avLst/>
+          </a:prstGeom>
+          <a:noFill/>
+        </p:spPr>
+        <p:txBody>
+          <a:bodyPr wrap="none" rtlCol="0">
+            <a:spAutoFit/>
+          </a:bodyPr>
+          <a:lstStyle/>
+          <a:p>
+            <a:r>
+              <a:rPr lang="en-US" altLang="zh-CN" dirty="0"/>
+              <a:t>Dec</a:t>
+            </a:r>
+            <a:endParaRPr lang="zh-CN" altLang="en-US" dirty="0"/>
+          </a:p>
+        </p:txBody>
+      </p:sp>
+      <p:sp>
+        <p:nvSpPr>
+          <p:cNvPr id="5" name="文本框 4">
+            <a:extLst>
+              <a:ext uri="{FF2B5EF4-FFF2-40B4-BE49-F238E27FC236}">
+                <a16:creationId xmlns:a16="http://schemas.microsoft.com/office/drawing/2014/main" id="{B8CCD115-B44E-4CED-8DE4-E508C2013D38}"/>
+              </a:ext>
+            </a:extLst>
+          </p:cNvPr>
+          <p:cNvSpPr txBox="1"/>
+          <p:nvPr/>
+        </p:nvSpPr>
+        <p:spPr>
+          <a:xfrm>
+            <a:off x="8697158" y="4469021"/>
+            <a:ext cx="433132" cy="369332"/>
+          </a:xfrm>
+          <a:prstGeom prst="rect">
+            <a:avLst/>
+          </a:prstGeom>
+          <a:noFill/>
+        </p:spPr>
+        <p:txBody>
+          <a:bodyPr wrap="none" rtlCol="0">
+            <a:spAutoFit/>
+          </a:bodyPr>
+          <a:lstStyle/>
+          <a:p>
+            <a:r>
+              <a:rPr lang="en-US" altLang="zh-CN" dirty="0"/>
+              <a:t>Ra</a:t>
+            </a:r>
+            <a:endParaRPr lang="zh-CN" altLang="en-US" dirty="0"/>
+          </a:p>
+        </p:txBody>
+      </p:sp>
+      <p:sp>
+        <p:nvSpPr>
+          <p:cNvPr id="6" name="文本框 5">
+            <a:extLst>
+              <a:ext uri="{FF2B5EF4-FFF2-40B4-BE49-F238E27FC236}">
+                <a16:creationId xmlns:a16="http://schemas.microsoft.com/office/drawing/2014/main" id="{F93B7AF4-F7AF-48BA-AEBE-949B64B7D314}"/>
+              </a:ext>
+            </a:extLst>
+          </p:cNvPr>
+          <p:cNvSpPr txBox="1"/>
+          <p:nvPr/>
+        </p:nvSpPr>
+        <p:spPr>
+          <a:xfrm>
+            <a:off x="1154097" y="1083491"/>
+            <a:ext cx="2823209" cy="369332"/>
+          </a:xfrm>
+          <a:prstGeom prst="rect">
+            <a:avLst/>
+          </a:prstGeom>
+          <a:noFill/>
+        </p:spPr>
+        <p:txBody>
+          <a:bodyPr wrap="none" rtlCol="0">
+            <a:spAutoFit/>
+          </a:bodyPr>
+          <a:lstStyle/>
+          <a:p>
+            <a:r>
+              <a:rPr lang="en-US" altLang="zh-CN" dirty="0"/>
+              <a:t>Area segment for jackknife</a:t>
+            </a:r>
+            <a:endParaRPr lang="zh-CN" altLang="en-US" dirty="0"/>
+          </a:p>
+        </p:txBody>
+      </p:sp>
+      <p:sp>
+        <p:nvSpPr>
+          <p:cNvPr id="7" name="文本框 6">
+            <a:extLst>
+              <a:ext uri="{FF2B5EF4-FFF2-40B4-BE49-F238E27FC236}">
+                <a16:creationId xmlns:a16="http://schemas.microsoft.com/office/drawing/2014/main" id="{B9A1F93B-2582-4F68-8EBE-4A28951CB3B4}"/>
+              </a:ext>
+            </a:extLst>
+          </p:cNvPr>
+          <p:cNvSpPr txBox="1"/>
+          <p:nvPr/>
+        </p:nvSpPr>
+        <p:spPr>
+          <a:xfrm>
+            <a:off x="1154097" y="1793704"/>
+            <a:ext cx="2449710" cy="369332"/>
+          </a:xfrm>
+          <a:prstGeom prst="rect">
+            <a:avLst/>
+          </a:prstGeom>
+          <a:noFill/>
+        </p:spPr>
+        <p:txBody>
+          <a:bodyPr wrap="none" rtlCol="0">
+            <a:spAutoFit/>
+          </a:bodyPr>
+          <a:lstStyle/>
+          <a:p>
+            <a:r>
+              <a:rPr lang="en-US" altLang="zh-CN" dirty="0"/>
+              <a:t>Package: </a:t>
+            </a:r>
+            <a:r>
+              <a:rPr lang="en-US" altLang="zh-CN" dirty="0" err="1"/>
+              <a:t>Kmean_radec</a:t>
+            </a:r>
+            <a:endParaRPr lang="zh-CN" altLang="en-US" dirty="0"/>
+          </a:p>
+        </p:txBody>
+      </p:sp>
+      <p:sp>
+        <p:nvSpPr>
+          <p:cNvPr id="8" name="文本框 7">
+            <a:extLst>
+              <a:ext uri="{FF2B5EF4-FFF2-40B4-BE49-F238E27FC236}">
+                <a16:creationId xmlns:a16="http://schemas.microsoft.com/office/drawing/2014/main" id="{FD59C446-5A0F-4CAC-A2B3-9975F215F09D}"/>
+              </a:ext>
+            </a:extLst>
+          </p:cNvPr>
+          <p:cNvSpPr txBox="1"/>
+          <p:nvPr/>
+        </p:nvSpPr>
+        <p:spPr>
+          <a:xfrm>
+            <a:off x="1154097" y="2503917"/>
+            <a:ext cx="2962671" cy="646331"/>
+          </a:xfrm>
+          <a:prstGeom prst="rect">
+            <a:avLst/>
+          </a:prstGeom>
+          <a:noFill/>
+        </p:spPr>
+        <p:txBody>
+          <a:bodyPr wrap="none" rtlCol="0">
+            <a:spAutoFit/>
+          </a:bodyPr>
+          <a:lstStyle/>
+          <a:p>
+            <a:r>
+              <a:rPr lang="en-US" altLang="zh-CN" dirty="0"/>
+              <a:t>N areas</a:t>
+            </a:r>
+          </a:p>
+          <a:p>
+            <a:r>
+              <a:rPr lang="en-US" altLang="zh-CN" dirty="0"/>
+              <a:t>Area label: [</a:t>
+            </a:r>
+            <a:r>
+              <a:rPr lang="en-US" altLang="zh-CN" dirty="0" err="1"/>
+              <a:t>Ndata</a:t>
+            </a:r>
+            <a:r>
+              <a:rPr lang="en-US" altLang="zh-CN" dirty="0"/>
+              <a:t>, ] ~ (0, N)</a:t>
+            </a:r>
+            <a:endParaRPr lang="zh-CN" altLang="en-US" dirty="0"/>
+          </a:p>
+        </p:txBody>
+      </p:sp>
     </p:spTree>
     <p:extLst>
       <p:ext uri="{BB962C8B-B14F-4D97-AF65-F5344CB8AC3E}">
@@ -3823,6 +4493,2249 @@
           <a:chExt cx="0" cy="0"/>
         </a:xfrm>
       </p:grpSpPr>
+      <p:sp>
+        <p:nvSpPr>
+          <p:cNvPr id="2" name="文本框 1">
+            <a:extLst>
+              <a:ext uri="{FF2B5EF4-FFF2-40B4-BE49-F238E27FC236}">
+                <a16:creationId xmlns:a16="http://schemas.microsoft.com/office/drawing/2014/main" id="{29A7670D-6715-4648-B53C-DB501C97E2E1}"/>
+              </a:ext>
+            </a:extLst>
+          </p:cNvPr>
+          <p:cNvSpPr txBox="1"/>
+          <p:nvPr/>
+        </p:nvSpPr>
+        <p:spPr>
+          <a:xfrm>
+            <a:off x="4738897" y="150919"/>
+            <a:ext cx="2714205" cy="369332"/>
+          </a:xfrm>
+          <a:prstGeom prst="rect">
+            <a:avLst/>
+          </a:prstGeom>
+          <a:noFill/>
+        </p:spPr>
+        <p:txBody>
+          <a:bodyPr wrap="none" rtlCol="0">
+            <a:spAutoFit/>
+          </a:bodyPr>
+          <a:lstStyle/>
+          <a:p>
+            <a:r>
+              <a:rPr lang="en-US" altLang="zh-CN" dirty="0"/>
+              <a:t>Data structure in memory</a:t>
+            </a:r>
+            <a:endParaRPr lang="zh-CN" altLang="en-US" dirty="0"/>
+          </a:p>
+        </p:txBody>
+      </p:sp>
+      <p:sp>
+        <p:nvSpPr>
+          <p:cNvPr id="3" name="矩形 2">
+            <a:extLst>
+              <a:ext uri="{FF2B5EF4-FFF2-40B4-BE49-F238E27FC236}">
+                <a16:creationId xmlns:a16="http://schemas.microsoft.com/office/drawing/2014/main" id="{48CFB2C5-10AA-49E3-A01C-77F25484FAB1}"/>
+              </a:ext>
+            </a:extLst>
+          </p:cNvPr>
+          <p:cNvSpPr/>
+          <p:nvPr/>
+        </p:nvSpPr>
+        <p:spPr>
+          <a:xfrm>
+            <a:off x="929196" y="1603328"/>
+            <a:ext cx="1148180" cy="532660"/>
+          </a:xfrm>
+          <a:prstGeom prst="rect">
+            <a:avLst/>
+          </a:prstGeom>
+          <a:ln>
+            <a:noFill/>
+          </a:ln>
+        </p:spPr>
+        <p:style>
+          <a:lnRef idx="2">
+            <a:schemeClr val="accent1">
+              <a:shade val="50000"/>
+            </a:schemeClr>
+          </a:lnRef>
+          <a:fillRef idx="1">
+            <a:schemeClr val="accent1"/>
+          </a:fillRef>
+          <a:effectRef idx="0">
+            <a:schemeClr val="accent1"/>
+          </a:effectRef>
+          <a:fontRef idx="minor">
+            <a:schemeClr val="lt1"/>
+          </a:fontRef>
+        </p:style>
+        <p:txBody>
+          <a:bodyPr rtlCol="0" anchor="ctr"/>
+          <a:lstStyle/>
+          <a:p>
+            <a:pPr algn="ctr"/>
+            <a:r>
+              <a:rPr lang="en-US" altLang="zh-CN" dirty="0"/>
+              <a:t>0</a:t>
+            </a:r>
+            <a:endParaRPr lang="zh-CN" altLang="en-US" dirty="0"/>
+          </a:p>
+        </p:txBody>
+      </p:sp>
+      <p:sp>
+        <p:nvSpPr>
+          <p:cNvPr id="4" name="矩形 3">
+            <a:extLst>
+              <a:ext uri="{FF2B5EF4-FFF2-40B4-BE49-F238E27FC236}">
+                <a16:creationId xmlns:a16="http://schemas.microsoft.com/office/drawing/2014/main" id="{A2D8DE77-920E-4FD4-BF9A-6122F4F2381C}"/>
+              </a:ext>
+            </a:extLst>
+          </p:cNvPr>
+          <p:cNvSpPr/>
+          <p:nvPr/>
+        </p:nvSpPr>
+        <p:spPr>
+          <a:xfrm>
+            <a:off x="2077376" y="1603328"/>
+            <a:ext cx="1148180" cy="532660"/>
+          </a:xfrm>
+          <a:prstGeom prst="rect">
+            <a:avLst/>
+          </a:prstGeom>
+          <a:solidFill>
+            <a:schemeClr val="accent5">
+              <a:lumMod val="60000"/>
+              <a:lumOff val="40000"/>
+            </a:schemeClr>
+          </a:solidFill>
+          <a:ln>
+            <a:noFill/>
+          </a:ln>
+        </p:spPr>
+        <p:style>
+          <a:lnRef idx="2">
+            <a:schemeClr val="accent1">
+              <a:shade val="50000"/>
+            </a:schemeClr>
+          </a:lnRef>
+          <a:fillRef idx="1">
+            <a:schemeClr val="accent1"/>
+          </a:fillRef>
+          <a:effectRef idx="0">
+            <a:schemeClr val="accent1"/>
+          </a:effectRef>
+          <a:fontRef idx="minor">
+            <a:schemeClr val="lt1"/>
+          </a:fontRef>
+        </p:style>
+        <p:txBody>
+          <a:bodyPr rtlCol="0" anchor="ctr"/>
+          <a:lstStyle/>
+          <a:p>
+            <a:pPr algn="ctr"/>
+            <a:r>
+              <a:rPr lang="en-US" altLang="zh-CN" dirty="0"/>
+              <a:t>1</a:t>
+            </a:r>
+            <a:endParaRPr lang="zh-CN" altLang="en-US" dirty="0"/>
+          </a:p>
+        </p:txBody>
+      </p:sp>
+      <p:sp>
+        <p:nvSpPr>
+          <p:cNvPr id="5" name="矩形 4">
+            <a:extLst>
+              <a:ext uri="{FF2B5EF4-FFF2-40B4-BE49-F238E27FC236}">
+                <a16:creationId xmlns:a16="http://schemas.microsoft.com/office/drawing/2014/main" id="{DB16C24B-DF5A-4DB5-8821-0137251F760D}"/>
+              </a:ext>
+            </a:extLst>
+          </p:cNvPr>
+          <p:cNvSpPr/>
+          <p:nvPr/>
+        </p:nvSpPr>
+        <p:spPr>
+          <a:xfrm>
+            <a:off x="3225556" y="1603328"/>
+            <a:ext cx="1148180" cy="532660"/>
+          </a:xfrm>
+          <a:prstGeom prst="rect">
+            <a:avLst/>
+          </a:prstGeom>
+          <a:ln>
+            <a:noFill/>
+          </a:ln>
+        </p:spPr>
+        <p:style>
+          <a:lnRef idx="2">
+            <a:schemeClr val="accent1">
+              <a:shade val="50000"/>
+            </a:schemeClr>
+          </a:lnRef>
+          <a:fillRef idx="1">
+            <a:schemeClr val="accent1"/>
+          </a:fillRef>
+          <a:effectRef idx="0">
+            <a:schemeClr val="accent1"/>
+          </a:effectRef>
+          <a:fontRef idx="minor">
+            <a:schemeClr val="lt1"/>
+          </a:fontRef>
+        </p:style>
+        <p:txBody>
+          <a:bodyPr rtlCol="0" anchor="ctr"/>
+          <a:lstStyle/>
+          <a:p>
+            <a:pPr algn="ctr"/>
+            <a:r>
+              <a:rPr lang="en-US" altLang="zh-CN" dirty="0"/>
+              <a:t>2</a:t>
+            </a:r>
+            <a:endParaRPr lang="zh-CN" altLang="en-US" dirty="0"/>
+          </a:p>
+        </p:txBody>
+      </p:sp>
+      <p:sp>
+        <p:nvSpPr>
+          <p:cNvPr id="6" name="矩形 5">
+            <a:extLst>
+              <a:ext uri="{FF2B5EF4-FFF2-40B4-BE49-F238E27FC236}">
+                <a16:creationId xmlns:a16="http://schemas.microsoft.com/office/drawing/2014/main" id="{91E1CB43-CF17-4FA6-9BA6-F0F2F1323271}"/>
+              </a:ext>
+            </a:extLst>
+          </p:cNvPr>
+          <p:cNvSpPr/>
+          <p:nvPr/>
+        </p:nvSpPr>
+        <p:spPr>
+          <a:xfrm>
+            <a:off x="5171662" y="1603328"/>
+            <a:ext cx="1148180" cy="532660"/>
+          </a:xfrm>
+          <a:prstGeom prst="rect">
+            <a:avLst/>
+          </a:prstGeom>
+          <a:solidFill>
+            <a:schemeClr val="accent5">
+              <a:lumMod val="60000"/>
+              <a:lumOff val="40000"/>
+            </a:schemeClr>
+          </a:solidFill>
+          <a:ln>
+            <a:noFill/>
+          </a:ln>
+        </p:spPr>
+        <p:style>
+          <a:lnRef idx="2">
+            <a:schemeClr val="accent1">
+              <a:shade val="50000"/>
+            </a:schemeClr>
+          </a:lnRef>
+          <a:fillRef idx="1">
+            <a:schemeClr val="accent1"/>
+          </a:fillRef>
+          <a:effectRef idx="0">
+            <a:schemeClr val="accent1"/>
+          </a:effectRef>
+          <a:fontRef idx="minor">
+            <a:schemeClr val="lt1"/>
+          </a:fontRef>
+        </p:style>
+        <p:txBody>
+          <a:bodyPr rtlCol="0" anchor="ctr"/>
+          <a:lstStyle/>
+          <a:p>
+            <a:pPr algn="ctr"/>
+            <a:r>
+              <a:rPr lang="en-US" altLang="zh-CN" dirty="0" err="1"/>
+              <a:t>i</a:t>
+            </a:r>
+            <a:endParaRPr lang="zh-CN" altLang="en-US" dirty="0"/>
+          </a:p>
+        </p:txBody>
+      </p:sp>
+      <p:sp>
+        <p:nvSpPr>
+          <p:cNvPr id="7" name="矩形 6">
+            <a:extLst>
+              <a:ext uri="{FF2B5EF4-FFF2-40B4-BE49-F238E27FC236}">
+                <a16:creationId xmlns:a16="http://schemas.microsoft.com/office/drawing/2014/main" id="{1E44BC25-348C-4F0B-B5AC-961731CEF65A}"/>
+              </a:ext>
+            </a:extLst>
+          </p:cNvPr>
+          <p:cNvSpPr/>
+          <p:nvPr/>
+        </p:nvSpPr>
+        <p:spPr>
+          <a:xfrm>
+            <a:off x="8309504" y="1603328"/>
+            <a:ext cx="1148180" cy="532660"/>
+          </a:xfrm>
+          <a:prstGeom prst="rect">
+            <a:avLst/>
+          </a:prstGeom>
+          <a:ln>
+            <a:noFill/>
+          </a:ln>
+        </p:spPr>
+        <p:style>
+          <a:lnRef idx="2">
+            <a:schemeClr val="accent1">
+              <a:shade val="50000"/>
+            </a:schemeClr>
+          </a:lnRef>
+          <a:fillRef idx="1">
+            <a:schemeClr val="accent1"/>
+          </a:fillRef>
+          <a:effectRef idx="0">
+            <a:schemeClr val="accent1"/>
+          </a:effectRef>
+          <a:fontRef idx="minor">
+            <a:schemeClr val="lt1"/>
+          </a:fontRef>
+        </p:style>
+        <p:txBody>
+          <a:bodyPr rtlCol="0" anchor="ctr"/>
+          <a:lstStyle/>
+          <a:p>
+            <a:pPr algn="ctr"/>
+            <a:r>
+              <a:rPr lang="en-US" altLang="zh-CN" dirty="0"/>
+              <a:t>n-1</a:t>
+            </a:r>
+            <a:endParaRPr lang="zh-CN" altLang="en-US" dirty="0"/>
+          </a:p>
+        </p:txBody>
+      </p:sp>
+      <p:sp>
+        <p:nvSpPr>
+          <p:cNvPr id="8" name="矩形 7">
+            <a:extLst>
+              <a:ext uri="{FF2B5EF4-FFF2-40B4-BE49-F238E27FC236}">
+                <a16:creationId xmlns:a16="http://schemas.microsoft.com/office/drawing/2014/main" id="{C61B382D-DE7E-4CF2-8FD4-2A1D6024C90C}"/>
+              </a:ext>
+            </a:extLst>
+          </p:cNvPr>
+          <p:cNvSpPr/>
+          <p:nvPr/>
+        </p:nvSpPr>
+        <p:spPr>
+          <a:xfrm>
+            <a:off x="9457684" y="1603328"/>
+            <a:ext cx="1148180" cy="532660"/>
+          </a:xfrm>
+          <a:prstGeom prst="rect">
+            <a:avLst/>
+          </a:prstGeom>
+          <a:solidFill>
+            <a:schemeClr val="accent5">
+              <a:lumMod val="60000"/>
+              <a:lumOff val="40000"/>
+            </a:schemeClr>
+          </a:solidFill>
+          <a:ln>
+            <a:noFill/>
+          </a:ln>
+        </p:spPr>
+        <p:style>
+          <a:lnRef idx="2">
+            <a:schemeClr val="accent1">
+              <a:shade val="50000"/>
+            </a:schemeClr>
+          </a:lnRef>
+          <a:fillRef idx="1">
+            <a:schemeClr val="accent1"/>
+          </a:fillRef>
+          <a:effectRef idx="0">
+            <a:schemeClr val="accent1"/>
+          </a:effectRef>
+          <a:fontRef idx="minor">
+            <a:schemeClr val="lt1"/>
+          </a:fontRef>
+        </p:style>
+        <p:txBody>
+          <a:bodyPr rtlCol="0" anchor="ctr"/>
+          <a:lstStyle/>
+          <a:p>
+            <a:pPr algn="ctr"/>
+            <a:r>
+              <a:rPr lang="en-US" altLang="zh-CN" dirty="0"/>
+              <a:t>n</a:t>
+            </a:r>
+            <a:endParaRPr lang="zh-CN" altLang="en-US" dirty="0"/>
+          </a:p>
+        </p:txBody>
+      </p:sp>
+      <p:sp>
+        <p:nvSpPr>
+          <p:cNvPr id="10" name="右大括号 9">
+            <a:extLst>
+              <a:ext uri="{FF2B5EF4-FFF2-40B4-BE49-F238E27FC236}">
+                <a16:creationId xmlns:a16="http://schemas.microsoft.com/office/drawing/2014/main" id="{4127B95F-14AE-43AA-B254-5B5B79BABAF5}"/>
+              </a:ext>
+            </a:extLst>
+          </p:cNvPr>
+          <p:cNvSpPr/>
+          <p:nvPr/>
+        </p:nvSpPr>
+        <p:spPr>
+          <a:xfrm rot="16200000">
+            <a:off x="5029204" y="-2910371"/>
+            <a:ext cx="328474" cy="8528489"/>
+          </a:xfrm>
+          <a:prstGeom prst="rightBrace">
+            <a:avLst/>
+          </a:prstGeom>
+        </p:spPr>
+        <p:style>
+          <a:lnRef idx="1">
+            <a:schemeClr val="accent1"/>
+          </a:lnRef>
+          <a:fillRef idx="0">
+            <a:schemeClr val="accent1"/>
+          </a:fillRef>
+          <a:effectRef idx="0">
+            <a:schemeClr val="accent1"/>
+          </a:effectRef>
+          <a:fontRef idx="minor">
+            <a:schemeClr val="tx1"/>
+          </a:fontRef>
+        </p:style>
+        <p:txBody>
+          <a:bodyPr rtlCol="0" anchor="ctr"/>
+          <a:lstStyle/>
+          <a:p>
+            <a:pPr algn="ctr"/>
+            <a:endParaRPr lang="zh-CN" altLang="en-US"/>
+          </a:p>
+        </p:txBody>
+      </p:sp>
+      <p:sp>
+        <p:nvSpPr>
+          <p:cNvPr id="11" name="文本框 10">
+            <a:extLst>
+              <a:ext uri="{FF2B5EF4-FFF2-40B4-BE49-F238E27FC236}">
+                <a16:creationId xmlns:a16="http://schemas.microsoft.com/office/drawing/2014/main" id="{D576FDD9-E15F-4727-A3D1-96FFC1EAAEFF}"/>
+              </a:ext>
+            </a:extLst>
+          </p:cNvPr>
+          <p:cNvSpPr txBox="1"/>
+          <p:nvPr/>
+        </p:nvSpPr>
+        <p:spPr>
+          <a:xfrm>
+            <a:off x="4514948" y="777696"/>
+            <a:ext cx="1537600" cy="369332"/>
+          </a:xfrm>
+          <a:prstGeom prst="rect">
+            <a:avLst/>
+          </a:prstGeom>
+          <a:noFill/>
+        </p:spPr>
+        <p:txBody>
+          <a:bodyPr wrap="none" rtlCol="0">
+            <a:spAutoFit/>
+          </a:bodyPr>
+          <a:lstStyle/>
+          <a:p>
+            <a:r>
+              <a:rPr lang="en-US" altLang="zh-CN" dirty="0"/>
+              <a:t>n areas, 0 ~ n</a:t>
+            </a:r>
+            <a:endParaRPr lang="zh-CN" altLang="en-US" dirty="0"/>
+          </a:p>
+        </p:txBody>
+      </p:sp>
+      <p:sp>
+        <p:nvSpPr>
+          <p:cNvPr id="12" name="箭头: 下 11">
+            <a:extLst>
+              <a:ext uri="{FF2B5EF4-FFF2-40B4-BE49-F238E27FC236}">
+                <a16:creationId xmlns:a16="http://schemas.microsoft.com/office/drawing/2014/main" id="{C17EF6A1-2673-4AA8-9D6D-8B0C8AEF6A91}"/>
+              </a:ext>
+            </a:extLst>
+          </p:cNvPr>
+          <p:cNvSpPr/>
+          <p:nvPr/>
+        </p:nvSpPr>
+        <p:spPr>
+          <a:xfrm>
+            <a:off x="5598375" y="2279337"/>
+            <a:ext cx="230819" cy="996790"/>
+          </a:xfrm>
+          <a:prstGeom prst="downArrow">
+            <a:avLst/>
+          </a:prstGeom>
+        </p:spPr>
+        <p:style>
+          <a:lnRef idx="2">
+            <a:schemeClr val="accent1">
+              <a:shade val="50000"/>
+            </a:schemeClr>
+          </a:lnRef>
+          <a:fillRef idx="1">
+            <a:schemeClr val="accent1"/>
+          </a:fillRef>
+          <a:effectRef idx="0">
+            <a:schemeClr val="accent1"/>
+          </a:effectRef>
+          <a:fontRef idx="minor">
+            <a:schemeClr val="lt1"/>
+          </a:fontRef>
+        </p:style>
+        <p:txBody>
+          <a:bodyPr rtlCol="0" anchor="ctr"/>
+          <a:lstStyle/>
+          <a:p>
+            <a:pPr algn="ctr"/>
+            <a:endParaRPr lang="zh-CN" altLang="en-US" dirty="0"/>
+          </a:p>
+        </p:txBody>
+      </p:sp>
+      <p:grpSp>
+        <p:nvGrpSpPr>
+          <p:cNvPr id="19" name="组合 18">
+            <a:extLst>
+              <a:ext uri="{FF2B5EF4-FFF2-40B4-BE49-F238E27FC236}">
+                <a16:creationId xmlns:a16="http://schemas.microsoft.com/office/drawing/2014/main" id="{4DD9422B-20E9-43E2-9922-47E49C6D09F5}"/>
+              </a:ext>
+            </a:extLst>
+          </p:cNvPr>
+          <p:cNvGrpSpPr/>
+          <p:nvPr/>
+        </p:nvGrpSpPr>
+        <p:grpSpPr>
+          <a:xfrm>
+            <a:off x="1649074" y="3953629"/>
+            <a:ext cx="7218208" cy="532660"/>
+            <a:chOff x="1618695" y="3593405"/>
+            <a:chExt cx="7218208" cy="532660"/>
+          </a:xfrm>
+        </p:grpSpPr>
+        <p:sp>
+          <p:nvSpPr>
+            <p:cNvPr id="9" name="文本框 8">
+              <a:extLst>
+                <a:ext uri="{FF2B5EF4-FFF2-40B4-BE49-F238E27FC236}">
+                  <a16:creationId xmlns:a16="http://schemas.microsoft.com/office/drawing/2014/main" id="{04B725FB-88BC-4B3C-9330-17FBF5AA0901}"/>
+                </a:ext>
+              </a:extLst>
+            </p:cNvPr>
+            <p:cNvSpPr txBox="1"/>
+            <p:nvPr/>
+          </p:nvSpPr>
+          <p:spPr>
+            <a:xfrm>
+              <a:off x="6492869" y="3675069"/>
+              <a:ext cx="914400" cy="369332"/>
+            </a:xfrm>
+            <a:prstGeom prst="rect">
+              <a:avLst/>
+            </a:prstGeom>
+            <a:noFill/>
+          </p:spPr>
+          <p:txBody>
+            <a:bodyPr wrap="square" rtlCol="0">
+              <a:spAutoFit/>
+            </a:bodyPr>
+            <a:lstStyle/>
+            <a:p>
+              <a:pPr algn="ctr"/>
+              <a:r>
+                <a:rPr lang="en-US" altLang="zh-CN" b="1" dirty="0"/>
+                <a:t>……</a:t>
+              </a:r>
+              <a:endParaRPr lang="zh-CN" altLang="en-US" b="1" dirty="0"/>
+            </a:p>
+          </p:txBody>
+        </p:sp>
+        <p:sp>
+          <p:nvSpPr>
+            <p:cNvPr id="14" name="矩形 13">
+              <a:extLst>
+                <a:ext uri="{FF2B5EF4-FFF2-40B4-BE49-F238E27FC236}">
+                  <a16:creationId xmlns:a16="http://schemas.microsoft.com/office/drawing/2014/main" id="{3E38D61B-9EF3-4E29-9A90-50EF0B08621F}"/>
+                </a:ext>
+              </a:extLst>
+            </p:cNvPr>
+            <p:cNvSpPr/>
+            <p:nvPr/>
+          </p:nvSpPr>
+          <p:spPr>
+            <a:xfrm>
+              <a:off x="1618695" y="3593405"/>
+              <a:ext cx="1148180" cy="532660"/>
+            </a:xfrm>
+            <a:prstGeom prst="rect">
+              <a:avLst/>
+            </a:prstGeom>
+            <a:solidFill>
+              <a:schemeClr val="accent5">
+                <a:lumMod val="60000"/>
+                <a:lumOff val="40000"/>
+              </a:schemeClr>
+            </a:solidFill>
+            <a:ln>
+              <a:noFill/>
+            </a:ln>
+          </p:spPr>
+          <p:style>
+            <a:lnRef idx="2">
+              <a:schemeClr val="accent1">
+                <a:shade val="50000"/>
+              </a:schemeClr>
+            </a:lnRef>
+            <a:fillRef idx="1">
+              <a:schemeClr val="accent1"/>
+            </a:fillRef>
+            <a:effectRef idx="0">
+              <a:schemeClr val="accent1"/>
+            </a:effectRef>
+            <a:fontRef idx="minor">
+              <a:schemeClr val="lt1"/>
+            </a:fontRef>
+          </p:style>
+          <p:txBody>
+            <a:bodyPr rtlCol="0" anchor="ctr"/>
+            <a:lstStyle/>
+            <a:p>
+              <a:pPr algn="ctr"/>
+              <a:r>
+                <a:rPr lang="en-US" altLang="zh-CN" dirty="0"/>
+                <a:t>0</a:t>
+              </a:r>
+              <a:endParaRPr lang="zh-CN" altLang="en-US" dirty="0"/>
+            </a:p>
+          </p:txBody>
+        </p:sp>
+        <p:sp>
+          <p:nvSpPr>
+            <p:cNvPr id="15" name="矩形 14">
+              <a:extLst>
+                <a:ext uri="{FF2B5EF4-FFF2-40B4-BE49-F238E27FC236}">
+                  <a16:creationId xmlns:a16="http://schemas.microsoft.com/office/drawing/2014/main" id="{CAE34013-E2A6-4DFE-8A1A-4238B021D3EB}"/>
+                </a:ext>
+              </a:extLst>
+            </p:cNvPr>
+            <p:cNvSpPr/>
+            <p:nvPr/>
+          </p:nvSpPr>
+          <p:spPr>
+            <a:xfrm>
+              <a:off x="2766875" y="3593405"/>
+              <a:ext cx="1148180" cy="532660"/>
+            </a:xfrm>
+            <a:prstGeom prst="rect">
+              <a:avLst/>
+            </a:prstGeom>
+            <a:solidFill>
+              <a:schemeClr val="accent1"/>
+            </a:solidFill>
+            <a:ln>
+              <a:noFill/>
+            </a:ln>
+          </p:spPr>
+          <p:style>
+            <a:lnRef idx="2">
+              <a:schemeClr val="accent1">
+                <a:shade val="50000"/>
+              </a:schemeClr>
+            </a:lnRef>
+            <a:fillRef idx="1">
+              <a:schemeClr val="accent1"/>
+            </a:fillRef>
+            <a:effectRef idx="0">
+              <a:schemeClr val="accent1"/>
+            </a:effectRef>
+            <a:fontRef idx="minor">
+              <a:schemeClr val="lt1"/>
+            </a:fontRef>
+          </p:style>
+          <p:txBody>
+            <a:bodyPr rtlCol="0" anchor="ctr"/>
+            <a:lstStyle/>
+            <a:p>
+              <a:pPr algn="ctr"/>
+              <a:r>
+                <a:rPr lang="en-US" altLang="zh-CN" dirty="0"/>
+                <a:t>1</a:t>
+              </a:r>
+              <a:endParaRPr lang="zh-CN" altLang="en-US" dirty="0"/>
+            </a:p>
+          </p:txBody>
+        </p:sp>
+        <p:sp>
+          <p:nvSpPr>
+            <p:cNvPr id="16" name="矩形 15">
+              <a:extLst>
+                <a:ext uri="{FF2B5EF4-FFF2-40B4-BE49-F238E27FC236}">
+                  <a16:creationId xmlns:a16="http://schemas.microsoft.com/office/drawing/2014/main" id="{9E0551F3-ED31-482B-9F78-553FD27F4132}"/>
+                </a:ext>
+              </a:extLst>
+            </p:cNvPr>
+            <p:cNvSpPr/>
+            <p:nvPr/>
+          </p:nvSpPr>
+          <p:spPr>
+            <a:xfrm>
+              <a:off x="3915055" y="3593405"/>
+              <a:ext cx="1148180" cy="532660"/>
+            </a:xfrm>
+            <a:prstGeom prst="rect">
+              <a:avLst/>
+            </a:prstGeom>
+            <a:solidFill>
+              <a:schemeClr val="accent5">
+                <a:lumMod val="40000"/>
+                <a:lumOff val="60000"/>
+              </a:schemeClr>
+            </a:solidFill>
+            <a:ln>
+              <a:noFill/>
+            </a:ln>
+          </p:spPr>
+          <p:style>
+            <a:lnRef idx="2">
+              <a:schemeClr val="accent1">
+                <a:shade val="50000"/>
+              </a:schemeClr>
+            </a:lnRef>
+            <a:fillRef idx="1">
+              <a:schemeClr val="accent1"/>
+            </a:fillRef>
+            <a:effectRef idx="0">
+              <a:schemeClr val="accent1"/>
+            </a:effectRef>
+            <a:fontRef idx="minor">
+              <a:schemeClr val="lt1"/>
+            </a:fontRef>
+          </p:style>
+          <p:txBody>
+            <a:bodyPr rtlCol="0" anchor="ctr"/>
+            <a:lstStyle/>
+            <a:p>
+              <a:pPr algn="ctr"/>
+              <a:r>
+                <a:rPr lang="en-US" altLang="zh-CN" dirty="0"/>
+                <a:t>2</a:t>
+              </a:r>
+              <a:endParaRPr lang="zh-CN" altLang="en-US" dirty="0"/>
+            </a:p>
+          </p:txBody>
+        </p:sp>
+        <p:sp>
+          <p:nvSpPr>
+            <p:cNvPr id="17" name="矩形 16">
+              <a:extLst>
+                <a:ext uri="{FF2B5EF4-FFF2-40B4-BE49-F238E27FC236}">
+                  <a16:creationId xmlns:a16="http://schemas.microsoft.com/office/drawing/2014/main" id="{AB633B65-7525-4B8A-A91F-4280F3A905EE}"/>
+                </a:ext>
+              </a:extLst>
+            </p:cNvPr>
+            <p:cNvSpPr/>
+            <p:nvPr/>
+          </p:nvSpPr>
+          <p:spPr>
+            <a:xfrm>
+              <a:off x="5063235" y="3593405"/>
+              <a:ext cx="1148180" cy="532660"/>
+            </a:xfrm>
+            <a:prstGeom prst="rect">
+              <a:avLst/>
+            </a:prstGeom>
+            <a:solidFill>
+              <a:schemeClr val="accent1"/>
+            </a:solidFill>
+            <a:ln>
+              <a:noFill/>
+            </a:ln>
+          </p:spPr>
+          <p:style>
+            <a:lnRef idx="2">
+              <a:schemeClr val="accent1">
+                <a:shade val="50000"/>
+              </a:schemeClr>
+            </a:lnRef>
+            <a:fillRef idx="1">
+              <a:schemeClr val="accent1"/>
+            </a:fillRef>
+            <a:effectRef idx="0">
+              <a:schemeClr val="accent1"/>
+            </a:effectRef>
+            <a:fontRef idx="minor">
+              <a:schemeClr val="lt1"/>
+            </a:fontRef>
+          </p:style>
+          <p:txBody>
+            <a:bodyPr rtlCol="0" anchor="ctr"/>
+            <a:lstStyle/>
+            <a:p>
+              <a:pPr algn="ctr"/>
+              <a:r>
+                <a:rPr lang="en-US" altLang="zh-CN" dirty="0"/>
+                <a:t>3</a:t>
+              </a:r>
+              <a:endParaRPr lang="zh-CN" altLang="en-US" dirty="0"/>
+            </a:p>
+          </p:txBody>
+        </p:sp>
+        <p:sp>
+          <p:nvSpPr>
+            <p:cNvPr id="18" name="矩形 17">
+              <a:extLst>
+                <a:ext uri="{FF2B5EF4-FFF2-40B4-BE49-F238E27FC236}">
+                  <a16:creationId xmlns:a16="http://schemas.microsoft.com/office/drawing/2014/main" id="{F75DF947-EC92-4EAC-84C8-537D04054A7A}"/>
+                </a:ext>
+              </a:extLst>
+            </p:cNvPr>
+            <p:cNvSpPr/>
+            <p:nvPr/>
+          </p:nvSpPr>
+          <p:spPr>
+            <a:xfrm>
+              <a:off x="7688723" y="3593405"/>
+              <a:ext cx="1148180" cy="532660"/>
+            </a:xfrm>
+            <a:prstGeom prst="rect">
+              <a:avLst/>
+            </a:prstGeom>
+            <a:ln>
+              <a:noFill/>
+            </a:ln>
+          </p:spPr>
+          <p:style>
+            <a:lnRef idx="2">
+              <a:schemeClr val="accent1">
+                <a:shade val="50000"/>
+              </a:schemeClr>
+            </a:lnRef>
+            <a:fillRef idx="1">
+              <a:schemeClr val="accent1"/>
+            </a:fillRef>
+            <a:effectRef idx="0">
+              <a:schemeClr val="accent1"/>
+            </a:effectRef>
+            <a:fontRef idx="minor">
+              <a:schemeClr val="lt1"/>
+            </a:fontRef>
+          </p:style>
+          <p:txBody>
+            <a:bodyPr rtlCol="0" anchor="ctr"/>
+            <a:lstStyle/>
+            <a:p>
+              <a:pPr algn="ctr"/>
+              <a:r>
+                <a:rPr lang="en-US" altLang="zh-CN" dirty="0"/>
+                <a:t>m-1</a:t>
+              </a:r>
+              <a:endParaRPr lang="zh-CN" altLang="en-US" dirty="0"/>
+            </a:p>
+          </p:txBody>
+        </p:sp>
+      </p:grpSp>
+      <p:sp>
+        <p:nvSpPr>
+          <p:cNvPr id="20" name="文本框 19">
+            <a:extLst>
+              <a:ext uri="{FF2B5EF4-FFF2-40B4-BE49-F238E27FC236}">
+                <a16:creationId xmlns:a16="http://schemas.microsoft.com/office/drawing/2014/main" id="{D929DF48-78D8-4CA3-ADA3-9D6C466E8F7E}"/>
+              </a:ext>
+            </a:extLst>
+          </p:cNvPr>
+          <p:cNvSpPr txBox="1"/>
+          <p:nvPr/>
+        </p:nvSpPr>
+        <p:spPr>
+          <a:xfrm rot="5400000">
+            <a:off x="861420" y="2642600"/>
+            <a:ext cx="914400" cy="369332"/>
+          </a:xfrm>
+          <a:prstGeom prst="rect">
+            <a:avLst/>
+          </a:prstGeom>
+          <a:noFill/>
+        </p:spPr>
+        <p:txBody>
+          <a:bodyPr wrap="square" rtlCol="0">
+            <a:spAutoFit/>
+          </a:bodyPr>
+          <a:lstStyle/>
+          <a:p>
+            <a:pPr algn="ctr"/>
+            <a:r>
+              <a:rPr lang="en-US" altLang="zh-CN" b="1" dirty="0"/>
+              <a:t>……</a:t>
+            </a:r>
+            <a:endParaRPr lang="zh-CN" altLang="en-US" b="1" dirty="0"/>
+          </a:p>
+        </p:txBody>
+      </p:sp>
+      <p:sp>
+        <p:nvSpPr>
+          <p:cNvPr id="21" name="文本框 20">
+            <a:extLst>
+              <a:ext uri="{FF2B5EF4-FFF2-40B4-BE49-F238E27FC236}">
+                <a16:creationId xmlns:a16="http://schemas.microsoft.com/office/drawing/2014/main" id="{F5E0CACE-630D-4D2D-9048-6D9126C9852B}"/>
+              </a:ext>
+            </a:extLst>
+          </p:cNvPr>
+          <p:cNvSpPr txBox="1"/>
+          <p:nvPr/>
+        </p:nvSpPr>
+        <p:spPr>
+          <a:xfrm rot="5400000">
+            <a:off x="2194266" y="2642600"/>
+            <a:ext cx="914400" cy="369332"/>
+          </a:xfrm>
+          <a:prstGeom prst="rect">
+            <a:avLst/>
+          </a:prstGeom>
+          <a:noFill/>
+        </p:spPr>
+        <p:txBody>
+          <a:bodyPr wrap="square" rtlCol="0">
+            <a:spAutoFit/>
+          </a:bodyPr>
+          <a:lstStyle/>
+          <a:p>
+            <a:pPr algn="ctr"/>
+            <a:r>
+              <a:rPr lang="en-US" altLang="zh-CN" b="1" dirty="0"/>
+              <a:t>……</a:t>
+            </a:r>
+            <a:endParaRPr lang="zh-CN" altLang="en-US" b="1" dirty="0"/>
+          </a:p>
+        </p:txBody>
+      </p:sp>
+      <p:sp>
+        <p:nvSpPr>
+          <p:cNvPr id="22" name="文本框 21">
+            <a:extLst>
+              <a:ext uri="{FF2B5EF4-FFF2-40B4-BE49-F238E27FC236}">
+                <a16:creationId xmlns:a16="http://schemas.microsoft.com/office/drawing/2014/main" id="{5CB11493-6259-45E1-8ADE-BAC3506985D7}"/>
+              </a:ext>
+            </a:extLst>
+          </p:cNvPr>
+          <p:cNvSpPr txBox="1"/>
+          <p:nvPr/>
+        </p:nvSpPr>
+        <p:spPr>
+          <a:xfrm rot="5400000">
+            <a:off x="3342446" y="2642600"/>
+            <a:ext cx="914400" cy="369332"/>
+          </a:xfrm>
+          <a:prstGeom prst="rect">
+            <a:avLst/>
+          </a:prstGeom>
+          <a:noFill/>
+        </p:spPr>
+        <p:txBody>
+          <a:bodyPr wrap="square" rtlCol="0">
+            <a:spAutoFit/>
+          </a:bodyPr>
+          <a:lstStyle/>
+          <a:p>
+            <a:pPr algn="ctr"/>
+            <a:r>
+              <a:rPr lang="en-US" altLang="zh-CN" b="1" dirty="0"/>
+              <a:t>……</a:t>
+            </a:r>
+            <a:endParaRPr lang="zh-CN" altLang="en-US" b="1" dirty="0"/>
+          </a:p>
+        </p:txBody>
+      </p:sp>
+      <p:sp>
+        <p:nvSpPr>
+          <p:cNvPr id="23" name="文本框 22">
+            <a:extLst>
+              <a:ext uri="{FF2B5EF4-FFF2-40B4-BE49-F238E27FC236}">
+                <a16:creationId xmlns:a16="http://schemas.microsoft.com/office/drawing/2014/main" id="{D18042F0-963E-4614-97D7-D8B0BA215BC9}"/>
+              </a:ext>
+            </a:extLst>
+          </p:cNvPr>
+          <p:cNvSpPr txBox="1"/>
+          <p:nvPr/>
+        </p:nvSpPr>
+        <p:spPr>
+          <a:xfrm rot="5400000">
+            <a:off x="6616825" y="2642600"/>
+            <a:ext cx="914400" cy="369332"/>
+          </a:xfrm>
+          <a:prstGeom prst="rect">
+            <a:avLst/>
+          </a:prstGeom>
+          <a:noFill/>
+        </p:spPr>
+        <p:txBody>
+          <a:bodyPr wrap="square" rtlCol="0">
+            <a:spAutoFit/>
+          </a:bodyPr>
+          <a:lstStyle/>
+          <a:p>
+            <a:pPr algn="ctr"/>
+            <a:r>
+              <a:rPr lang="en-US" altLang="zh-CN" b="1" dirty="0"/>
+              <a:t>……</a:t>
+            </a:r>
+            <a:endParaRPr lang="zh-CN" altLang="en-US" b="1" dirty="0"/>
+          </a:p>
+        </p:txBody>
+      </p:sp>
+      <p:sp>
+        <p:nvSpPr>
+          <p:cNvPr id="24" name="文本框 23">
+            <a:extLst>
+              <a:ext uri="{FF2B5EF4-FFF2-40B4-BE49-F238E27FC236}">
+                <a16:creationId xmlns:a16="http://schemas.microsoft.com/office/drawing/2014/main" id="{A74A5E34-87FA-408A-8015-1239F21F5641}"/>
+              </a:ext>
+            </a:extLst>
+          </p:cNvPr>
+          <p:cNvSpPr txBox="1"/>
+          <p:nvPr/>
+        </p:nvSpPr>
+        <p:spPr>
+          <a:xfrm rot="5400000">
+            <a:off x="8437034" y="2642600"/>
+            <a:ext cx="914400" cy="369332"/>
+          </a:xfrm>
+          <a:prstGeom prst="rect">
+            <a:avLst/>
+          </a:prstGeom>
+          <a:noFill/>
+        </p:spPr>
+        <p:txBody>
+          <a:bodyPr wrap="square" rtlCol="0">
+            <a:spAutoFit/>
+          </a:bodyPr>
+          <a:lstStyle/>
+          <a:p>
+            <a:pPr algn="ctr"/>
+            <a:r>
+              <a:rPr lang="en-US" altLang="zh-CN" b="1" dirty="0"/>
+              <a:t>……</a:t>
+            </a:r>
+            <a:endParaRPr lang="zh-CN" altLang="en-US" b="1" dirty="0"/>
+          </a:p>
+        </p:txBody>
+      </p:sp>
+      <p:sp>
+        <p:nvSpPr>
+          <p:cNvPr id="26" name="文本框 25">
+            <a:extLst>
+              <a:ext uri="{FF2B5EF4-FFF2-40B4-BE49-F238E27FC236}">
+                <a16:creationId xmlns:a16="http://schemas.microsoft.com/office/drawing/2014/main" id="{9A0A89A1-1F6B-40EF-B738-C8A18FC9B554}"/>
+              </a:ext>
+            </a:extLst>
+          </p:cNvPr>
+          <p:cNvSpPr txBox="1"/>
+          <p:nvPr/>
+        </p:nvSpPr>
+        <p:spPr>
+          <a:xfrm>
+            <a:off x="6801491" y="1711624"/>
+            <a:ext cx="914400" cy="369332"/>
+          </a:xfrm>
+          <a:prstGeom prst="rect">
+            <a:avLst/>
+          </a:prstGeom>
+          <a:noFill/>
+        </p:spPr>
+        <p:txBody>
+          <a:bodyPr wrap="square" rtlCol="0">
+            <a:spAutoFit/>
+          </a:bodyPr>
+          <a:lstStyle/>
+          <a:p>
+            <a:pPr algn="ctr"/>
+            <a:r>
+              <a:rPr lang="en-US" altLang="zh-CN" b="1" dirty="0"/>
+              <a:t>……</a:t>
+            </a:r>
+            <a:endParaRPr lang="zh-CN" altLang="en-US" b="1" dirty="0"/>
+          </a:p>
+        </p:txBody>
+      </p:sp>
+      <p:sp>
+        <p:nvSpPr>
+          <p:cNvPr id="27" name="右大括号 26">
+            <a:extLst>
+              <a:ext uri="{FF2B5EF4-FFF2-40B4-BE49-F238E27FC236}">
+                <a16:creationId xmlns:a16="http://schemas.microsoft.com/office/drawing/2014/main" id="{A27ED0F1-F139-45CC-8F14-A25BB5AA511B}"/>
+              </a:ext>
+            </a:extLst>
+          </p:cNvPr>
+          <p:cNvSpPr/>
+          <p:nvPr/>
+        </p:nvSpPr>
+        <p:spPr>
+          <a:xfrm rot="16200000">
+            <a:off x="5071133" y="144952"/>
+            <a:ext cx="328474" cy="7178513"/>
+          </a:xfrm>
+          <a:prstGeom prst="rightBrace">
+            <a:avLst/>
+          </a:prstGeom>
+        </p:spPr>
+        <p:style>
+          <a:lnRef idx="1">
+            <a:schemeClr val="accent1"/>
+          </a:lnRef>
+          <a:fillRef idx="0">
+            <a:schemeClr val="accent1"/>
+          </a:fillRef>
+          <a:effectRef idx="0">
+            <a:schemeClr val="accent1"/>
+          </a:effectRef>
+          <a:fontRef idx="minor">
+            <a:schemeClr val="tx1"/>
+          </a:fontRef>
+        </p:style>
+        <p:txBody>
+          <a:bodyPr rtlCol="0" anchor="ctr"/>
+          <a:lstStyle/>
+          <a:p>
+            <a:pPr algn="ctr"/>
+            <a:endParaRPr lang="zh-CN" altLang="en-US"/>
+          </a:p>
+        </p:txBody>
+      </p:sp>
+      <p:sp>
+        <p:nvSpPr>
+          <p:cNvPr id="29" name="文本框 28">
+            <a:extLst>
+              <a:ext uri="{FF2B5EF4-FFF2-40B4-BE49-F238E27FC236}">
+                <a16:creationId xmlns:a16="http://schemas.microsoft.com/office/drawing/2014/main" id="{52206EC3-6AB5-4B32-A51F-C7293EBE9AFF}"/>
+              </a:ext>
+            </a:extLst>
+          </p:cNvPr>
+          <p:cNvSpPr txBox="1"/>
+          <p:nvPr/>
+        </p:nvSpPr>
+        <p:spPr>
+          <a:xfrm rot="16200000">
+            <a:off x="5067195" y="2586134"/>
+            <a:ext cx="774507" cy="307777"/>
+          </a:xfrm>
+          <a:prstGeom prst="rect">
+            <a:avLst/>
+          </a:prstGeom>
+          <a:noFill/>
+        </p:spPr>
+        <p:txBody>
+          <a:bodyPr wrap="none" rtlCol="0">
+            <a:spAutoFit/>
+          </a:bodyPr>
+          <a:lstStyle/>
+          <a:p>
+            <a:r>
+              <a:rPr lang="en-US" altLang="zh-CN" sz="1400" dirty="0" err="1">
+                <a:latin typeface="Times New Roman" panose="02020603050405020304" pitchFamily="18" charset="0"/>
+                <a:cs typeface="Times New Roman" panose="02020603050405020304" pitchFamily="18" charset="0"/>
+              </a:rPr>
+              <a:t>i’th</a:t>
+            </a:r>
+            <a:r>
+              <a:rPr lang="en-US" altLang="zh-CN" sz="1400" dirty="0">
+                <a:latin typeface="Times New Roman" panose="02020603050405020304" pitchFamily="18" charset="0"/>
+                <a:cs typeface="Times New Roman" panose="02020603050405020304" pitchFamily="18" charset="0"/>
+              </a:rPr>
+              <a:t> area</a:t>
+            </a:r>
+            <a:endParaRPr lang="zh-CN" altLang="en-US" sz="1400" dirty="0">
+              <a:latin typeface="Times New Roman" panose="02020603050405020304" pitchFamily="18" charset="0"/>
+              <a:cs typeface="Times New Roman" panose="02020603050405020304" pitchFamily="18" charset="0"/>
+            </a:endParaRPr>
+          </a:p>
+        </p:txBody>
+      </p:sp>
+      <mc:AlternateContent xmlns:mc="http://schemas.openxmlformats.org/markup-compatibility/2006" xmlns:a14="http://schemas.microsoft.com/office/drawing/2010/main">
+        <mc:Choice Requires="a14">
+          <p:sp>
+            <p:nvSpPr>
+              <p:cNvPr id="31" name="文本框 30">
+                <a:extLst>
+                  <a:ext uri="{FF2B5EF4-FFF2-40B4-BE49-F238E27FC236}">
+                    <a16:creationId xmlns:a16="http://schemas.microsoft.com/office/drawing/2014/main" id="{94109699-C613-46C8-944F-D05CA09DADB8}"/>
+                  </a:ext>
+                </a:extLst>
+              </p:cNvPr>
+              <p:cNvSpPr txBox="1"/>
+              <p:nvPr/>
+            </p:nvSpPr>
+            <p:spPr>
+              <a:xfrm>
+                <a:off x="2296800" y="3395609"/>
+                <a:ext cx="5877140" cy="338554"/>
+              </a:xfrm>
+              <a:prstGeom prst="rect">
+                <a:avLst/>
+              </a:prstGeom>
+              <a:noFill/>
+            </p:spPr>
+            <p:txBody>
+              <a:bodyPr wrap="square" rtlCol="0">
+                <a:spAutoFit/>
+              </a:bodyPr>
+              <a:lstStyle/>
+              <a:p>
+                <a:r>
+                  <a:rPr lang="en-US" altLang="zh-CN" sz="1600" dirty="0">
+                    <a:latin typeface="Times New Roman" panose="02020603050405020304" pitchFamily="18" charset="0"/>
+                    <a:cs typeface="Times New Roman" panose="02020603050405020304" pitchFamily="18" charset="0"/>
+                  </a:rPr>
+                  <a:t>m blocks for m guesses of </a:t>
+                </a:r>
+                <a14:m>
+                  <m:oMath xmlns:m="http://schemas.openxmlformats.org/officeDocument/2006/math">
+                    <m:r>
+                      <a:rPr lang="zh-CN" altLang="en-US" sz="1600" i="1" smtClean="0">
+                        <a:latin typeface="Cambria Math" panose="02040503050406030204" pitchFamily="18" charset="0"/>
+                      </a:rPr>
+                      <m:t>𝜉</m:t>
+                    </m:r>
+                  </m:oMath>
+                </a14:m>
+                <a:r>
+                  <a:rPr lang="en-US" altLang="zh-CN" sz="1600" b="0" dirty="0">
+                    <a:latin typeface="Times New Roman" panose="02020603050405020304" pitchFamily="18" charset="0"/>
+                    <a:cs typeface="Times New Roman" panose="02020603050405020304" pitchFamily="18" charset="0"/>
+                  </a:rPr>
+                  <a:t>, </a:t>
+                </a:r>
+                <a:r>
+                  <a:rPr lang="en-US" altLang="zh-CN" sz="1600" b="1" i="1" dirty="0">
+                    <a:latin typeface="Times New Roman" panose="02020603050405020304" pitchFamily="18" charset="0"/>
+                    <a:cs typeface="Times New Roman" panose="02020603050405020304" pitchFamily="18" charset="0"/>
+                  </a:rPr>
+                  <a:t>exclude data points of the </a:t>
+                </a:r>
+                <a:r>
+                  <a:rPr lang="en-US" altLang="zh-CN" sz="1600" b="1" i="1" dirty="0" err="1">
+                    <a:latin typeface="Times New Roman" panose="02020603050405020304" pitchFamily="18" charset="0"/>
+                    <a:cs typeface="Times New Roman" panose="02020603050405020304" pitchFamily="18" charset="0"/>
+                  </a:rPr>
+                  <a:t>i’th</a:t>
+                </a:r>
+                <a:r>
+                  <a:rPr lang="en-US" altLang="zh-CN" sz="1600" b="1" i="1" dirty="0">
+                    <a:latin typeface="Times New Roman" panose="02020603050405020304" pitchFamily="18" charset="0"/>
+                    <a:cs typeface="Times New Roman" panose="02020603050405020304" pitchFamily="18" charset="0"/>
+                  </a:rPr>
+                  <a:t> area</a:t>
+                </a:r>
+              </a:p>
+            </p:txBody>
+          </p:sp>
+        </mc:Choice>
+        <mc:Fallback xmlns="">
+          <p:sp>
+            <p:nvSpPr>
+              <p:cNvPr id="31" name="文本框 30">
+                <a:extLst>
+                  <a:ext uri="{FF2B5EF4-FFF2-40B4-BE49-F238E27FC236}">
+                    <a16:creationId xmlns:a16="http://schemas.microsoft.com/office/drawing/2014/main" id="{94109699-C613-46C8-944F-D05CA09DADB8}"/>
+                  </a:ext>
+                </a:extLst>
+              </p:cNvPr>
+              <p:cNvSpPr txBox="1">
+                <a:spLocks noRot="1" noChangeAspect="1" noMove="1" noResize="1" noEditPoints="1" noAdjustHandles="1" noChangeArrowheads="1" noChangeShapeType="1" noTextEdit="1"/>
+              </p:cNvSpPr>
+              <p:nvPr/>
+            </p:nvSpPr>
+            <p:spPr>
+              <a:xfrm>
+                <a:off x="2296800" y="3395609"/>
+                <a:ext cx="5877140" cy="338554"/>
+              </a:xfrm>
+              <a:prstGeom prst="rect">
+                <a:avLst/>
+              </a:prstGeom>
+              <a:blipFill>
+                <a:blip r:embed="rId3"/>
+                <a:stretch>
+                  <a:fillRect l="-622" t="-5357" b="-21429"/>
+                </a:stretch>
+              </a:blipFill>
+            </p:spPr>
+            <p:txBody>
+              <a:bodyPr/>
+              <a:lstStyle/>
+              <a:p>
+                <a:r>
+                  <a:rPr lang="zh-CN" altLang="en-US">
+                    <a:noFill/>
+                  </a:rPr>
+                  <a:t> </a:t>
+                </a:r>
+              </a:p>
+            </p:txBody>
+          </p:sp>
+        </mc:Fallback>
+      </mc:AlternateContent>
+      <p:sp>
+        <p:nvSpPr>
+          <p:cNvPr id="32" name="箭头: 下 31">
+            <a:extLst>
+              <a:ext uri="{FF2B5EF4-FFF2-40B4-BE49-F238E27FC236}">
+                <a16:creationId xmlns:a16="http://schemas.microsoft.com/office/drawing/2014/main" id="{594376CA-96B2-4F2B-AF63-2AAD5A0D807F}"/>
+              </a:ext>
+            </a:extLst>
+          </p:cNvPr>
+          <p:cNvSpPr/>
+          <p:nvPr/>
+        </p:nvSpPr>
+        <p:spPr>
+          <a:xfrm>
+            <a:off x="3196405" y="4571844"/>
+            <a:ext cx="230819" cy="652297"/>
+          </a:xfrm>
+          <a:prstGeom prst="downArrow">
+            <a:avLst/>
+          </a:prstGeom>
+        </p:spPr>
+        <p:style>
+          <a:lnRef idx="2">
+            <a:schemeClr val="accent1">
+              <a:shade val="50000"/>
+            </a:schemeClr>
+          </a:lnRef>
+          <a:fillRef idx="1">
+            <a:schemeClr val="accent1"/>
+          </a:fillRef>
+          <a:effectRef idx="0">
+            <a:schemeClr val="accent1"/>
+          </a:effectRef>
+          <a:fontRef idx="minor">
+            <a:schemeClr val="lt1"/>
+          </a:fontRef>
+        </p:style>
+        <p:txBody>
+          <a:bodyPr rtlCol="0" anchor="ctr"/>
+          <a:lstStyle/>
+          <a:p>
+            <a:pPr algn="ctr"/>
+            <a:endParaRPr lang="zh-CN" altLang="en-US" dirty="0"/>
+          </a:p>
+        </p:txBody>
+      </p:sp>
+      <p:grpSp>
+        <p:nvGrpSpPr>
+          <p:cNvPr id="40" name="组合 39">
+            <a:extLst>
+              <a:ext uri="{FF2B5EF4-FFF2-40B4-BE49-F238E27FC236}">
+                <a16:creationId xmlns:a16="http://schemas.microsoft.com/office/drawing/2014/main" id="{55577CF8-5B0A-4AF8-A9C7-BBEE537B302F}"/>
+              </a:ext>
+            </a:extLst>
+          </p:cNvPr>
+          <p:cNvGrpSpPr/>
+          <p:nvPr/>
+        </p:nvGrpSpPr>
+        <p:grpSpPr>
+          <a:xfrm>
+            <a:off x="732495" y="5652067"/>
+            <a:ext cx="5360013" cy="328476"/>
+            <a:chOff x="2628256" y="5704573"/>
+            <a:chExt cx="6584790" cy="532660"/>
+          </a:xfrm>
+        </p:grpSpPr>
+        <p:sp>
+          <p:nvSpPr>
+            <p:cNvPr id="33" name="矩形 32">
+              <a:extLst>
+                <a:ext uri="{FF2B5EF4-FFF2-40B4-BE49-F238E27FC236}">
+                  <a16:creationId xmlns:a16="http://schemas.microsoft.com/office/drawing/2014/main" id="{F80724BB-F645-4D66-8DD0-043A2A6C304B}"/>
+                </a:ext>
+              </a:extLst>
+            </p:cNvPr>
+            <p:cNvSpPr/>
+            <p:nvPr/>
+          </p:nvSpPr>
+          <p:spPr>
+            <a:xfrm>
+              <a:off x="2628256" y="5704573"/>
+              <a:ext cx="1148180" cy="532660"/>
+            </a:xfrm>
+            <a:prstGeom prst="rect">
+              <a:avLst/>
+            </a:prstGeom>
+            <a:solidFill>
+              <a:schemeClr val="accent1"/>
+            </a:solidFill>
+            <a:ln>
+              <a:noFill/>
+            </a:ln>
+          </p:spPr>
+          <p:style>
+            <a:lnRef idx="2">
+              <a:schemeClr val="accent1">
+                <a:shade val="50000"/>
+              </a:schemeClr>
+            </a:lnRef>
+            <a:fillRef idx="1">
+              <a:schemeClr val="accent1"/>
+            </a:fillRef>
+            <a:effectRef idx="0">
+              <a:schemeClr val="accent1"/>
+            </a:effectRef>
+            <a:fontRef idx="minor">
+              <a:schemeClr val="lt1"/>
+            </a:fontRef>
+          </p:style>
+          <p:txBody>
+            <a:bodyPr rtlCol="0" anchor="ctr"/>
+            <a:lstStyle/>
+            <a:p>
+              <a:pPr algn="ctr"/>
+              <a:r>
+                <a:rPr lang="en-US" altLang="zh-CN" dirty="0"/>
+                <a:t>0</a:t>
+              </a:r>
+              <a:endParaRPr lang="zh-CN" altLang="en-US" dirty="0"/>
+            </a:p>
+          </p:txBody>
+        </p:sp>
+        <p:sp>
+          <p:nvSpPr>
+            <p:cNvPr id="35" name="矩形 34">
+              <a:extLst>
+                <a:ext uri="{FF2B5EF4-FFF2-40B4-BE49-F238E27FC236}">
+                  <a16:creationId xmlns:a16="http://schemas.microsoft.com/office/drawing/2014/main" id="{1B1E5354-F8DF-486D-A29F-63171399093B}"/>
+                </a:ext>
+              </a:extLst>
+            </p:cNvPr>
+            <p:cNvSpPr/>
+            <p:nvPr/>
+          </p:nvSpPr>
+          <p:spPr>
+            <a:xfrm>
+              <a:off x="3773585" y="5704573"/>
+              <a:ext cx="1148180" cy="532660"/>
+            </a:xfrm>
+            <a:prstGeom prst="rect">
+              <a:avLst/>
+            </a:prstGeom>
+            <a:solidFill>
+              <a:schemeClr val="accent5">
+                <a:lumMod val="60000"/>
+                <a:lumOff val="40000"/>
+              </a:schemeClr>
+            </a:solidFill>
+            <a:ln>
+              <a:noFill/>
+            </a:ln>
+          </p:spPr>
+          <p:style>
+            <a:lnRef idx="2">
+              <a:schemeClr val="accent1">
+                <a:shade val="50000"/>
+              </a:schemeClr>
+            </a:lnRef>
+            <a:fillRef idx="1">
+              <a:schemeClr val="accent1"/>
+            </a:fillRef>
+            <a:effectRef idx="0">
+              <a:schemeClr val="accent1"/>
+            </a:effectRef>
+            <a:fontRef idx="minor">
+              <a:schemeClr val="lt1"/>
+            </a:fontRef>
+          </p:style>
+          <p:txBody>
+            <a:bodyPr rtlCol="0" anchor="ctr"/>
+            <a:lstStyle/>
+            <a:p>
+              <a:pPr algn="ctr"/>
+              <a:r>
+                <a:rPr lang="en-US" altLang="zh-CN" dirty="0"/>
+                <a:t>1</a:t>
+              </a:r>
+              <a:endParaRPr lang="zh-CN" altLang="en-US" dirty="0"/>
+            </a:p>
+          </p:txBody>
+        </p:sp>
+        <p:sp>
+          <p:nvSpPr>
+            <p:cNvPr id="36" name="矩形 35">
+              <a:extLst>
+                <a:ext uri="{FF2B5EF4-FFF2-40B4-BE49-F238E27FC236}">
+                  <a16:creationId xmlns:a16="http://schemas.microsoft.com/office/drawing/2014/main" id="{01D62B88-45F5-46A0-BDB0-47E7793966E2}"/>
+                </a:ext>
+              </a:extLst>
+            </p:cNvPr>
+            <p:cNvSpPr/>
+            <p:nvPr/>
+          </p:nvSpPr>
+          <p:spPr>
+            <a:xfrm>
+              <a:off x="4918914" y="5704573"/>
+              <a:ext cx="1148180" cy="532660"/>
+            </a:xfrm>
+            <a:prstGeom prst="rect">
+              <a:avLst/>
+            </a:prstGeom>
+            <a:solidFill>
+              <a:schemeClr val="accent1"/>
+            </a:solidFill>
+            <a:ln>
+              <a:noFill/>
+            </a:ln>
+          </p:spPr>
+          <p:style>
+            <a:lnRef idx="2">
+              <a:schemeClr val="accent1">
+                <a:shade val="50000"/>
+              </a:schemeClr>
+            </a:lnRef>
+            <a:fillRef idx="1">
+              <a:schemeClr val="accent1"/>
+            </a:fillRef>
+            <a:effectRef idx="0">
+              <a:schemeClr val="accent1"/>
+            </a:effectRef>
+            <a:fontRef idx="minor">
+              <a:schemeClr val="lt1"/>
+            </a:fontRef>
+          </p:style>
+          <p:txBody>
+            <a:bodyPr rtlCol="0" anchor="ctr"/>
+            <a:lstStyle/>
+            <a:p>
+              <a:pPr algn="ctr"/>
+              <a:r>
+                <a:rPr lang="en-US" altLang="zh-CN" dirty="0"/>
+                <a:t>2</a:t>
+              </a:r>
+              <a:endParaRPr lang="zh-CN" altLang="en-US" dirty="0"/>
+            </a:p>
+          </p:txBody>
+        </p:sp>
+        <p:sp>
+          <p:nvSpPr>
+            <p:cNvPr id="37" name="矩形 36">
+              <a:extLst>
+                <a:ext uri="{FF2B5EF4-FFF2-40B4-BE49-F238E27FC236}">
+                  <a16:creationId xmlns:a16="http://schemas.microsoft.com/office/drawing/2014/main" id="{EBB3841A-9BB4-4766-9E6B-1A2222954958}"/>
+                </a:ext>
+              </a:extLst>
+            </p:cNvPr>
+            <p:cNvSpPr/>
+            <p:nvPr/>
+          </p:nvSpPr>
+          <p:spPr>
+            <a:xfrm>
+              <a:off x="6064243" y="5704573"/>
+              <a:ext cx="1148180" cy="532660"/>
+            </a:xfrm>
+            <a:prstGeom prst="rect">
+              <a:avLst/>
+            </a:prstGeom>
+            <a:solidFill>
+              <a:schemeClr val="accent5">
+                <a:lumMod val="60000"/>
+                <a:lumOff val="40000"/>
+              </a:schemeClr>
+            </a:solidFill>
+            <a:ln>
+              <a:noFill/>
+            </a:ln>
+          </p:spPr>
+          <p:style>
+            <a:lnRef idx="2">
+              <a:schemeClr val="accent1">
+                <a:shade val="50000"/>
+              </a:schemeClr>
+            </a:lnRef>
+            <a:fillRef idx="1">
+              <a:schemeClr val="accent1"/>
+            </a:fillRef>
+            <a:effectRef idx="0">
+              <a:schemeClr val="accent1"/>
+            </a:effectRef>
+            <a:fontRef idx="minor">
+              <a:schemeClr val="lt1"/>
+            </a:fontRef>
+          </p:style>
+          <p:txBody>
+            <a:bodyPr rtlCol="0" anchor="ctr"/>
+            <a:lstStyle/>
+            <a:p>
+              <a:pPr algn="ctr"/>
+              <a:r>
+                <a:rPr lang="en-US" altLang="zh-CN" dirty="0"/>
+                <a:t>3</a:t>
+              </a:r>
+              <a:endParaRPr lang="zh-CN" altLang="en-US" dirty="0"/>
+            </a:p>
+          </p:txBody>
+        </p:sp>
+        <p:sp>
+          <p:nvSpPr>
+            <p:cNvPr id="38" name="文本框 37">
+              <a:extLst>
+                <a:ext uri="{FF2B5EF4-FFF2-40B4-BE49-F238E27FC236}">
+                  <a16:creationId xmlns:a16="http://schemas.microsoft.com/office/drawing/2014/main" id="{59EEE41C-473A-4596-BDD5-CFE886E70521}"/>
+                </a:ext>
+              </a:extLst>
+            </p:cNvPr>
+            <p:cNvSpPr txBox="1"/>
+            <p:nvPr/>
+          </p:nvSpPr>
+          <p:spPr>
+            <a:xfrm>
+              <a:off x="7251977" y="5784664"/>
+              <a:ext cx="914400" cy="369332"/>
+            </a:xfrm>
+            <a:prstGeom prst="rect">
+              <a:avLst/>
+            </a:prstGeom>
+            <a:noFill/>
+          </p:spPr>
+          <p:txBody>
+            <a:bodyPr wrap="square" rtlCol="0">
+              <a:spAutoFit/>
+            </a:bodyPr>
+            <a:lstStyle/>
+            <a:p>
+              <a:pPr algn="ctr"/>
+              <a:r>
+                <a:rPr lang="en-US" altLang="zh-CN" b="1" dirty="0"/>
+                <a:t>……</a:t>
+              </a:r>
+              <a:endParaRPr lang="zh-CN" altLang="en-US" b="1" dirty="0"/>
+            </a:p>
+          </p:txBody>
+        </p:sp>
+        <p:sp>
+          <p:nvSpPr>
+            <p:cNvPr id="39" name="矩形 38">
+              <a:extLst>
+                <a:ext uri="{FF2B5EF4-FFF2-40B4-BE49-F238E27FC236}">
+                  <a16:creationId xmlns:a16="http://schemas.microsoft.com/office/drawing/2014/main" id="{207B06A4-0328-4D30-9D7F-855907EDBCE2}"/>
+                </a:ext>
+              </a:extLst>
+            </p:cNvPr>
+            <p:cNvSpPr/>
+            <p:nvPr/>
+          </p:nvSpPr>
+          <p:spPr>
+            <a:xfrm>
+              <a:off x="8064866" y="5704573"/>
+              <a:ext cx="1148180" cy="532660"/>
+            </a:xfrm>
+            <a:prstGeom prst="rect">
+              <a:avLst/>
+            </a:prstGeom>
+            <a:solidFill>
+              <a:schemeClr val="accent1"/>
+            </a:solidFill>
+            <a:ln>
+              <a:noFill/>
+            </a:ln>
+          </p:spPr>
+          <p:style>
+            <a:lnRef idx="2">
+              <a:schemeClr val="accent1">
+                <a:shade val="50000"/>
+              </a:schemeClr>
+            </a:lnRef>
+            <a:fillRef idx="1">
+              <a:schemeClr val="accent1"/>
+            </a:fillRef>
+            <a:effectRef idx="0">
+              <a:schemeClr val="accent1"/>
+            </a:effectRef>
+            <a:fontRef idx="minor">
+              <a:schemeClr val="lt1"/>
+            </a:fontRef>
+          </p:style>
+          <p:txBody>
+            <a:bodyPr rtlCol="0" anchor="ctr"/>
+            <a:lstStyle/>
+            <a:p>
+              <a:pPr algn="ctr"/>
+              <a:r>
+                <a:rPr lang="en-US" altLang="zh-CN" dirty="0"/>
+                <a:t>i-1</a:t>
+              </a:r>
+              <a:endParaRPr lang="zh-CN" altLang="en-US" dirty="0"/>
+            </a:p>
+          </p:txBody>
+        </p:sp>
+      </p:grpSp>
+      <p:sp>
+        <p:nvSpPr>
+          <p:cNvPr id="41" name="文本框 40">
+            <a:extLst>
+              <a:ext uri="{FF2B5EF4-FFF2-40B4-BE49-F238E27FC236}">
+                <a16:creationId xmlns:a16="http://schemas.microsoft.com/office/drawing/2014/main" id="{934E343F-F11F-4EE9-B61F-198B7BE15F2D}"/>
+              </a:ext>
+            </a:extLst>
+          </p:cNvPr>
+          <p:cNvSpPr txBox="1"/>
+          <p:nvPr/>
+        </p:nvSpPr>
+        <p:spPr>
+          <a:xfrm rot="5400000">
+            <a:off x="1573009" y="4665360"/>
+            <a:ext cx="914400" cy="369332"/>
+          </a:xfrm>
+          <a:prstGeom prst="rect">
+            <a:avLst/>
+          </a:prstGeom>
+          <a:noFill/>
+        </p:spPr>
+        <p:txBody>
+          <a:bodyPr wrap="square" rtlCol="0">
+            <a:spAutoFit/>
+          </a:bodyPr>
+          <a:lstStyle/>
+          <a:p>
+            <a:pPr algn="ctr"/>
+            <a:r>
+              <a:rPr lang="en-US" altLang="zh-CN" b="1" dirty="0"/>
+              <a:t>……</a:t>
+            </a:r>
+            <a:endParaRPr lang="zh-CN" altLang="en-US" b="1" dirty="0"/>
+          </a:p>
+        </p:txBody>
+      </p:sp>
+      <p:sp>
+        <p:nvSpPr>
+          <p:cNvPr id="42" name="文本框 41">
+            <a:extLst>
+              <a:ext uri="{FF2B5EF4-FFF2-40B4-BE49-F238E27FC236}">
+                <a16:creationId xmlns:a16="http://schemas.microsoft.com/office/drawing/2014/main" id="{3349FE9B-2BC1-459E-8764-EBED45841F2A}"/>
+              </a:ext>
+            </a:extLst>
+          </p:cNvPr>
+          <p:cNvSpPr txBox="1"/>
+          <p:nvPr/>
+        </p:nvSpPr>
+        <p:spPr>
+          <a:xfrm rot="5400000">
+            <a:off x="3899681" y="4665360"/>
+            <a:ext cx="914400" cy="369332"/>
+          </a:xfrm>
+          <a:prstGeom prst="rect">
+            <a:avLst/>
+          </a:prstGeom>
+          <a:noFill/>
+        </p:spPr>
+        <p:txBody>
+          <a:bodyPr wrap="square" rtlCol="0">
+            <a:spAutoFit/>
+          </a:bodyPr>
+          <a:lstStyle/>
+          <a:p>
+            <a:pPr algn="ctr"/>
+            <a:r>
+              <a:rPr lang="en-US" altLang="zh-CN" b="1" dirty="0"/>
+              <a:t>……</a:t>
+            </a:r>
+            <a:endParaRPr lang="zh-CN" altLang="en-US" b="1" dirty="0"/>
+          </a:p>
+        </p:txBody>
+      </p:sp>
+      <p:sp>
+        <p:nvSpPr>
+          <p:cNvPr id="43" name="文本框 42">
+            <a:extLst>
+              <a:ext uri="{FF2B5EF4-FFF2-40B4-BE49-F238E27FC236}">
+                <a16:creationId xmlns:a16="http://schemas.microsoft.com/office/drawing/2014/main" id="{FEF23B05-9ADF-44E5-8C96-C162438EED0A}"/>
+              </a:ext>
+            </a:extLst>
+          </p:cNvPr>
+          <p:cNvSpPr txBox="1"/>
+          <p:nvPr/>
+        </p:nvSpPr>
+        <p:spPr>
+          <a:xfrm rot="5400000">
+            <a:off x="5047952" y="4668779"/>
+            <a:ext cx="914400" cy="369332"/>
+          </a:xfrm>
+          <a:prstGeom prst="rect">
+            <a:avLst/>
+          </a:prstGeom>
+          <a:noFill/>
+        </p:spPr>
+        <p:txBody>
+          <a:bodyPr wrap="square" rtlCol="0">
+            <a:spAutoFit/>
+          </a:bodyPr>
+          <a:lstStyle/>
+          <a:p>
+            <a:pPr algn="ctr"/>
+            <a:r>
+              <a:rPr lang="en-US" altLang="zh-CN" b="1" dirty="0"/>
+              <a:t>……</a:t>
+            </a:r>
+            <a:endParaRPr lang="zh-CN" altLang="en-US" b="1" dirty="0"/>
+          </a:p>
+        </p:txBody>
+      </p:sp>
+      <p:sp>
+        <p:nvSpPr>
+          <p:cNvPr id="44" name="文本框 43">
+            <a:extLst>
+              <a:ext uri="{FF2B5EF4-FFF2-40B4-BE49-F238E27FC236}">
+                <a16:creationId xmlns:a16="http://schemas.microsoft.com/office/drawing/2014/main" id="{5A83AACF-949D-4723-895A-228DC509DE38}"/>
+              </a:ext>
+            </a:extLst>
+          </p:cNvPr>
+          <p:cNvSpPr txBox="1"/>
+          <p:nvPr/>
+        </p:nvSpPr>
+        <p:spPr>
+          <a:xfrm rot="5400000">
+            <a:off x="7650321" y="4762387"/>
+            <a:ext cx="914400" cy="369332"/>
+          </a:xfrm>
+          <a:prstGeom prst="rect">
+            <a:avLst/>
+          </a:prstGeom>
+          <a:noFill/>
+        </p:spPr>
+        <p:txBody>
+          <a:bodyPr wrap="square" rtlCol="0">
+            <a:spAutoFit/>
+          </a:bodyPr>
+          <a:lstStyle/>
+          <a:p>
+            <a:pPr algn="ctr"/>
+            <a:r>
+              <a:rPr lang="en-US" altLang="zh-CN" b="1" dirty="0"/>
+              <a:t>……</a:t>
+            </a:r>
+            <a:endParaRPr lang="zh-CN" altLang="en-US" b="1" dirty="0"/>
+          </a:p>
+        </p:txBody>
+      </p:sp>
+      <p:sp>
+        <p:nvSpPr>
+          <p:cNvPr id="49" name="矩形: 圆角 48">
+            <a:extLst>
+              <a:ext uri="{FF2B5EF4-FFF2-40B4-BE49-F238E27FC236}">
+                <a16:creationId xmlns:a16="http://schemas.microsoft.com/office/drawing/2014/main" id="{4B17657B-CA00-4FCC-A912-2C0C00BA7BB1}"/>
+              </a:ext>
+            </a:extLst>
+          </p:cNvPr>
+          <p:cNvSpPr/>
+          <p:nvPr/>
+        </p:nvSpPr>
+        <p:spPr>
+          <a:xfrm>
+            <a:off x="9428017" y="1518112"/>
+            <a:ext cx="1177848" cy="2520746"/>
+          </a:xfrm>
+          <a:prstGeom prst="roundRect">
+            <a:avLst/>
+          </a:prstGeom>
+          <a:noFill/>
+          <a:ln w="28575">
+            <a:prstDash val="dashDot"/>
+          </a:ln>
+        </p:spPr>
+        <p:style>
+          <a:lnRef idx="2">
+            <a:schemeClr val="accent1">
+              <a:shade val="50000"/>
+            </a:schemeClr>
+          </a:lnRef>
+          <a:fillRef idx="1">
+            <a:schemeClr val="accent1"/>
+          </a:fillRef>
+          <a:effectRef idx="0">
+            <a:schemeClr val="accent1"/>
+          </a:effectRef>
+          <a:fontRef idx="minor">
+            <a:schemeClr val="lt1"/>
+          </a:fontRef>
+        </p:style>
+        <p:txBody>
+          <a:bodyPr rtlCol="0" anchor="ctr"/>
+          <a:lstStyle/>
+          <a:p>
+            <a:pPr algn="ctr"/>
+            <a:r>
+              <a:rPr lang="en-US" altLang="zh-CN" dirty="0">
+                <a:solidFill>
+                  <a:schemeClr val="tx1"/>
+                </a:solidFill>
+              </a:rPr>
+              <a:t>include all data points</a:t>
+            </a:r>
+            <a:endParaRPr lang="zh-CN" altLang="en-US" dirty="0">
+              <a:solidFill>
+                <a:schemeClr val="tx1"/>
+              </a:solidFill>
+            </a:endParaRPr>
+          </a:p>
+        </p:txBody>
+      </p:sp>
+      <p:sp>
+        <p:nvSpPr>
+          <p:cNvPr id="51" name="箭头: 下 50">
+            <a:extLst>
+              <a:ext uri="{FF2B5EF4-FFF2-40B4-BE49-F238E27FC236}">
+                <a16:creationId xmlns:a16="http://schemas.microsoft.com/office/drawing/2014/main" id="{4E62482C-CEAA-4282-93A5-6F55DCA2E9DC}"/>
+              </a:ext>
+            </a:extLst>
+          </p:cNvPr>
+          <p:cNvSpPr/>
+          <p:nvPr/>
+        </p:nvSpPr>
+        <p:spPr>
+          <a:xfrm>
+            <a:off x="9876574" y="3399173"/>
+            <a:ext cx="230819" cy="996790"/>
+          </a:xfrm>
+          <a:prstGeom prst="downArrow">
+            <a:avLst/>
+          </a:prstGeom>
+        </p:spPr>
+        <p:style>
+          <a:lnRef idx="2">
+            <a:schemeClr val="accent1">
+              <a:shade val="50000"/>
+            </a:schemeClr>
+          </a:lnRef>
+          <a:fillRef idx="1">
+            <a:schemeClr val="accent1"/>
+          </a:fillRef>
+          <a:effectRef idx="0">
+            <a:schemeClr val="accent1"/>
+          </a:effectRef>
+          <a:fontRef idx="minor">
+            <a:schemeClr val="lt1"/>
+          </a:fontRef>
+        </p:style>
+        <p:txBody>
+          <a:bodyPr rtlCol="0" anchor="ctr"/>
+          <a:lstStyle/>
+          <a:p>
+            <a:pPr algn="ctr"/>
+            <a:endParaRPr lang="zh-CN" altLang="en-US" dirty="0"/>
+          </a:p>
+        </p:txBody>
+      </p:sp>
+      <p:sp>
+        <p:nvSpPr>
+          <p:cNvPr id="53" name="文本框 52">
+            <a:extLst>
+              <a:ext uri="{FF2B5EF4-FFF2-40B4-BE49-F238E27FC236}">
+                <a16:creationId xmlns:a16="http://schemas.microsoft.com/office/drawing/2014/main" id="{04D09E4C-4CAA-4279-ACDC-F66A58373E81}"/>
+              </a:ext>
+            </a:extLst>
+          </p:cNvPr>
+          <p:cNvSpPr txBox="1"/>
+          <p:nvPr/>
+        </p:nvSpPr>
+        <p:spPr>
+          <a:xfrm rot="5400000">
+            <a:off x="9560466" y="4752071"/>
+            <a:ext cx="914400" cy="369332"/>
+          </a:xfrm>
+          <a:prstGeom prst="rect">
+            <a:avLst/>
+          </a:prstGeom>
+          <a:noFill/>
+        </p:spPr>
+        <p:txBody>
+          <a:bodyPr wrap="square" rtlCol="0">
+            <a:spAutoFit/>
+          </a:bodyPr>
+          <a:lstStyle/>
+          <a:p>
+            <a:pPr algn="ctr"/>
+            <a:r>
+              <a:rPr lang="en-US" altLang="zh-CN" b="1" dirty="0"/>
+              <a:t>……</a:t>
+            </a:r>
+            <a:endParaRPr lang="zh-CN" altLang="en-US" b="1" dirty="0"/>
+          </a:p>
+        </p:txBody>
+      </p:sp>
+      <mc:AlternateContent xmlns:mc="http://schemas.openxmlformats.org/markup-compatibility/2006">
+        <mc:Choice xmlns:a14="http://schemas.microsoft.com/office/drawing/2010/main" Requires="a14">
+          <p:sp>
+            <p:nvSpPr>
+              <p:cNvPr id="54" name="矩形: 圆角 53">
+                <a:extLst>
+                  <a:ext uri="{FF2B5EF4-FFF2-40B4-BE49-F238E27FC236}">
+                    <a16:creationId xmlns:a16="http://schemas.microsoft.com/office/drawing/2014/main" id="{3601C5D9-695A-4711-A613-43CC491DED34}"/>
+                  </a:ext>
+                </a:extLst>
+              </p:cNvPr>
+              <p:cNvSpPr/>
+              <p:nvPr/>
+            </p:nvSpPr>
+            <p:spPr>
+              <a:xfrm>
+                <a:off x="627792" y="5558012"/>
+                <a:ext cx="5596252" cy="914401"/>
+              </a:xfrm>
+              <a:prstGeom prst="roundRect">
+                <a:avLst/>
+              </a:prstGeom>
+              <a:noFill/>
+              <a:ln w="28575">
+                <a:prstDash val="dashDot"/>
+              </a:ln>
+            </p:spPr>
+            <p:style>
+              <a:lnRef idx="2">
+                <a:schemeClr val="accent1">
+                  <a:shade val="50000"/>
+                </a:schemeClr>
+              </a:lnRef>
+              <a:fillRef idx="1">
+                <a:schemeClr val="accent1"/>
+              </a:fillRef>
+              <a:effectRef idx="0">
+                <a:schemeClr val="accent1"/>
+              </a:effectRef>
+              <a:fontRef idx="minor">
+                <a:schemeClr val="lt1"/>
+              </a:fontRef>
+            </p:style>
+            <p:txBody>
+              <a:bodyPr rtlCol="0" anchor="ctr"/>
+              <a:lstStyle/>
+              <a:p>
+                <a:pPr algn="ctr"/>
+                <a:endParaRPr lang="en-US" altLang="zh-CN" sz="1600" i="1" dirty="0">
+                  <a:solidFill>
+                    <a:schemeClr val="tx1"/>
+                  </a:solidFill>
+                  <a:latin typeface="Times New Roman" panose="02020603050405020304" pitchFamily="18" charset="0"/>
+                  <a:cs typeface="Times New Roman" panose="02020603050405020304" pitchFamily="18" charset="0"/>
+                </a:endParaRPr>
+              </a:p>
+              <a:p>
+                <a:pPr algn="ctr"/>
+                <a:r>
+                  <a:rPr lang="en-US" altLang="zh-CN" sz="1600" i="1" dirty="0" err="1">
+                    <a:solidFill>
+                      <a:schemeClr val="tx1"/>
+                    </a:solidFill>
+                    <a:latin typeface="Times New Roman" panose="02020603050405020304" pitchFamily="18" charset="0"/>
+                    <a:cs typeface="Times New Roman" panose="02020603050405020304" pitchFamily="18" charset="0"/>
+                  </a:rPr>
+                  <a:t>i</a:t>
+                </a:r>
+                <a:r>
+                  <a:rPr lang="en-US" altLang="zh-CN" sz="1600" dirty="0">
+                    <a:solidFill>
+                      <a:schemeClr val="tx1"/>
+                    </a:solidFill>
+                    <a:latin typeface="Times New Roman" panose="02020603050405020304" pitchFamily="18" charset="0"/>
+                    <a:cs typeface="Times New Roman" panose="02020603050405020304" pitchFamily="18" charset="0"/>
+                  </a:rPr>
+                  <a:t> long int, number count in each bin of </a:t>
+                </a:r>
+                <a14:m>
+                  <m:oMath xmlns:m="http://schemas.openxmlformats.org/officeDocument/2006/math">
+                    <m:sSub>
+                      <m:sSubPr>
+                        <m:ctrlPr>
+                          <a:rPr lang="en-US" altLang="zh-CN" sz="1600" i="1">
+                            <a:solidFill>
+                              <a:schemeClr val="tx1"/>
+                            </a:solidFill>
+                            <a:latin typeface="Cambria Math" panose="02040503050406030204" pitchFamily="18" charset="0"/>
+                            <a:cs typeface="Times New Roman" panose="02020603050405020304" pitchFamily="18" charset="0"/>
+                          </a:rPr>
+                        </m:ctrlPr>
+                      </m:sSubPr>
+                      <m:e>
+                        <m:r>
+                          <a:rPr lang="en-US" altLang="zh-CN" sz="1600" i="1">
+                            <a:solidFill>
+                              <a:schemeClr val="tx1"/>
+                            </a:solidFill>
+                            <a:latin typeface="Cambria Math" panose="02040503050406030204" pitchFamily="18" charset="0"/>
+                            <a:cs typeface="Times New Roman" panose="02020603050405020304" pitchFamily="18" charset="0"/>
+                          </a:rPr>
+                          <m:t>𝐺</m:t>
+                        </m:r>
+                      </m:e>
+                      <m:sub>
+                        <m:r>
+                          <a:rPr lang="en-US" altLang="zh-CN" sz="1600" i="1">
+                            <a:solidFill>
+                              <a:schemeClr val="tx1"/>
+                            </a:solidFill>
+                            <a:latin typeface="Cambria Math" panose="02040503050406030204" pitchFamily="18" charset="0"/>
+                            <a:cs typeface="Times New Roman" panose="02020603050405020304" pitchFamily="18" charset="0"/>
+                          </a:rPr>
+                          <m:t>1/2</m:t>
+                        </m:r>
+                      </m:sub>
+                    </m:sSub>
+                  </m:oMath>
+                </a14:m>
+                <a:r>
+                  <a:rPr lang="en-US" altLang="zh-CN" sz="1600" dirty="0">
+                    <a:solidFill>
+                      <a:schemeClr val="tx1"/>
+                    </a:solidFill>
+                    <a:latin typeface="Times New Roman" panose="02020603050405020304" pitchFamily="18" charset="0"/>
+                    <a:cs typeface="Times New Roman" panose="02020603050405020304" pitchFamily="18" charset="0"/>
+                  </a:rPr>
+                  <a:t>, </a:t>
+                </a:r>
+                <a:r>
+                  <a:rPr lang="en-US" altLang="zh-CN" sz="1600" i="1" dirty="0" err="1">
+                    <a:solidFill>
+                      <a:schemeClr val="tx1"/>
+                    </a:solidFill>
+                    <a:latin typeface="Times New Roman" panose="02020603050405020304" pitchFamily="18" charset="0"/>
+                    <a:cs typeface="Times New Roman" panose="02020603050405020304" pitchFamily="18" charset="0"/>
+                  </a:rPr>
+                  <a:t>i</a:t>
+                </a:r>
+                <a:r>
+                  <a:rPr lang="en-US" altLang="zh-CN" sz="1600" dirty="0">
+                    <a:solidFill>
+                      <a:schemeClr val="tx1"/>
+                    </a:solidFill>
+                    <a:latin typeface="Times New Roman" panose="02020603050405020304" pitchFamily="18" charset="0"/>
+                    <a:cs typeface="Times New Roman" panose="02020603050405020304" pitchFamily="18" charset="0"/>
+                  </a:rPr>
+                  <a:t> bins(2D)</a:t>
+                </a:r>
+              </a:p>
+            </p:txBody>
+          </p:sp>
+        </mc:Choice>
+        <mc:Fallback>
+          <p:sp>
+            <p:nvSpPr>
+              <p:cNvPr id="54" name="矩形: 圆角 53">
+                <a:extLst>
+                  <a:ext uri="{FF2B5EF4-FFF2-40B4-BE49-F238E27FC236}">
+                    <a16:creationId xmlns:a16="http://schemas.microsoft.com/office/drawing/2014/main" id="{3601C5D9-695A-4711-A613-43CC491DED34}"/>
+                  </a:ext>
+                </a:extLst>
+              </p:cNvPr>
+              <p:cNvSpPr>
+                <a:spLocks noRot="1" noChangeAspect="1" noMove="1" noResize="1" noEditPoints="1" noAdjustHandles="1" noChangeArrowheads="1" noChangeShapeType="1" noTextEdit="1"/>
+              </p:cNvSpPr>
+              <p:nvPr/>
+            </p:nvSpPr>
+            <p:spPr>
+              <a:xfrm>
+                <a:off x="627792" y="5558012"/>
+                <a:ext cx="5596252" cy="914401"/>
+              </a:xfrm>
+              <a:prstGeom prst="roundRect">
+                <a:avLst/>
+              </a:prstGeom>
+              <a:blipFill>
+                <a:blip r:embed="rId4"/>
+                <a:stretch>
+                  <a:fillRect/>
+                </a:stretch>
+              </a:blipFill>
+              <a:ln w="28575">
+                <a:prstDash val="dashDot"/>
+              </a:ln>
+            </p:spPr>
+            <p:txBody>
+              <a:bodyPr/>
+              <a:lstStyle/>
+              <a:p>
+                <a:r>
+                  <a:rPr lang="zh-CN" altLang="en-US">
+                    <a:noFill/>
+                  </a:rPr>
+                  <a:t> </a:t>
+                </a:r>
+              </a:p>
+            </p:txBody>
+          </p:sp>
+        </mc:Fallback>
+      </mc:AlternateContent>
+      <p:sp>
+        <p:nvSpPr>
+          <p:cNvPr id="45" name="文本框 44">
+            <a:extLst>
+              <a:ext uri="{FF2B5EF4-FFF2-40B4-BE49-F238E27FC236}">
+                <a16:creationId xmlns:a16="http://schemas.microsoft.com/office/drawing/2014/main" id="{2BA4B87A-C354-4508-A7FF-A412065CFFB8}"/>
+              </a:ext>
+            </a:extLst>
+          </p:cNvPr>
+          <p:cNvSpPr txBox="1"/>
+          <p:nvPr/>
+        </p:nvSpPr>
+        <p:spPr>
+          <a:xfrm>
+            <a:off x="4293874" y="1686751"/>
+            <a:ext cx="914400" cy="369332"/>
+          </a:xfrm>
+          <a:prstGeom prst="rect">
+            <a:avLst/>
+          </a:prstGeom>
+          <a:noFill/>
+        </p:spPr>
+        <p:txBody>
+          <a:bodyPr wrap="square" rtlCol="0">
+            <a:spAutoFit/>
+          </a:bodyPr>
+          <a:lstStyle/>
+          <a:p>
+            <a:pPr algn="ctr"/>
+            <a:r>
+              <a:rPr lang="en-US" altLang="zh-CN" b="1" dirty="0"/>
+              <a:t>……</a:t>
+            </a:r>
+            <a:endParaRPr lang="zh-CN" altLang="en-US" b="1" dirty="0"/>
+          </a:p>
+        </p:txBody>
+      </p:sp>
+      <p:sp>
+        <p:nvSpPr>
+          <p:cNvPr id="46" name="右大括号 45">
+            <a:extLst>
+              <a:ext uri="{FF2B5EF4-FFF2-40B4-BE49-F238E27FC236}">
+                <a16:creationId xmlns:a16="http://schemas.microsoft.com/office/drawing/2014/main" id="{396EC54F-3481-45D5-9FD8-56AEEAC10FA9}"/>
+              </a:ext>
+            </a:extLst>
+          </p:cNvPr>
+          <p:cNvSpPr/>
+          <p:nvPr/>
+        </p:nvSpPr>
+        <p:spPr>
+          <a:xfrm rot="16200000">
+            <a:off x="3237350" y="2681351"/>
+            <a:ext cx="189508" cy="5441257"/>
+          </a:xfrm>
+          <a:prstGeom prst="rightBrace">
+            <a:avLst/>
+          </a:prstGeom>
+        </p:spPr>
+        <p:style>
+          <a:lnRef idx="1">
+            <a:schemeClr val="accent1"/>
+          </a:lnRef>
+          <a:fillRef idx="0">
+            <a:schemeClr val="accent1"/>
+          </a:fillRef>
+          <a:effectRef idx="0">
+            <a:schemeClr val="accent1"/>
+          </a:effectRef>
+          <a:fontRef idx="minor">
+            <a:schemeClr val="tx1"/>
+          </a:fontRef>
+        </p:style>
+        <p:txBody>
+          <a:bodyPr rtlCol="0" anchor="ctr"/>
+          <a:lstStyle/>
+          <a:p>
+            <a:pPr algn="ctr"/>
+            <a:endParaRPr lang="zh-CN" altLang="en-US"/>
+          </a:p>
+        </p:txBody>
+      </p:sp>
     </p:spTree>
     <p:extLst>
       <p:ext uri="{BB962C8B-B14F-4D97-AF65-F5344CB8AC3E}">
@@ -3853,6 +6766,1723 @@
           <a:chExt cx="0" cy="0"/>
         </a:xfrm>
       </p:grpSpPr>
+      <p:sp>
+        <p:nvSpPr>
+          <p:cNvPr id="2" name="文本框 1">
+            <a:extLst>
+              <a:ext uri="{FF2B5EF4-FFF2-40B4-BE49-F238E27FC236}">
+                <a16:creationId xmlns:a16="http://schemas.microsoft.com/office/drawing/2014/main" id="{8048428E-B110-4175-979A-92558914360F}"/>
+              </a:ext>
+            </a:extLst>
+          </p:cNvPr>
+          <p:cNvSpPr txBox="1"/>
+          <p:nvPr/>
+        </p:nvSpPr>
+        <p:spPr>
+          <a:xfrm>
+            <a:off x="4758431" y="284085"/>
+            <a:ext cx="2387192" cy="369332"/>
+          </a:xfrm>
+          <a:prstGeom prst="rect">
+            <a:avLst/>
+          </a:prstGeom>
+          <a:noFill/>
+        </p:spPr>
+        <p:txBody>
+          <a:bodyPr wrap="none" rtlCol="0">
+            <a:spAutoFit/>
+          </a:bodyPr>
+          <a:lstStyle/>
+          <a:p>
+            <a:r>
+              <a:rPr lang="en-US" altLang="zh-CN" dirty="0"/>
+              <a:t>Catalog data structure</a:t>
+            </a:r>
+            <a:endParaRPr lang="zh-CN" altLang="en-US" dirty="0"/>
+          </a:p>
+        </p:txBody>
+      </p:sp>
+      <p:grpSp>
+        <p:nvGrpSpPr>
+          <p:cNvPr id="12" name="组合 11">
+            <a:extLst>
+              <a:ext uri="{FF2B5EF4-FFF2-40B4-BE49-F238E27FC236}">
+                <a16:creationId xmlns:a16="http://schemas.microsoft.com/office/drawing/2014/main" id="{9760ABC5-9A29-4C08-8C67-67DC34BF4176}"/>
+              </a:ext>
+            </a:extLst>
+          </p:cNvPr>
+          <p:cNvGrpSpPr/>
+          <p:nvPr/>
+        </p:nvGrpSpPr>
+        <p:grpSpPr>
+          <a:xfrm>
+            <a:off x="396386" y="1670511"/>
+            <a:ext cx="11399228" cy="369332"/>
+            <a:chOff x="127778" y="949570"/>
+            <a:chExt cx="11399228" cy="369332"/>
+          </a:xfrm>
+        </p:grpSpPr>
+        <p:grpSp>
+          <p:nvGrpSpPr>
+            <p:cNvPr id="10" name="组合 9">
+              <a:extLst>
+                <a:ext uri="{FF2B5EF4-FFF2-40B4-BE49-F238E27FC236}">
+                  <a16:creationId xmlns:a16="http://schemas.microsoft.com/office/drawing/2014/main" id="{D04D6056-4C23-4681-B81F-4D49A8883F33}"/>
+                </a:ext>
+              </a:extLst>
+            </p:cNvPr>
+            <p:cNvGrpSpPr/>
+            <p:nvPr/>
+          </p:nvGrpSpPr>
+          <p:grpSpPr>
+            <a:xfrm>
+              <a:off x="127778" y="949570"/>
+              <a:ext cx="8370424" cy="369332"/>
+              <a:chOff x="725654" y="914400"/>
+              <a:chExt cx="8370424" cy="369332"/>
+            </a:xfrm>
+          </p:grpSpPr>
+          <p:sp>
+            <p:nvSpPr>
+              <p:cNvPr id="3" name="文本框 2">
+                <a:extLst>
+                  <a:ext uri="{FF2B5EF4-FFF2-40B4-BE49-F238E27FC236}">
+                    <a16:creationId xmlns:a16="http://schemas.microsoft.com/office/drawing/2014/main" id="{7FDC633F-9A40-44D0-A284-26AAD61542F6}"/>
+                  </a:ext>
+                </a:extLst>
+              </p:cNvPr>
+              <p:cNvSpPr txBox="1"/>
+              <p:nvPr/>
+            </p:nvSpPr>
+            <p:spPr>
+              <a:xfrm>
+                <a:off x="725654" y="914400"/>
+                <a:ext cx="1284326" cy="369332"/>
+              </a:xfrm>
+              <a:prstGeom prst="rect">
+                <a:avLst/>
+              </a:prstGeom>
+              <a:noFill/>
+            </p:spPr>
+            <p:txBody>
+              <a:bodyPr wrap="none" rtlCol="0">
+                <a:spAutoFit/>
+              </a:bodyPr>
+              <a:lstStyle/>
+              <a:p>
+                <a:r>
+                  <a:rPr lang="en-US" altLang="zh-CN" dirty="0"/>
+                  <a:t>RA      Dec </a:t>
+                </a:r>
+                <a:endParaRPr lang="zh-CN" altLang="en-US" dirty="0"/>
+              </a:p>
+            </p:txBody>
+          </p:sp>
+          <p:sp>
+            <p:nvSpPr>
+              <p:cNvPr id="5" name="文本框 4">
+                <a:extLst>
+                  <a:ext uri="{FF2B5EF4-FFF2-40B4-BE49-F238E27FC236}">
+                    <a16:creationId xmlns:a16="http://schemas.microsoft.com/office/drawing/2014/main" id="{55501136-B9E0-4CC0-94FE-781BFAF6FE61}"/>
+                  </a:ext>
+                </a:extLst>
+              </p:cNvPr>
+              <p:cNvSpPr txBox="1"/>
+              <p:nvPr/>
+            </p:nvSpPr>
+            <p:spPr>
+              <a:xfrm>
+                <a:off x="2158585" y="914400"/>
+                <a:ext cx="2157963" cy="369332"/>
+              </a:xfrm>
+              <a:prstGeom prst="rect">
+                <a:avLst/>
+              </a:prstGeom>
+              <a:noFill/>
+            </p:spPr>
+            <p:txBody>
+              <a:bodyPr wrap="none" rtlCol="0">
+                <a:spAutoFit/>
+              </a:bodyPr>
+              <a:lstStyle/>
+              <a:p>
+                <a:r>
+                  <a:rPr lang="en-US" altLang="zh-CN" dirty="0"/>
+                  <a:t>G1,   G2,   N,   U,   V</a:t>
+                </a:r>
+                <a:endParaRPr lang="zh-CN" altLang="en-US" dirty="0"/>
+              </a:p>
+            </p:txBody>
+          </p:sp>
+          <p:sp>
+            <p:nvSpPr>
+              <p:cNvPr id="8" name="文本框 7">
+                <a:extLst>
+                  <a:ext uri="{FF2B5EF4-FFF2-40B4-BE49-F238E27FC236}">
+                    <a16:creationId xmlns:a16="http://schemas.microsoft.com/office/drawing/2014/main" id="{2D640CA0-7A76-4040-95FF-CFB63479C466}"/>
+                  </a:ext>
+                </a:extLst>
+              </p:cNvPr>
+              <p:cNvSpPr txBox="1"/>
+              <p:nvPr/>
+            </p:nvSpPr>
+            <p:spPr>
+              <a:xfrm>
+                <a:off x="4613759" y="914400"/>
+                <a:ext cx="4482319" cy="369332"/>
+              </a:xfrm>
+              <a:prstGeom prst="rect">
+                <a:avLst/>
+              </a:prstGeom>
+              <a:noFill/>
+            </p:spPr>
+            <p:txBody>
+              <a:bodyPr wrap="square" rtlCol="0">
+                <a:spAutoFit/>
+              </a:bodyPr>
+              <a:lstStyle/>
+              <a:p>
+                <a:r>
+                  <a:rPr lang="en-US" altLang="zh-CN" dirty="0" err="1"/>
+                  <a:t>Block_start</a:t>
+                </a:r>
+                <a:r>
+                  <a:rPr lang="en-US" altLang="zh-CN" dirty="0"/>
+                  <a:t>    </a:t>
+                </a:r>
+                <a:r>
+                  <a:rPr lang="en-US" altLang="zh-CN" dirty="0" err="1"/>
+                  <a:t>Block_end</a:t>
+                </a:r>
+                <a:r>
+                  <a:rPr lang="en-US" altLang="zh-CN" dirty="0"/>
+                  <a:t>    </a:t>
+                </a:r>
+                <a:r>
+                  <a:rPr lang="en-US" altLang="zh-CN" dirty="0" err="1"/>
+                  <a:t>Num_in_block</a:t>
+                </a:r>
+                <a:endParaRPr lang="zh-CN" altLang="en-US" dirty="0"/>
+              </a:p>
+            </p:txBody>
+          </p:sp>
+        </p:grpSp>
+        <p:sp>
+          <p:nvSpPr>
+            <p:cNvPr id="11" name="文本框 10">
+              <a:extLst>
+                <a:ext uri="{FF2B5EF4-FFF2-40B4-BE49-F238E27FC236}">
+                  <a16:creationId xmlns:a16="http://schemas.microsoft.com/office/drawing/2014/main" id="{ED795444-A2C0-4D9F-81C7-0074631ECF24}"/>
+                </a:ext>
+              </a:extLst>
+            </p:cNvPr>
+            <p:cNvSpPr txBox="1"/>
+            <p:nvPr/>
+          </p:nvSpPr>
+          <p:spPr>
+            <a:xfrm>
+              <a:off x="8335107" y="949570"/>
+              <a:ext cx="3191899" cy="369332"/>
+            </a:xfrm>
+            <a:prstGeom prst="rect">
+              <a:avLst/>
+            </a:prstGeom>
+            <a:noFill/>
+          </p:spPr>
+          <p:txBody>
+            <a:bodyPr wrap="none" rtlCol="0">
+              <a:spAutoFit/>
+            </a:bodyPr>
+            <a:lstStyle/>
+            <a:p>
+              <a:r>
+                <a:rPr lang="en-US" altLang="zh-CN" dirty="0" err="1"/>
+                <a:t>Block_boundx</a:t>
+              </a:r>
+              <a:r>
+                <a:rPr lang="en-US" altLang="zh-CN" dirty="0"/>
+                <a:t>    </a:t>
+              </a:r>
+              <a:r>
+                <a:rPr lang="en-US" altLang="zh-CN" dirty="0" err="1"/>
+                <a:t>Block_boundy</a:t>
+              </a:r>
+              <a:endParaRPr lang="zh-CN" altLang="en-US" dirty="0"/>
+            </a:p>
+          </p:txBody>
+        </p:sp>
+      </p:grpSp>
+      <p:sp>
+        <p:nvSpPr>
+          <p:cNvPr id="13" name="矩形 12">
+            <a:extLst>
+              <a:ext uri="{FF2B5EF4-FFF2-40B4-BE49-F238E27FC236}">
+                <a16:creationId xmlns:a16="http://schemas.microsoft.com/office/drawing/2014/main" id="{5BFC1F3B-C76A-48E0-8697-028258079F07}"/>
+              </a:ext>
+            </a:extLst>
+          </p:cNvPr>
+          <p:cNvSpPr/>
+          <p:nvPr/>
+        </p:nvSpPr>
+        <p:spPr>
+          <a:xfrm>
+            <a:off x="1829316" y="2127740"/>
+            <a:ext cx="570983" cy="369332"/>
+          </a:xfrm>
+          <a:prstGeom prst="rect">
+            <a:avLst/>
+          </a:prstGeom>
+          <a:ln>
+            <a:noFill/>
+          </a:ln>
+        </p:spPr>
+        <p:style>
+          <a:lnRef idx="2">
+            <a:schemeClr val="accent1">
+              <a:shade val="50000"/>
+            </a:schemeClr>
+          </a:lnRef>
+          <a:fillRef idx="1">
+            <a:schemeClr val="accent1"/>
+          </a:fillRef>
+          <a:effectRef idx="0">
+            <a:schemeClr val="accent1"/>
+          </a:effectRef>
+          <a:fontRef idx="minor">
+            <a:schemeClr val="lt1"/>
+          </a:fontRef>
+        </p:style>
+        <p:txBody>
+          <a:bodyPr rtlCol="0" anchor="ctr"/>
+          <a:lstStyle/>
+          <a:p>
+            <a:pPr algn="ctr"/>
+            <a:r>
+              <a:rPr lang="en-US" altLang="zh-CN" sz="900" dirty="0"/>
+              <a:t>Block 0</a:t>
+            </a:r>
+            <a:endParaRPr lang="zh-CN" altLang="en-US" sz="900" dirty="0"/>
+          </a:p>
+        </p:txBody>
+      </p:sp>
+      <p:sp>
+        <p:nvSpPr>
+          <p:cNvPr id="14" name="矩形 13">
+            <a:extLst>
+              <a:ext uri="{FF2B5EF4-FFF2-40B4-BE49-F238E27FC236}">
+                <a16:creationId xmlns:a16="http://schemas.microsoft.com/office/drawing/2014/main" id="{BCDFE05B-533E-4122-8DB0-D05A59F7BF69}"/>
+              </a:ext>
+            </a:extLst>
+          </p:cNvPr>
+          <p:cNvSpPr/>
+          <p:nvPr/>
+        </p:nvSpPr>
+        <p:spPr>
+          <a:xfrm>
+            <a:off x="1829315" y="2497072"/>
+            <a:ext cx="570983" cy="369332"/>
+          </a:xfrm>
+          <a:prstGeom prst="rect">
+            <a:avLst/>
+          </a:prstGeom>
+          <a:solidFill>
+            <a:schemeClr val="accent5">
+              <a:lumMod val="60000"/>
+              <a:lumOff val="40000"/>
+            </a:schemeClr>
+          </a:solidFill>
+          <a:ln>
+            <a:noFill/>
+          </a:ln>
+        </p:spPr>
+        <p:style>
+          <a:lnRef idx="2">
+            <a:schemeClr val="accent1">
+              <a:shade val="50000"/>
+            </a:schemeClr>
+          </a:lnRef>
+          <a:fillRef idx="1">
+            <a:schemeClr val="accent1"/>
+          </a:fillRef>
+          <a:effectRef idx="0">
+            <a:schemeClr val="accent1"/>
+          </a:effectRef>
+          <a:fontRef idx="minor">
+            <a:schemeClr val="lt1"/>
+          </a:fontRef>
+        </p:style>
+        <p:txBody>
+          <a:bodyPr rtlCol="0" anchor="ctr"/>
+          <a:lstStyle/>
+          <a:p>
+            <a:pPr algn="ctr"/>
+            <a:r>
+              <a:rPr lang="en-US" altLang="zh-CN" sz="900" dirty="0"/>
+              <a:t>Block 1</a:t>
+            </a:r>
+            <a:endParaRPr lang="zh-CN" altLang="en-US" sz="900" dirty="0"/>
+          </a:p>
+        </p:txBody>
+      </p:sp>
+      <p:sp>
+        <p:nvSpPr>
+          <p:cNvPr id="15" name="矩形 14">
+            <a:extLst>
+              <a:ext uri="{FF2B5EF4-FFF2-40B4-BE49-F238E27FC236}">
+                <a16:creationId xmlns:a16="http://schemas.microsoft.com/office/drawing/2014/main" id="{13038B43-C2E2-49F5-8A8F-8B28799F4910}"/>
+              </a:ext>
+            </a:extLst>
+          </p:cNvPr>
+          <p:cNvSpPr/>
+          <p:nvPr/>
+        </p:nvSpPr>
+        <p:spPr>
+          <a:xfrm>
+            <a:off x="1829313" y="2866404"/>
+            <a:ext cx="570983" cy="369332"/>
+          </a:xfrm>
+          <a:prstGeom prst="rect">
+            <a:avLst/>
+          </a:prstGeom>
+          <a:ln>
+            <a:noFill/>
+          </a:ln>
+        </p:spPr>
+        <p:style>
+          <a:lnRef idx="2">
+            <a:schemeClr val="accent1">
+              <a:shade val="50000"/>
+            </a:schemeClr>
+          </a:lnRef>
+          <a:fillRef idx="1">
+            <a:schemeClr val="accent1"/>
+          </a:fillRef>
+          <a:effectRef idx="0">
+            <a:schemeClr val="accent1"/>
+          </a:effectRef>
+          <a:fontRef idx="minor">
+            <a:schemeClr val="lt1"/>
+          </a:fontRef>
+        </p:style>
+        <p:txBody>
+          <a:bodyPr rtlCol="0" anchor="ctr"/>
+          <a:lstStyle/>
+          <a:p>
+            <a:pPr algn="ctr"/>
+            <a:r>
+              <a:rPr lang="en-US" altLang="zh-CN" sz="900" dirty="0"/>
+              <a:t>Block 2</a:t>
+            </a:r>
+            <a:endParaRPr lang="zh-CN" altLang="en-US" sz="900" dirty="0"/>
+          </a:p>
+        </p:txBody>
+      </p:sp>
+      <p:sp>
+        <p:nvSpPr>
+          <p:cNvPr id="16" name="矩形 15">
+            <a:extLst>
+              <a:ext uri="{FF2B5EF4-FFF2-40B4-BE49-F238E27FC236}">
+                <a16:creationId xmlns:a16="http://schemas.microsoft.com/office/drawing/2014/main" id="{9C721733-E7DE-467D-B512-80A92D8AB1AB}"/>
+              </a:ext>
+            </a:extLst>
+          </p:cNvPr>
+          <p:cNvSpPr/>
+          <p:nvPr/>
+        </p:nvSpPr>
+        <p:spPr>
+          <a:xfrm>
+            <a:off x="1829314" y="3692965"/>
+            <a:ext cx="570983" cy="369332"/>
+          </a:xfrm>
+          <a:prstGeom prst="rect">
+            <a:avLst/>
+          </a:prstGeom>
+          <a:solidFill>
+            <a:schemeClr val="accent5">
+              <a:lumMod val="60000"/>
+              <a:lumOff val="40000"/>
+            </a:schemeClr>
+          </a:solidFill>
+          <a:ln>
+            <a:noFill/>
+          </a:ln>
+        </p:spPr>
+        <p:style>
+          <a:lnRef idx="2">
+            <a:schemeClr val="accent1">
+              <a:shade val="50000"/>
+            </a:schemeClr>
+          </a:lnRef>
+          <a:fillRef idx="1">
+            <a:schemeClr val="accent1"/>
+          </a:fillRef>
+          <a:effectRef idx="0">
+            <a:schemeClr val="accent1"/>
+          </a:effectRef>
+          <a:fontRef idx="minor">
+            <a:schemeClr val="lt1"/>
+          </a:fontRef>
+        </p:style>
+        <p:txBody>
+          <a:bodyPr rtlCol="0" anchor="ctr"/>
+          <a:lstStyle/>
+          <a:p>
+            <a:pPr algn="ctr"/>
+            <a:r>
+              <a:rPr lang="en-US" altLang="zh-CN" sz="900" dirty="0"/>
+              <a:t>Block </a:t>
+            </a:r>
+            <a:r>
+              <a:rPr lang="en-US" altLang="zh-CN" sz="900" dirty="0" err="1"/>
+              <a:t>i</a:t>
+            </a:r>
+            <a:endParaRPr lang="zh-CN" altLang="en-US" sz="900" dirty="0"/>
+          </a:p>
+        </p:txBody>
+      </p:sp>
+      <p:sp>
+        <p:nvSpPr>
+          <p:cNvPr id="17" name="文本框 16">
+            <a:extLst>
+              <a:ext uri="{FF2B5EF4-FFF2-40B4-BE49-F238E27FC236}">
+                <a16:creationId xmlns:a16="http://schemas.microsoft.com/office/drawing/2014/main" id="{23730E11-26C9-4144-B1ED-52E24A40E470}"/>
+              </a:ext>
+            </a:extLst>
+          </p:cNvPr>
+          <p:cNvSpPr txBox="1"/>
+          <p:nvPr/>
+        </p:nvSpPr>
+        <p:spPr>
+          <a:xfrm>
+            <a:off x="1892763" y="3363804"/>
+            <a:ext cx="461665" cy="254237"/>
+          </a:xfrm>
+          <a:prstGeom prst="rect">
+            <a:avLst/>
+          </a:prstGeom>
+          <a:noFill/>
+        </p:spPr>
+        <p:txBody>
+          <a:bodyPr vert="eaVert" wrap="none" rtlCol="0">
+            <a:spAutoFit/>
+          </a:bodyPr>
+          <a:lstStyle/>
+          <a:p>
+            <a:r>
+              <a:rPr lang="en-US" altLang="zh-CN" dirty="0"/>
+              <a:t>…</a:t>
+            </a:r>
+            <a:endParaRPr lang="zh-CN" altLang="en-US" dirty="0"/>
+          </a:p>
+        </p:txBody>
+      </p:sp>
+      <p:sp>
+        <p:nvSpPr>
+          <p:cNvPr id="18" name="文本框 17">
+            <a:extLst>
+              <a:ext uri="{FF2B5EF4-FFF2-40B4-BE49-F238E27FC236}">
+                <a16:creationId xmlns:a16="http://schemas.microsoft.com/office/drawing/2014/main" id="{43BD897D-7DAB-4659-B3D7-5326A98AA323}"/>
+              </a:ext>
+            </a:extLst>
+          </p:cNvPr>
+          <p:cNvSpPr txBox="1"/>
+          <p:nvPr/>
+        </p:nvSpPr>
+        <p:spPr>
+          <a:xfrm>
+            <a:off x="1892763" y="4265289"/>
+            <a:ext cx="461665" cy="254237"/>
+          </a:xfrm>
+          <a:prstGeom prst="rect">
+            <a:avLst/>
+          </a:prstGeom>
+          <a:noFill/>
+        </p:spPr>
+        <p:txBody>
+          <a:bodyPr vert="eaVert" wrap="none" rtlCol="0">
+            <a:spAutoFit/>
+          </a:bodyPr>
+          <a:lstStyle/>
+          <a:p>
+            <a:r>
+              <a:rPr lang="en-US" altLang="zh-CN" dirty="0"/>
+              <a:t>…</a:t>
+            </a:r>
+            <a:endParaRPr lang="zh-CN" altLang="en-US" dirty="0"/>
+          </a:p>
+        </p:txBody>
+      </p:sp>
+      <p:sp>
+        <p:nvSpPr>
+          <p:cNvPr id="19" name="文本框 18">
+            <a:extLst>
+              <a:ext uri="{FF2B5EF4-FFF2-40B4-BE49-F238E27FC236}">
+                <a16:creationId xmlns:a16="http://schemas.microsoft.com/office/drawing/2014/main" id="{336C324B-260C-465B-912A-ACDFAB8A8B14}"/>
+              </a:ext>
+            </a:extLst>
+          </p:cNvPr>
+          <p:cNvSpPr txBox="1"/>
+          <p:nvPr/>
+        </p:nvSpPr>
+        <p:spPr>
+          <a:xfrm>
+            <a:off x="1038549" y="2312406"/>
+            <a:ext cx="461665" cy="467436"/>
+          </a:xfrm>
+          <a:prstGeom prst="rect">
+            <a:avLst/>
+          </a:prstGeom>
+          <a:noFill/>
+        </p:spPr>
+        <p:txBody>
+          <a:bodyPr vert="eaVert" wrap="none" rtlCol="0">
+            <a:spAutoFit/>
+          </a:bodyPr>
+          <a:lstStyle/>
+          <a:p>
+            <a:r>
+              <a:rPr lang="en-US" altLang="zh-CN" b="1" dirty="0"/>
+              <a:t>……</a:t>
+            </a:r>
+            <a:endParaRPr lang="zh-CN" altLang="en-US" b="1" dirty="0"/>
+          </a:p>
+        </p:txBody>
+      </p:sp>
+      <p:sp>
+        <p:nvSpPr>
+          <p:cNvPr id="20" name="文本框 19">
+            <a:extLst>
+              <a:ext uri="{FF2B5EF4-FFF2-40B4-BE49-F238E27FC236}">
+                <a16:creationId xmlns:a16="http://schemas.microsoft.com/office/drawing/2014/main" id="{BCC21F7D-0DED-4827-995B-A6743ACA1F59}"/>
+              </a:ext>
+            </a:extLst>
+          </p:cNvPr>
+          <p:cNvSpPr txBox="1"/>
+          <p:nvPr/>
+        </p:nvSpPr>
+        <p:spPr>
+          <a:xfrm>
+            <a:off x="366738" y="2312406"/>
+            <a:ext cx="461665" cy="467436"/>
+          </a:xfrm>
+          <a:prstGeom prst="rect">
+            <a:avLst/>
+          </a:prstGeom>
+          <a:noFill/>
+        </p:spPr>
+        <p:txBody>
+          <a:bodyPr vert="eaVert" wrap="none" rtlCol="0">
+            <a:spAutoFit/>
+          </a:bodyPr>
+          <a:lstStyle/>
+          <a:p>
+            <a:r>
+              <a:rPr lang="en-US" altLang="zh-CN" b="1" dirty="0"/>
+              <a:t>……</a:t>
+            </a:r>
+            <a:endParaRPr lang="zh-CN" altLang="en-US" b="1" dirty="0"/>
+          </a:p>
+        </p:txBody>
+      </p:sp>
+      <p:sp>
+        <p:nvSpPr>
+          <p:cNvPr id="21" name="文本框 20">
+            <a:extLst>
+              <a:ext uri="{FF2B5EF4-FFF2-40B4-BE49-F238E27FC236}">
+                <a16:creationId xmlns:a16="http://schemas.microsoft.com/office/drawing/2014/main" id="{B4102A31-8B98-4B02-8DB4-AC26260C2CE2}"/>
+              </a:ext>
+            </a:extLst>
+          </p:cNvPr>
+          <p:cNvSpPr txBox="1"/>
+          <p:nvPr/>
+        </p:nvSpPr>
+        <p:spPr>
+          <a:xfrm>
+            <a:off x="2383656" y="2294080"/>
+            <a:ext cx="461665" cy="467436"/>
+          </a:xfrm>
+          <a:prstGeom prst="rect">
+            <a:avLst/>
+          </a:prstGeom>
+          <a:noFill/>
+        </p:spPr>
+        <p:txBody>
+          <a:bodyPr vert="eaVert" wrap="none" rtlCol="0">
+            <a:spAutoFit/>
+          </a:bodyPr>
+          <a:lstStyle/>
+          <a:p>
+            <a:r>
+              <a:rPr lang="en-US" altLang="zh-CN" b="1" dirty="0"/>
+              <a:t>……</a:t>
+            </a:r>
+            <a:endParaRPr lang="zh-CN" altLang="en-US" b="1" dirty="0"/>
+          </a:p>
+        </p:txBody>
+      </p:sp>
+      <p:sp>
+        <p:nvSpPr>
+          <p:cNvPr id="22" name="文本框 21">
+            <a:extLst>
+              <a:ext uri="{FF2B5EF4-FFF2-40B4-BE49-F238E27FC236}">
+                <a16:creationId xmlns:a16="http://schemas.microsoft.com/office/drawing/2014/main" id="{51BD51BF-FDA8-48E2-B7E5-23F334AE5633}"/>
+              </a:ext>
+            </a:extLst>
+          </p:cNvPr>
+          <p:cNvSpPr txBox="1"/>
+          <p:nvPr/>
+        </p:nvSpPr>
+        <p:spPr>
+          <a:xfrm>
+            <a:off x="2824465" y="2294080"/>
+            <a:ext cx="461665" cy="467436"/>
+          </a:xfrm>
+          <a:prstGeom prst="rect">
+            <a:avLst/>
+          </a:prstGeom>
+          <a:noFill/>
+        </p:spPr>
+        <p:txBody>
+          <a:bodyPr vert="eaVert" wrap="none" rtlCol="0">
+            <a:spAutoFit/>
+          </a:bodyPr>
+          <a:lstStyle/>
+          <a:p>
+            <a:r>
+              <a:rPr lang="en-US" altLang="zh-CN" b="1" dirty="0"/>
+              <a:t>……</a:t>
+            </a:r>
+            <a:endParaRPr lang="zh-CN" altLang="en-US" b="1" dirty="0"/>
+          </a:p>
+        </p:txBody>
+      </p:sp>
+      <p:sp>
+        <p:nvSpPr>
+          <p:cNvPr id="23" name="文本框 22">
+            <a:extLst>
+              <a:ext uri="{FF2B5EF4-FFF2-40B4-BE49-F238E27FC236}">
+                <a16:creationId xmlns:a16="http://schemas.microsoft.com/office/drawing/2014/main" id="{867C6E66-022D-420A-A909-5D76F1A18F65}"/>
+              </a:ext>
+            </a:extLst>
+          </p:cNvPr>
+          <p:cNvSpPr txBox="1"/>
+          <p:nvPr/>
+        </p:nvSpPr>
+        <p:spPr>
+          <a:xfrm>
+            <a:off x="3185468" y="2294080"/>
+            <a:ext cx="461665" cy="467436"/>
+          </a:xfrm>
+          <a:prstGeom prst="rect">
+            <a:avLst/>
+          </a:prstGeom>
+          <a:noFill/>
+        </p:spPr>
+        <p:txBody>
+          <a:bodyPr vert="eaVert" wrap="none" rtlCol="0">
+            <a:spAutoFit/>
+          </a:bodyPr>
+          <a:lstStyle/>
+          <a:p>
+            <a:r>
+              <a:rPr lang="en-US" altLang="zh-CN" b="1" dirty="0"/>
+              <a:t>……</a:t>
+            </a:r>
+            <a:endParaRPr lang="zh-CN" altLang="en-US" b="1" dirty="0"/>
+          </a:p>
+        </p:txBody>
+      </p:sp>
+      <p:sp>
+        <p:nvSpPr>
+          <p:cNvPr id="24" name="文本框 23">
+            <a:extLst>
+              <a:ext uri="{FF2B5EF4-FFF2-40B4-BE49-F238E27FC236}">
+                <a16:creationId xmlns:a16="http://schemas.microsoft.com/office/drawing/2014/main" id="{883366D9-FAFE-437F-8C9B-D6E26F3C4773}"/>
+              </a:ext>
+            </a:extLst>
+          </p:cNvPr>
+          <p:cNvSpPr txBox="1"/>
+          <p:nvPr/>
+        </p:nvSpPr>
+        <p:spPr>
+          <a:xfrm>
+            <a:off x="3525615" y="2294080"/>
+            <a:ext cx="461665" cy="467436"/>
+          </a:xfrm>
+          <a:prstGeom prst="rect">
+            <a:avLst/>
+          </a:prstGeom>
+          <a:noFill/>
+        </p:spPr>
+        <p:txBody>
+          <a:bodyPr vert="eaVert" wrap="none" rtlCol="0">
+            <a:spAutoFit/>
+          </a:bodyPr>
+          <a:lstStyle/>
+          <a:p>
+            <a:r>
+              <a:rPr lang="en-US" altLang="zh-CN" b="1" dirty="0"/>
+              <a:t>……</a:t>
+            </a:r>
+            <a:endParaRPr lang="zh-CN" altLang="en-US" b="1" dirty="0"/>
+          </a:p>
+        </p:txBody>
+      </p:sp>
+      <p:sp>
+        <p:nvSpPr>
+          <p:cNvPr id="26" name="矩形: 圆角 25">
+            <a:extLst>
+              <a:ext uri="{FF2B5EF4-FFF2-40B4-BE49-F238E27FC236}">
+                <a16:creationId xmlns:a16="http://schemas.microsoft.com/office/drawing/2014/main" id="{32E1CA53-2F0D-4367-9EEF-0AEEEB93F519}"/>
+              </a:ext>
+            </a:extLst>
+          </p:cNvPr>
+          <p:cNvSpPr/>
+          <p:nvPr/>
+        </p:nvSpPr>
+        <p:spPr>
+          <a:xfrm>
+            <a:off x="237393" y="1180956"/>
+            <a:ext cx="3872436" cy="3956539"/>
+          </a:xfrm>
+          <a:prstGeom prst="roundRect">
+            <a:avLst/>
+          </a:prstGeom>
+          <a:noFill/>
+          <a:ln w="19050">
+            <a:solidFill>
+              <a:schemeClr val="accent1"/>
+            </a:solidFill>
+            <a:prstDash val="dash"/>
+          </a:ln>
+        </p:spPr>
+        <p:style>
+          <a:lnRef idx="2">
+            <a:schemeClr val="accent1">
+              <a:shade val="50000"/>
+            </a:schemeClr>
+          </a:lnRef>
+          <a:fillRef idx="1">
+            <a:schemeClr val="accent1"/>
+          </a:fillRef>
+          <a:effectRef idx="0">
+            <a:schemeClr val="accent1"/>
+          </a:effectRef>
+          <a:fontRef idx="minor">
+            <a:schemeClr val="lt1"/>
+          </a:fontRef>
+        </p:style>
+        <p:txBody>
+          <a:bodyPr rtlCol="0" anchor="ctr"/>
+          <a:lstStyle/>
+          <a:p>
+            <a:pPr algn="ctr"/>
+            <a:endParaRPr lang="zh-CN" altLang="en-US"/>
+          </a:p>
+        </p:txBody>
+      </p:sp>
+      <p:sp>
+        <p:nvSpPr>
+          <p:cNvPr id="27" name="文本框 26">
+            <a:extLst>
+              <a:ext uri="{FF2B5EF4-FFF2-40B4-BE49-F238E27FC236}">
+                <a16:creationId xmlns:a16="http://schemas.microsoft.com/office/drawing/2014/main" id="{F0685F72-2273-44E4-AC67-15EBC36D8243}"/>
+              </a:ext>
+            </a:extLst>
+          </p:cNvPr>
+          <p:cNvSpPr txBox="1"/>
+          <p:nvPr/>
+        </p:nvSpPr>
+        <p:spPr>
+          <a:xfrm>
+            <a:off x="1073883" y="1248735"/>
+            <a:ext cx="2233304" cy="369332"/>
+          </a:xfrm>
+          <a:prstGeom prst="rect">
+            <a:avLst/>
+          </a:prstGeom>
+          <a:noFill/>
+        </p:spPr>
+        <p:txBody>
+          <a:bodyPr wrap="none" rtlCol="0">
+            <a:spAutoFit/>
+          </a:bodyPr>
+          <a:lstStyle/>
+          <a:p>
+            <a:r>
+              <a:rPr lang="en-US" altLang="zh-CN" dirty="0"/>
+              <a:t>n elements each row</a:t>
+            </a:r>
+            <a:endParaRPr lang="zh-CN" altLang="en-US" dirty="0"/>
+          </a:p>
+        </p:txBody>
+      </p:sp>
+      <p:sp>
+        <p:nvSpPr>
+          <p:cNvPr id="34" name="矩形 33">
+            <a:extLst>
+              <a:ext uri="{FF2B5EF4-FFF2-40B4-BE49-F238E27FC236}">
+                <a16:creationId xmlns:a16="http://schemas.microsoft.com/office/drawing/2014/main" id="{733A512D-00AD-4475-A895-B3193F78DFB5}"/>
+              </a:ext>
+            </a:extLst>
+          </p:cNvPr>
+          <p:cNvSpPr/>
+          <p:nvPr/>
+        </p:nvSpPr>
+        <p:spPr>
+          <a:xfrm>
+            <a:off x="4598425" y="2174210"/>
+            <a:ext cx="570983" cy="369332"/>
+          </a:xfrm>
+          <a:prstGeom prst="rect">
+            <a:avLst/>
+          </a:prstGeom>
+          <a:ln>
+            <a:noFill/>
+          </a:ln>
+        </p:spPr>
+        <p:style>
+          <a:lnRef idx="2">
+            <a:schemeClr val="accent1">
+              <a:shade val="50000"/>
+            </a:schemeClr>
+          </a:lnRef>
+          <a:fillRef idx="1">
+            <a:schemeClr val="accent1"/>
+          </a:fillRef>
+          <a:effectRef idx="0">
+            <a:schemeClr val="accent1"/>
+          </a:effectRef>
+          <a:fontRef idx="minor">
+            <a:schemeClr val="lt1"/>
+          </a:fontRef>
+        </p:style>
+        <p:txBody>
+          <a:bodyPr rtlCol="0" anchor="ctr"/>
+          <a:lstStyle/>
+          <a:p>
+            <a:pPr algn="ctr"/>
+            <a:r>
+              <a:rPr lang="en-US" altLang="zh-CN" sz="900" dirty="0"/>
+              <a:t>0</a:t>
+            </a:r>
+            <a:endParaRPr lang="zh-CN" altLang="en-US" sz="900" dirty="0"/>
+          </a:p>
+        </p:txBody>
+      </p:sp>
+      <p:sp>
+        <p:nvSpPr>
+          <p:cNvPr id="35" name="矩形 34">
+            <a:extLst>
+              <a:ext uri="{FF2B5EF4-FFF2-40B4-BE49-F238E27FC236}">
+                <a16:creationId xmlns:a16="http://schemas.microsoft.com/office/drawing/2014/main" id="{3E4C2FAC-FFEA-400B-A682-8BF77D176B53}"/>
+              </a:ext>
+            </a:extLst>
+          </p:cNvPr>
+          <p:cNvSpPr/>
+          <p:nvPr/>
+        </p:nvSpPr>
+        <p:spPr>
+          <a:xfrm>
+            <a:off x="4598424" y="2543542"/>
+            <a:ext cx="570983" cy="369332"/>
+          </a:xfrm>
+          <a:prstGeom prst="rect">
+            <a:avLst/>
+          </a:prstGeom>
+          <a:solidFill>
+            <a:schemeClr val="accent5">
+              <a:lumMod val="60000"/>
+              <a:lumOff val="40000"/>
+            </a:schemeClr>
+          </a:solidFill>
+          <a:ln>
+            <a:noFill/>
+          </a:ln>
+        </p:spPr>
+        <p:style>
+          <a:lnRef idx="2">
+            <a:schemeClr val="accent1">
+              <a:shade val="50000"/>
+            </a:schemeClr>
+          </a:lnRef>
+          <a:fillRef idx="1">
+            <a:schemeClr val="accent1"/>
+          </a:fillRef>
+          <a:effectRef idx="0">
+            <a:schemeClr val="accent1"/>
+          </a:effectRef>
+          <a:fontRef idx="minor">
+            <a:schemeClr val="lt1"/>
+          </a:fontRef>
+        </p:style>
+        <p:txBody>
+          <a:bodyPr rtlCol="0" anchor="ctr"/>
+          <a:lstStyle/>
+          <a:p>
+            <a:pPr algn="ctr"/>
+            <a:r>
+              <a:rPr lang="en-US" altLang="zh-CN" sz="900" dirty="0" err="1"/>
+              <a:t>i</a:t>
+            </a:r>
+            <a:endParaRPr lang="zh-CN" altLang="en-US" sz="900" dirty="0"/>
+          </a:p>
+        </p:txBody>
+      </p:sp>
+      <p:sp>
+        <p:nvSpPr>
+          <p:cNvPr id="36" name="矩形 35">
+            <a:extLst>
+              <a:ext uri="{FF2B5EF4-FFF2-40B4-BE49-F238E27FC236}">
+                <a16:creationId xmlns:a16="http://schemas.microsoft.com/office/drawing/2014/main" id="{B960B76B-9830-48DC-A6B4-BD30D9110519}"/>
+              </a:ext>
+            </a:extLst>
+          </p:cNvPr>
+          <p:cNvSpPr/>
+          <p:nvPr/>
+        </p:nvSpPr>
+        <p:spPr>
+          <a:xfrm>
+            <a:off x="4598422" y="2912874"/>
+            <a:ext cx="570983" cy="369332"/>
+          </a:xfrm>
+          <a:prstGeom prst="rect">
+            <a:avLst/>
+          </a:prstGeom>
+          <a:ln>
+            <a:noFill/>
+          </a:ln>
+        </p:spPr>
+        <p:style>
+          <a:lnRef idx="2">
+            <a:schemeClr val="accent1">
+              <a:shade val="50000"/>
+            </a:schemeClr>
+          </a:lnRef>
+          <a:fillRef idx="1">
+            <a:schemeClr val="accent1"/>
+          </a:fillRef>
+          <a:effectRef idx="0">
+            <a:schemeClr val="accent1"/>
+          </a:effectRef>
+          <a:fontRef idx="minor">
+            <a:schemeClr val="lt1"/>
+          </a:fontRef>
+        </p:style>
+        <p:txBody>
+          <a:bodyPr rtlCol="0" anchor="ctr"/>
+          <a:lstStyle/>
+          <a:p>
+            <a:pPr algn="ctr"/>
+            <a:r>
+              <a:rPr lang="en-US" altLang="zh-CN" sz="900" dirty="0"/>
+              <a:t>j</a:t>
+            </a:r>
+            <a:endParaRPr lang="zh-CN" altLang="en-US" sz="900" dirty="0"/>
+          </a:p>
+        </p:txBody>
+      </p:sp>
+      <p:sp>
+        <p:nvSpPr>
+          <p:cNvPr id="37" name="矩形 36">
+            <a:extLst>
+              <a:ext uri="{FF2B5EF4-FFF2-40B4-BE49-F238E27FC236}">
+                <a16:creationId xmlns:a16="http://schemas.microsoft.com/office/drawing/2014/main" id="{3EDEF295-E379-4D8C-B7C7-1D218574643A}"/>
+              </a:ext>
+            </a:extLst>
+          </p:cNvPr>
+          <p:cNvSpPr/>
+          <p:nvPr/>
+        </p:nvSpPr>
+        <p:spPr>
+          <a:xfrm>
+            <a:off x="4598423" y="3739435"/>
+            <a:ext cx="570983" cy="369332"/>
+          </a:xfrm>
+          <a:prstGeom prst="rect">
+            <a:avLst/>
+          </a:prstGeom>
+          <a:solidFill>
+            <a:schemeClr val="accent5">
+              <a:lumMod val="60000"/>
+              <a:lumOff val="40000"/>
+            </a:schemeClr>
+          </a:solidFill>
+          <a:ln>
+            <a:noFill/>
+          </a:ln>
+        </p:spPr>
+        <p:style>
+          <a:lnRef idx="2">
+            <a:schemeClr val="accent1">
+              <a:shade val="50000"/>
+            </a:schemeClr>
+          </a:lnRef>
+          <a:fillRef idx="1">
+            <a:schemeClr val="accent1"/>
+          </a:fillRef>
+          <a:effectRef idx="0">
+            <a:schemeClr val="accent1"/>
+          </a:effectRef>
+          <a:fontRef idx="minor">
+            <a:schemeClr val="lt1"/>
+          </a:fontRef>
+        </p:style>
+        <p:txBody>
+          <a:bodyPr rtlCol="0" anchor="ctr"/>
+          <a:lstStyle/>
+          <a:p>
+            <a:pPr algn="ctr"/>
+            <a:r>
+              <a:rPr lang="en-US" altLang="zh-CN" sz="900" dirty="0"/>
+              <a:t>k</a:t>
+            </a:r>
+            <a:endParaRPr lang="zh-CN" altLang="en-US" sz="900" dirty="0"/>
+          </a:p>
+        </p:txBody>
+      </p:sp>
+      <p:sp>
+        <p:nvSpPr>
+          <p:cNvPr id="38" name="文本框 37">
+            <a:extLst>
+              <a:ext uri="{FF2B5EF4-FFF2-40B4-BE49-F238E27FC236}">
+                <a16:creationId xmlns:a16="http://schemas.microsoft.com/office/drawing/2014/main" id="{8E71D1B0-1142-4D12-9B53-1C37DEEC085A}"/>
+              </a:ext>
+            </a:extLst>
+          </p:cNvPr>
+          <p:cNvSpPr txBox="1"/>
+          <p:nvPr/>
+        </p:nvSpPr>
+        <p:spPr>
+          <a:xfrm>
+            <a:off x="4661872" y="3410274"/>
+            <a:ext cx="461665" cy="254237"/>
+          </a:xfrm>
+          <a:prstGeom prst="rect">
+            <a:avLst/>
+          </a:prstGeom>
+          <a:noFill/>
+        </p:spPr>
+        <p:txBody>
+          <a:bodyPr vert="eaVert" wrap="none" rtlCol="0">
+            <a:spAutoFit/>
+          </a:bodyPr>
+          <a:lstStyle/>
+          <a:p>
+            <a:r>
+              <a:rPr lang="en-US" altLang="zh-CN" dirty="0"/>
+              <a:t>…</a:t>
+            </a:r>
+            <a:endParaRPr lang="zh-CN" altLang="en-US" dirty="0"/>
+          </a:p>
+        </p:txBody>
+      </p:sp>
+      <p:cxnSp>
+        <p:nvCxnSpPr>
+          <p:cNvPr id="40" name="直接箭头连接符 39">
+            <a:extLst>
+              <a:ext uri="{FF2B5EF4-FFF2-40B4-BE49-F238E27FC236}">
+                <a16:creationId xmlns:a16="http://schemas.microsoft.com/office/drawing/2014/main" id="{DFAAE011-8ED9-4328-B3A5-EE776531A869}"/>
+              </a:ext>
+            </a:extLst>
+          </p:cNvPr>
+          <p:cNvCxnSpPr>
+            <a:stCxn id="34" idx="1"/>
+          </p:cNvCxnSpPr>
+          <p:nvPr/>
+        </p:nvCxnSpPr>
+        <p:spPr>
+          <a:xfrm flipH="1" flipV="1">
+            <a:off x="2400296" y="2127740"/>
+            <a:ext cx="2198129" cy="231136"/>
+          </a:xfrm>
+          <a:prstGeom prst="straightConnector1">
+            <a:avLst/>
+          </a:prstGeom>
+          <a:ln>
+            <a:tailEnd type="triangle"/>
+          </a:ln>
+        </p:spPr>
+        <p:style>
+          <a:lnRef idx="1">
+            <a:schemeClr val="accent1"/>
+          </a:lnRef>
+          <a:fillRef idx="0">
+            <a:schemeClr val="accent1"/>
+          </a:fillRef>
+          <a:effectRef idx="0">
+            <a:schemeClr val="accent1"/>
+          </a:effectRef>
+          <a:fontRef idx="minor">
+            <a:schemeClr val="tx1"/>
+          </a:fontRef>
+        </p:style>
+      </p:cxnSp>
+      <p:cxnSp>
+        <p:nvCxnSpPr>
+          <p:cNvPr id="42" name="直接箭头连接符 41">
+            <a:extLst>
+              <a:ext uri="{FF2B5EF4-FFF2-40B4-BE49-F238E27FC236}">
+                <a16:creationId xmlns:a16="http://schemas.microsoft.com/office/drawing/2014/main" id="{F2D87C6E-990E-4978-96CE-CA7AAE92EA69}"/>
+              </a:ext>
+            </a:extLst>
+          </p:cNvPr>
+          <p:cNvCxnSpPr>
+            <a:stCxn id="35" idx="1"/>
+            <a:endCxn id="21" idx="1"/>
+          </p:cNvCxnSpPr>
+          <p:nvPr/>
+        </p:nvCxnSpPr>
+        <p:spPr>
+          <a:xfrm flipH="1" flipV="1">
+            <a:off x="2383656" y="2527798"/>
+            <a:ext cx="2214768" cy="200410"/>
+          </a:xfrm>
+          <a:prstGeom prst="straightConnector1">
+            <a:avLst/>
+          </a:prstGeom>
+          <a:ln>
+            <a:tailEnd type="triangle"/>
+          </a:ln>
+        </p:spPr>
+        <p:style>
+          <a:lnRef idx="1">
+            <a:schemeClr val="accent1"/>
+          </a:lnRef>
+          <a:fillRef idx="0">
+            <a:schemeClr val="accent1"/>
+          </a:fillRef>
+          <a:effectRef idx="0">
+            <a:schemeClr val="accent1"/>
+          </a:effectRef>
+          <a:fontRef idx="minor">
+            <a:schemeClr val="tx1"/>
+          </a:fontRef>
+        </p:style>
+      </p:cxnSp>
+      <p:cxnSp>
+        <p:nvCxnSpPr>
+          <p:cNvPr id="44" name="直接箭头连接符 43">
+            <a:extLst>
+              <a:ext uri="{FF2B5EF4-FFF2-40B4-BE49-F238E27FC236}">
+                <a16:creationId xmlns:a16="http://schemas.microsoft.com/office/drawing/2014/main" id="{C29B96B0-62E6-47F7-9A3B-8F5EEF0D2AB6}"/>
+              </a:ext>
+            </a:extLst>
+          </p:cNvPr>
+          <p:cNvCxnSpPr>
+            <a:stCxn id="36" idx="1"/>
+          </p:cNvCxnSpPr>
+          <p:nvPr/>
+        </p:nvCxnSpPr>
+        <p:spPr>
+          <a:xfrm flipH="1" flipV="1">
+            <a:off x="2420325" y="2876703"/>
+            <a:ext cx="2178097" cy="220837"/>
+          </a:xfrm>
+          <a:prstGeom prst="straightConnector1">
+            <a:avLst/>
+          </a:prstGeom>
+          <a:ln>
+            <a:tailEnd type="triangle"/>
+          </a:ln>
+        </p:spPr>
+        <p:style>
+          <a:lnRef idx="1">
+            <a:schemeClr val="accent1"/>
+          </a:lnRef>
+          <a:fillRef idx="0">
+            <a:schemeClr val="accent1"/>
+          </a:fillRef>
+          <a:effectRef idx="0">
+            <a:schemeClr val="accent1"/>
+          </a:effectRef>
+          <a:fontRef idx="minor">
+            <a:schemeClr val="tx1"/>
+          </a:fontRef>
+        </p:style>
+      </p:cxnSp>
+      <p:sp>
+        <p:nvSpPr>
+          <p:cNvPr id="45" name="矩形 44">
+            <a:extLst>
+              <a:ext uri="{FF2B5EF4-FFF2-40B4-BE49-F238E27FC236}">
+                <a16:creationId xmlns:a16="http://schemas.microsoft.com/office/drawing/2014/main" id="{CD1A85E2-41AA-4B64-8304-BB4AB2F40A01}"/>
+              </a:ext>
+            </a:extLst>
+          </p:cNvPr>
+          <p:cNvSpPr/>
+          <p:nvPr/>
+        </p:nvSpPr>
+        <p:spPr>
+          <a:xfrm>
+            <a:off x="5902617" y="2192814"/>
+            <a:ext cx="570983" cy="369332"/>
+          </a:xfrm>
+          <a:prstGeom prst="rect">
+            <a:avLst/>
+          </a:prstGeom>
+          <a:ln>
+            <a:noFill/>
+          </a:ln>
+        </p:spPr>
+        <p:style>
+          <a:lnRef idx="2">
+            <a:schemeClr val="accent1">
+              <a:shade val="50000"/>
+            </a:schemeClr>
+          </a:lnRef>
+          <a:fillRef idx="1">
+            <a:schemeClr val="accent1"/>
+          </a:fillRef>
+          <a:effectRef idx="0">
+            <a:schemeClr val="accent1"/>
+          </a:effectRef>
+          <a:fontRef idx="minor">
+            <a:schemeClr val="lt1"/>
+          </a:fontRef>
+        </p:style>
+        <p:txBody>
+          <a:bodyPr rtlCol="0" anchor="ctr"/>
+          <a:lstStyle/>
+          <a:p>
+            <a:pPr algn="ctr"/>
+            <a:r>
+              <a:rPr lang="en-US" altLang="zh-CN" sz="900" dirty="0" err="1"/>
+              <a:t>i</a:t>
+            </a:r>
+            <a:endParaRPr lang="zh-CN" altLang="en-US" sz="900" dirty="0"/>
+          </a:p>
+        </p:txBody>
+      </p:sp>
+      <p:sp>
+        <p:nvSpPr>
+          <p:cNvPr id="46" name="矩形 45">
+            <a:extLst>
+              <a:ext uri="{FF2B5EF4-FFF2-40B4-BE49-F238E27FC236}">
+                <a16:creationId xmlns:a16="http://schemas.microsoft.com/office/drawing/2014/main" id="{9F0D186F-6613-4B2E-A301-92BC04914721}"/>
+              </a:ext>
+            </a:extLst>
+          </p:cNvPr>
+          <p:cNvSpPr/>
+          <p:nvPr/>
+        </p:nvSpPr>
+        <p:spPr>
+          <a:xfrm>
+            <a:off x="5902616" y="2562146"/>
+            <a:ext cx="570983" cy="369332"/>
+          </a:xfrm>
+          <a:prstGeom prst="rect">
+            <a:avLst/>
+          </a:prstGeom>
+          <a:solidFill>
+            <a:schemeClr val="accent5">
+              <a:lumMod val="60000"/>
+              <a:lumOff val="40000"/>
+            </a:schemeClr>
+          </a:solidFill>
+          <a:ln>
+            <a:noFill/>
+          </a:ln>
+        </p:spPr>
+        <p:style>
+          <a:lnRef idx="2">
+            <a:schemeClr val="accent1">
+              <a:shade val="50000"/>
+            </a:schemeClr>
+          </a:lnRef>
+          <a:fillRef idx="1">
+            <a:schemeClr val="accent1"/>
+          </a:fillRef>
+          <a:effectRef idx="0">
+            <a:schemeClr val="accent1"/>
+          </a:effectRef>
+          <a:fontRef idx="minor">
+            <a:schemeClr val="lt1"/>
+          </a:fontRef>
+        </p:style>
+        <p:txBody>
+          <a:bodyPr rtlCol="0" anchor="ctr"/>
+          <a:lstStyle/>
+          <a:p>
+            <a:pPr algn="ctr"/>
+            <a:r>
+              <a:rPr lang="en-US" altLang="zh-CN" sz="900" dirty="0" err="1"/>
+              <a:t>i+j</a:t>
+            </a:r>
+            <a:endParaRPr lang="zh-CN" altLang="en-US" sz="900" dirty="0"/>
+          </a:p>
+        </p:txBody>
+      </p:sp>
+      <p:sp>
+        <p:nvSpPr>
+          <p:cNvPr id="47" name="矩形 46">
+            <a:extLst>
+              <a:ext uri="{FF2B5EF4-FFF2-40B4-BE49-F238E27FC236}">
+                <a16:creationId xmlns:a16="http://schemas.microsoft.com/office/drawing/2014/main" id="{4812C767-814C-48E2-9AA8-A41F2E944989}"/>
+              </a:ext>
+            </a:extLst>
+          </p:cNvPr>
+          <p:cNvSpPr/>
+          <p:nvPr/>
+        </p:nvSpPr>
+        <p:spPr>
+          <a:xfrm>
+            <a:off x="5902614" y="2931478"/>
+            <a:ext cx="570983" cy="369332"/>
+          </a:xfrm>
+          <a:prstGeom prst="rect">
+            <a:avLst/>
+          </a:prstGeom>
+          <a:ln>
+            <a:noFill/>
+          </a:ln>
+        </p:spPr>
+        <p:style>
+          <a:lnRef idx="2">
+            <a:schemeClr val="accent1">
+              <a:shade val="50000"/>
+            </a:schemeClr>
+          </a:lnRef>
+          <a:fillRef idx="1">
+            <a:schemeClr val="accent1"/>
+          </a:fillRef>
+          <a:effectRef idx="0">
+            <a:schemeClr val="accent1"/>
+          </a:effectRef>
+          <a:fontRef idx="minor">
+            <a:schemeClr val="lt1"/>
+          </a:fontRef>
+        </p:style>
+        <p:txBody>
+          <a:bodyPr rtlCol="0" anchor="ctr"/>
+          <a:lstStyle/>
+          <a:p>
+            <a:pPr algn="ctr"/>
+            <a:r>
+              <a:rPr lang="en-US" altLang="zh-CN" sz="900" dirty="0"/>
+              <a:t>j</a:t>
+            </a:r>
+            <a:endParaRPr lang="zh-CN" altLang="en-US" sz="900" dirty="0"/>
+          </a:p>
+        </p:txBody>
+      </p:sp>
+      <p:sp>
+        <p:nvSpPr>
+          <p:cNvPr id="48" name="矩形 47">
+            <a:extLst>
+              <a:ext uri="{FF2B5EF4-FFF2-40B4-BE49-F238E27FC236}">
+                <a16:creationId xmlns:a16="http://schemas.microsoft.com/office/drawing/2014/main" id="{8585C004-0339-4D2E-AB8F-72CAA02582A6}"/>
+              </a:ext>
+            </a:extLst>
+          </p:cNvPr>
+          <p:cNvSpPr/>
+          <p:nvPr/>
+        </p:nvSpPr>
+        <p:spPr>
+          <a:xfrm>
+            <a:off x="5902615" y="3758039"/>
+            <a:ext cx="570983" cy="369332"/>
+          </a:xfrm>
+          <a:prstGeom prst="rect">
+            <a:avLst/>
+          </a:prstGeom>
+          <a:solidFill>
+            <a:schemeClr val="accent5">
+              <a:lumMod val="60000"/>
+              <a:lumOff val="40000"/>
+            </a:schemeClr>
+          </a:solidFill>
+          <a:ln>
+            <a:noFill/>
+          </a:ln>
+        </p:spPr>
+        <p:style>
+          <a:lnRef idx="2">
+            <a:schemeClr val="accent1">
+              <a:shade val="50000"/>
+            </a:schemeClr>
+          </a:lnRef>
+          <a:fillRef idx="1">
+            <a:schemeClr val="accent1"/>
+          </a:fillRef>
+          <a:effectRef idx="0">
+            <a:schemeClr val="accent1"/>
+          </a:effectRef>
+          <a:fontRef idx="minor">
+            <a:schemeClr val="lt1"/>
+          </a:fontRef>
+        </p:style>
+        <p:txBody>
+          <a:bodyPr rtlCol="0" anchor="ctr"/>
+          <a:lstStyle/>
+          <a:p>
+            <a:pPr algn="ctr"/>
+            <a:r>
+              <a:rPr lang="en-US" altLang="zh-CN" sz="900" dirty="0"/>
+              <a:t>k</a:t>
+            </a:r>
+            <a:endParaRPr lang="zh-CN" altLang="en-US" sz="900" dirty="0"/>
+          </a:p>
+        </p:txBody>
+      </p:sp>
+      <p:sp>
+        <p:nvSpPr>
+          <p:cNvPr id="49" name="文本框 48">
+            <a:extLst>
+              <a:ext uri="{FF2B5EF4-FFF2-40B4-BE49-F238E27FC236}">
+                <a16:creationId xmlns:a16="http://schemas.microsoft.com/office/drawing/2014/main" id="{42BC827B-0822-4408-8C39-F678CC9E8073}"/>
+              </a:ext>
+            </a:extLst>
+          </p:cNvPr>
+          <p:cNvSpPr txBox="1"/>
+          <p:nvPr/>
+        </p:nvSpPr>
+        <p:spPr>
+          <a:xfrm>
+            <a:off x="5966064" y="3428878"/>
+            <a:ext cx="461665" cy="254237"/>
+          </a:xfrm>
+          <a:prstGeom prst="rect">
+            <a:avLst/>
+          </a:prstGeom>
+          <a:noFill/>
+        </p:spPr>
+        <p:txBody>
+          <a:bodyPr vert="eaVert" wrap="none" rtlCol="0">
+            <a:spAutoFit/>
+          </a:bodyPr>
+          <a:lstStyle/>
+          <a:p>
+            <a:r>
+              <a:rPr lang="en-US" altLang="zh-CN" dirty="0"/>
+              <a:t>…</a:t>
+            </a:r>
+            <a:endParaRPr lang="zh-CN" altLang="en-US" dirty="0"/>
+          </a:p>
+        </p:txBody>
+      </p:sp>
+      <p:cxnSp>
+        <p:nvCxnSpPr>
+          <p:cNvPr id="51" name="直接箭头连接符 50">
+            <a:extLst>
+              <a:ext uri="{FF2B5EF4-FFF2-40B4-BE49-F238E27FC236}">
+                <a16:creationId xmlns:a16="http://schemas.microsoft.com/office/drawing/2014/main" id="{8098B691-2820-4AB6-8580-016ADA90918B}"/>
+              </a:ext>
+            </a:extLst>
+          </p:cNvPr>
+          <p:cNvCxnSpPr>
+            <a:stCxn id="45" idx="1"/>
+            <a:endCxn id="21" idx="1"/>
+          </p:cNvCxnSpPr>
+          <p:nvPr/>
+        </p:nvCxnSpPr>
+        <p:spPr>
+          <a:xfrm flipH="1">
+            <a:off x="2383656" y="2377480"/>
+            <a:ext cx="3518961" cy="150318"/>
+          </a:xfrm>
+          <a:prstGeom prst="straightConnector1">
+            <a:avLst/>
+          </a:prstGeom>
+          <a:ln>
+            <a:prstDash val="dash"/>
+            <a:tailEnd type="triangle"/>
+          </a:ln>
+        </p:spPr>
+        <p:style>
+          <a:lnRef idx="1">
+            <a:schemeClr val="accent1"/>
+          </a:lnRef>
+          <a:fillRef idx="0">
+            <a:schemeClr val="accent1"/>
+          </a:fillRef>
+          <a:effectRef idx="0">
+            <a:schemeClr val="accent1"/>
+          </a:effectRef>
+          <a:fontRef idx="minor">
+            <a:schemeClr val="tx1"/>
+          </a:fontRef>
+        </p:style>
+      </p:cxnSp>
+      <p:cxnSp>
+        <p:nvCxnSpPr>
+          <p:cNvPr id="53" name="直接箭头连接符 52">
+            <a:extLst>
+              <a:ext uri="{FF2B5EF4-FFF2-40B4-BE49-F238E27FC236}">
+                <a16:creationId xmlns:a16="http://schemas.microsoft.com/office/drawing/2014/main" id="{DBE5727A-0B92-4DA8-8E1C-FE6D55C18EE1}"/>
+              </a:ext>
+            </a:extLst>
+          </p:cNvPr>
+          <p:cNvCxnSpPr>
+            <a:stCxn id="46" idx="1"/>
+          </p:cNvCxnSpPr>
+          <p:nvPr/>
+        </p:nvCxnSpPr>
+        <p:spPr>
+          <a:xfrm flipH="1">
+            <a:off x="2420325" y="2746812"/>
+            <a:ext cx="3482291" cy="119592"/>
+          </a:xfrm>
+          <a:prstGeom prst="straightConnector1">
+            <a:avLst/>
+          </a:prstGeom>
+          <a:ln>
+            <a:prstDash val="dash"/>
+            <a:tailEnd type="triangle"/>
+          </a:ln>
+        </p:spPr>
+        <p:style>
+          <a:lnRef idx="1">
+            <a:schemeClr val="accent1"/>
+          </a:lnRef>
+          <a:fillRef idx="0">
+            <a:schemeClr val="accent1"/>
+          </a:fillRef>
+          <a:effectRef idx="0">
+            <a:schemeClr val="accent1"/>
+          </a:effectRef>
+          <a:fontRef idx="minor">
+            <a:schemeClr val="tx1"/>
+          </a:fontRef>
+        </p:style>
+      </p:cxnSp>
+      <p:cxnSp>
+        <p:nvCxnSpPr>
+          <p:cNvPr id="55" name="直接箭头连接符 54">
+            <a:extLst>
+              <a:ext uri="{FF2B5EF4-FFF2-40B4-BE49-F238E27FC236}">
+                <a16:creationId xmlns:a16="http://schemas.microsoft.com/office/drawing/2014/main" id="{B0825ED4-6BF0-4019-A3B8-16D08CCFE319}"/>
+              </a:ext>
+            </a:extLst>
+          </p:cNvPr>
+          <p:cNvCxnSpPr>
+            <a:cxnSpLocks/>
+            <a:stCxn id="47" idx="1"/>
+          </p:cNvCxnSpPr>
+          <p:nvPr/>
+        </p:nvCxnSpPr>
+        <p:spPr>
+          <a:xfrm flipH="1">
+            <a:off x="2383656" y="3116144"/>
+            <a:ext cx="3518958" cy="89556"/>
+          </a:xfrm>
+          <a:prstGeom prst="straightConnector1">
+            <a:avLst/>
+          </a:prstGeom>
+          <a:ln>
+            <a:prstDash val="dash"/>
+            <a:tailEnd type="triangle"/>
+          </a:ln>
+        </p:spPr>
+        <p:style>
+          <a:lnRef idx="1">
+            <a:schemeClr val="accent1"/>
+          </a:lnRef>
+          <a:fillRef idx="0">
+            <a:schemeClr val="accent1"/>
+          </a:fillRef>
+          <a:effectRef idx="0">
+            <a:schemeClr val="accent1"/>
+          </a:effectRef>
+          <a:fontRef idx="minor">
+            <a:schemeClr val="tx1"/>
+          </a:fontRef>
+        </p:style>
+      </p:cxnSp>
+      <p:sp>
+        <p:nvSpPr>
+          <p:cNvPr id="57" name="矩形: 圆角 56">
+            <a:extLst>
+              <a:ext uri="{FF2B5EF4-FFF2-40B4-BE49-F238E27FC236}">
+                <a16:creationId xmlns:a16="http://schemas.microsoft.com/office/drawing/2014/main" id="{46BE5C3C-E467-4620-B8C5-9FFE2C890C16}"/>
+              </a:ext>
+            </a:extLst>
+          </p:cNvPr>
+          <p:cNvSpPr/>
+          <p:nvPr/>
+        </p:nvSpPr>
+        <p:spPr>
+          <a:xfrm>
+            <a:off x="4226765" y="1195754"/>
+            <a:ext cx="4260014" cy="3941741"/>
+          </a:xfrm>
+          <a:prstGeom prst="roundRect">
+            <a:avLst/>
+          </a:prstGeom>
+          <a:noFill/>
+          <a:ln w="19050">
+            <a:prstDash val="dash"/>
+          </a:ln>
+        </p:spPr>
+        <p:style>
+          <a:lnRef idx="2">
+            <a:schemeClr val="accent1">
+              <a:shade val="50000"/>
+            </a:schemeClr>
+          </a:lnRef>
+          <a:fillRef idx="1">
+            <a:schemeClr val="accent1"/>
+          </a:fillRef>
+          <a:effectRef idx="0">
+            <a:schemeClr val="accent1"/>
+          </a:effectRef>
+          <a:fontRef idx="minor">
+            <a:schemeClr val="lt1"/>
+          </a:fontRef>
+        </p:style>
+        <p:txBody>
+          <a:bodyPr rtlCol="0" anchor="ctr"/>
+          <a:lstStyle/>
+          <a:p>
+            <a:pPr algn="ctr"/>
+            <a:endParaRPr lang="zh-CN" altLang="en-US"/>
+          </a:p>
+        </p:txBody>
+      </p:sp>
+      <p:sp>
+        <p:nvSpPr>
+          <p:cNvPr id="58" name="文本框 57">
+            <a:extLst>
+              <a:ext uri="{FF2B5EF4-FFF2-40B4-BE49-F238E27FC236}">
+                <a16:creationId xmlns:a16="http://schemas.microsoft.com/office/drawing/2014/main" id="{7C4239CE-45FD-4E2A-B642-458897356A56}"/>
+              </a:ext>
+            </a:extLst>
+          </p:cNvPr>
+          <p:cNvSpPr txBox="1"/>
+          <p:nvPr/>
+        </p:nvSpPr>
+        <p:spPr>
+          <a:xfrm>
+            <a:off x="5123537" y="1164086"/>
+            <a:ext cx="2332690" cy="584775"/>
+          </a:xfrm>
+          <a:prstGeom prst="rect">
+            <a:avLst/>
+          </a:prstGeom>
+          <a:noFill/>
+        </p:spPr>
+        <p:txBody>
+          <a:bodyPr wrap="none" rtlCol="0">
+            <a:spAutoFit/>
+          </a:bodyPr>
+          <a:lstStyle/>
+          <a:p>
+            <a:pPr algn="ctr"/>
+            <a:r>
+              <a:rPr lang="en-US" altLang="zh-CN" sz="1600" dirty="0"/>
+              <a:t>Block: p row x q col</a:t>
+            </a:r>
+          </a:p>
+          <a:p>
+            <a:pPr algn="ctr"/>
+            <a:r>
+              <a:rPr lang="en-US" altLang="zh-CN" sz="1600" dirty="0"/>
+              <a:t>p x q elements each row</a:t>
+            </a:r>
+            <a:endParaRPr lang="zh-CN" altLang="en-US" sz="1600" dirty="0"/>
+          </a:p>
+        </p:txBody>
+      </p:sp>
     </p:spTree>
     <p:extLst>
       <p:ext uri="{BB962C8B-B14F-4D97-AF65-F5344CB8AC3E}">
@@ -4189,4 +8819,299 @@
     </a:ext>
   </a:extLst>
 </a:theme>
+</file>
+
+<file path=ppt/theme/theme2.xml><?xml version="1.0" encoding="utf-8"?>
+<a:theme xmlns:a="http://schemas.openxmlformats.org/drawingml/2006/main" name="Office 主题​​">
+  <a:themeElements>
+    <a:clrScheme name="Office">
+      <a:dk1>
+        <a:sysClr val="windowText" lastClr="000000"/>
+      </a:dk1>
+      <a:lt1>
+        <a:sysClr val="window" lastClr="FFFFFF"/>
+      </a:lt1>
+      <a:dk2>
+        <a:srgbClr val="44546A"/>
+      </a:dk2>
+      <a:lt2>
+        <a:srgbClr val="E7E6E6"/>
+      </a:lt2>
+      <a:accent1>
+        <a:srgbClr val="4472C4"/>
+      </a:accent1>
+      <a:accent2>
+        <a:srgbClr val="ED7D31"/>
+      </a:accent2>
+      <a:accent3>
+        <a:srgbClr val="A5A5A5"/>
+      </a:accent3>
+      <a:accent4>
+        <a:srgbClr val="FFC000"/>
+      </a:accent4>
+      <a:accent5>
+        <a:srgbClr val="5B9BD5"/>
+      </a:accent5>
+      <a:accent6>
+        <a:srgbClr val="70AD47"/>
+      </a:accent6>
+      <a:hlink>
+        <a:srgbClr val="0563C1"/>
+      </a:hlink>
+      <a:folHlink>
+        <a:srgbClr val="954F72"/>
+      </a:folHlink>
+    </a:clrScheme>
+    <a:fontScheme name="Office">
+      <a:majorFont>
+        <a:latin typeface="等线 Light" panose="020F0302020204030204"/>
+        <a:ea typeface=""/>
+        <a:cs typeface=""/>
+        <a:font script="Jpan" typeface="游ゴシック Light"/>
+        <a:font script="Hang" typeface="맑은 고딕"/>
+        <a:font script="Hans" typeface="等线 Light"/>
+        <a:font script="Hant" typeface="新細明體"/>
+        <a:font script="Arab" typeface="Times New Roman"/>
+        <a:font script="Hebr" typeface="Times New Roman"/>
+        <a:font script="Thai" typeface="Angsana New"/>
+        <a:font script="Ethi" typeface="Nyala"/>
+        <a:font script="Beng" typeface="Vrinda"/>
+        <a:font script="Gujr" typeface="Shruti"/>
+        <a:font script="Khmr" typeface="MoolBoran"/>
+        <a:font script="Knda" typeface="Tunga"/>
+        <a:font script="Guru" typeface="Raavi"/>
+        <a:font script="Cans" typeface="Euphemia"/>
+        <a:font script="Cher" typeface="Plantagenet Cherokee"/>
+        <a:font script="Yiii" typeface="Microsoft Yi Baiti"/>
+        <a:font script="Tibt" typeface="Microsoft Himalaya"/>
+        <a:font script="Thaa" typeface="MV Boli"/>
+        <a:font script="Deva" typeface="Mangal"/>
+        <a:font script="Telu" typeface="Gautami"/>
+        <a:font script="Taml" typeface="Latha"/>
+        <a:font script="Syrc" typeface="Estrangelo Edessa"/>
+        <a:font script="Orya" typeface="Kalinga"/>
+        <a:font script="Mlym" typeface="Kartika"/>
+        <a:font script="Laoo" typeface="DokChampa"/>
+        <a:font script="Sinh" typeface="Iskoola Pota"/>
+        <a:font script="Mong" typeface="Mongolian Baiti"/>
+        <a:font script="Viet" typeface="Times New Roman"/>
+        <a:font script="Uigh" typeface="Microsoft Uighur"/>
+        <a:font script="Geor" typeface="Sylfaen"/>
+        <a:font script="Armn" typeface="Arial"/>
+        <a:font script="Bugi" typeface="Leelawadee UI"/>
+        <a:font script="Bopo" typeface="Microsoft JhengHei"/>
+        <a:font script="Java" typeface="Javanese Text"/>
+        <a:font script="Lisu" typeface="Segoe UI"/>
+        <a:font script="Mymr" typeface="Myanmar Text"/>
+        <a:font script="Nkoo" typeface="Ebrima"/>
+        <a:font script="Olck" typeface="Nirmala UI"/>
+        <a:font script="Osma" typeface="Ebrima"/>
+        <a:font script="Phag" typeface="Phagspa"/>
+        <a:font script="Syrn" typeface="Estrangelo Edessa"/>
+        <a:font script="Syrj" typeface="Estrangelo Edessa"/>
+        <a:font script="Syre" typeface="Estrangelo Edessa"/>
+        <a:font script="Sora" typeface="Nirmala UI"/>
+        <a:font script="Tale" typeface="Microsoft Tai Le"/>
+        <a:font script="Talu" typeface="Microsoft New Tai Lue"/>
+        <a:font script="Tfng" typeface="Ebrima"/>
+      </a:majorFont>
+      <a:minorFont>
+        <a:latin typeface="等线" panose="020F0502020204030204"/>
+        <a:ea typeface=""/>
+        <a:cs typeface=""/>
+        <a:font script="Jpan" typeface="游ゴシック"/>
+        <a:font script="Hang" typeface="맑은 고딕"/>
+        <a:font script="Hans" typeface="等线"/>
+        <a:font script="Hant" typeface="新細明體"/>
+        <a:font script="Arab" typeface="Arial"/>
+        <a:font script="Hebr" typeface="Arial"/>
+        <a:font script="Thai" typeface="Cordia New"/>
+        <a:font script="Ethi" typeface="Nyala"/>
+        <a:font script="Beng" typeface="Vrinda"/>
+        <a:font script="Gujr" typeface="Shruti"/>
+        <a:font script="Khmr" typeface="DaunPenh"/>
+        <a:font script="Knda" typeface="Tunga"/>
+        <a:font script="Guru" typeface="Raavi"/>
+        <a:font script="Cans" typeface="Euphemia"/>
+        <a:font script="Cher" typeface="Plantagenet Cherokee"/>
+        <a:font script="Yiii" typeface="Microsoft Yi Baiti"/>
+        <a:font script="Tibt" typeface="Microsoft Himalaya"/>
+        <a:font script="Thaa" typeface="MV Boli"/>
+        <a:font script="Deva" typeface="Mangal"/>
+        <a:font script="Telu" typeface="Gautami"/>
+        <a:font script="Taml" typeface="Latha"/>
+        <a:font script="Syrc" typeface="Estrangelo Edessa"/>
+        <a:font script="Orya" typeface="Kalinga"/>
+        <a:font script="Mlym" typeface="Kartika"/>
+        <a:font script="Laoo" typeface="DokChampa"/>
+        <a:font script="Sinh" typeface="Iskoola Pota"/>
+        <a:font script="Mong" typeface="Mongolian Baiti"/>
+        <a:font script="Viet" typeface="Arial"/>
+        <a:font script="Uigh" typeface="Microsoft Uighur"/>
+        <a:font script="Geor" typeface="Sylfaen"/>
+        <a:font script="Armn" typeface="Arial"/>
+        <a:font script="Bugi" typeface="Leelawadee UI"/>
+        <a:font script="Bopo" typeface="Microsoft JhengHei"/>
+        <a:font script="Java" typeface="Javanese Text"/>
+        <a:font script="Lisu" typeface="Segoe UI"/>
+        <a:font script="Mymr" typeface="Myanmar Text"/>
+        <a:font script="Nkoo" typeface="Ebrima"/>
+        <a:font script="Olck" typeface="Nirmala UI"/>
+        <a:font script="Osma" typeface="Ebrima"/>
+        <a:font script="Phag" typeface="Phagspa"/>
+        <a:font script="Syrn" typeface="Estrangelo Edessa"/>
+        <a:font script="Syrj" typeface="Estrangelo Edessa"/>
+        <a:font script="Syre" typeface="Estrangelo Edessa"/>
+        <a:font script="Sora" typeface="Nirmala UI"/>
+        <a:font script="Tale" typeface="Microsoft Tai Le"/>
+        <a:font script="Talu" typeface="Microsoft New Tai Lue"/>
+        <a:font script="Tfng" typeface="Ebrima"/>
+      </a:minorFont>
+    </a:fontScheme>
+    <a:fmtScheme name="Office">
+      <a:fillStyleLst>
+        <a:solidFill>
+          <a:schemeClr val="phClr"/>
+        </a:solidFill>
+        <a:gradFill rotWithShape="1">
+          <a:gsLst>
+            <a:gs pos="0">
+              <a:schemeClr val="phClr">
+                <a:lumMod val="110000"/>
+                <a:satMod val="105000"/>
+                <a:tint val="67000"/>
+              </a:schemeClr>
+            </a:gs>
+            <a:gs pos="50000">
+              <a:schemeClr val="phClr">
+                <a:lumMod val="105000"/>
+                <a:satMod val="103000"/>
+                <a:tint val="73000"/>
+              </a:schemeClr>
+            </a:gs>
+            <a:gs pos="100000">
+              <a:schemeClr val="phClr">
+                <a:lumMod val="105000"/>
+                <a:satMod val="109000"/>
+                <a:tint val="81000"/>
+              </a:schemeClr>
+            </a:gs>
+          </a:gsLst>
+          <a:lin ang="5400000" scaled="0"/>
+        </a:gradFill>
+        <a:gradFill rotWithShape="1">
+          <a:gsLst>
+            <a:gs pos="0">
+              <a:schemeClr val="phClr">
+                <a:satMod val="103000"/>
+                <a:lumMod val="102000"/>
+                <a:tint val="94000"/>
+              </a:schemeClr>
+            </a:gs>
+            <a:gs pos="50000">
+              <a:schemeClr val="phClr">
+                <a:satMod val="110000"/>
+                <a:lumMod val="100000"/>
+                <a:shade val="100000"/>
+              </a:schemeClr>
+            </a:gs>
+            <a:gs pos="100000">
+              <a:schemeClr val="phClr">
+                <a:lumMod val="99000"/>
+                <a:satMod val="120000"/>
+                <a:shade val="78000"/>
+              </a:schemeClr>
+            </a:gs>
+          </a:gsLst>
+          <a:lin ang="5400000" scaled="0"/>
+        </a:gradFill>
+      </a:fillStyleLst>
+      <a:lnStyleLst>
+        <a:ln w="6350" cap="flat" cmpd="sng" algn="ctr">
+          <a:solidFill>
+            <a:schemeClr val="phClr"/>
+          </a:solidFill>
+          <a:prstDash val="solid"/>
+          <a:miter lim="800000"/>
+        </a:ln>
+        <a:ln w="12700" cap="flat" cmpd="sng" algn="ctr">
+          <a:solidFill>
+            <a:schemeClr val="phClr"/>
+          </a:solidFill>
+          <a:prstDash val="solid"/>
+          <a:miter lim="800000"/>
+        </a:ln>
+        <a:ln w="19050" cap="flat" cmpd="sng" algn="ctr">
+          <a:solidFill>
+            <a:schemeClr val="phClr"/>
+          </a:solidFill>
+          <a:prstDash val="solid"/>
+          <a:miter lim="800000"/>
+        </a:ln>
+      </a:lnStyleLst>
+      <a:effectStyleLst>
+        <a:effectStyle>
+          <a:effectLst/>
+        </a:effectStyle>
+        <a:effectStyle>
+          <a:effectLst/>
+        </a:effectStyle>
+        <a:effectStyle>
+          <a:effectLst>
+            <a:outerShdw blurRad="57150" dist="19050" dir="5400000" algn="ctr" rotWithShape="0">
+              <a:srgbClr val="000000">
+                <a:alpha val="63000"/>
+              </a:srgbClr>
+            </a:outerShdw>
+          </a:effectLst>
+        </a:effectStyle>
+      </a:effectStyleLst>
+      <a:bgFillStyleLst>
+        <a:solidFill>
+          <a:schemeClr val="phClr"/>
+        </a:solidFill>
+        <a:solidFill>
+          <a:schemeClr val="phClr">
+            <a:tint val="95000"/>
+            <a:satMod val="170000"/>
+          </a:schemeClr>
+        </a:solidFill>
+        <a:gradFill rotWithShape="1">
+          <a:gsLst>
+            <a:gs pos="0">
+              <a:schemeClr val="phClr">
+                <a:tint val="93000"/>
+                <a:satMod val="150000"/>
+                <a:shade val="98000"/>
+                <a:lumMod val="102000"/>
+              </a:schemeClr>
+            </a:gs>
+            <a:gs pos="50000">
+              <a:schemeClr val="phClr">
+                <a:tint val="98000"/>
+                <a:satMod val="130000"/>
+                <a:shade val="90000"/>
+                <a:lumMod val="103000"/>
+              </a:schemeClr>
+            </a:gs>
+            <a:gs pos="100000">
+              <a:schemeClr val="phClr">
+                <a:shade val="63000"/>
+                <a:satMod val="120000"/>
+              </a:schemeClr>
+            </a:gs>
+          </a:gsLst>
+          <a:lin ang="5400000" scaled="0"/>
+        </a:gradFill>
+      </a:bgFillStyleLst>
+    </a:fmtScheme>
+  </a:themeElements>
+  <a:objectDefaults/>
+  <a:extraClrSchemeLst/>
+  <a:extLst>
+    <a:ext uri="{05A4C25C-085E-4340-85A3-A5531E510DB2}">
+      <thm15:themeFamily xmlns:thm15="http://schemas.microsoft.com/office/thememl/2012/main" name="Office Theme" id="{62F939B6-93AF-4DB8-9C6B-D6C7DFDC589F}" vid="{4A3C46E8-61CC-4603-A589-7422A47A8E4A}"/>
+    </a:ext>
+  </a:extLst>
+</a:theme>
 </file>
--- a/correlation/Notes/2D_Correlation.pptx
+++ b/correlation/Notes/2D_Correlation.pptx
@@ -201,7 +201,7 @@
           <a:p>
             <a:fld id="{66F288D8-71D9-4F75-AD48-B432E8F9C6EE}" type="datetimeFigureOut">
               <a:rPr lang="zh-CN" altLang="en-US" smtClean="0"/>
-              <a:t>2020/4/9</a:t>
+              <a:t>2020/6/24</a:t>
             </a:fld>
             <a:endParaRPr lang="zh-CN" altLang="en-US"/>
           </a:p>
@@ -699,7 +699,7 @@
           <a:p>
             <a:fld id="{82DF6F50-6649-4E72-90E0-B87FF704A153}" type="datetimeFigureOut">
               <a:rPr lang="zh-CN" altLang="en-US" smtClean="0"/>
-              <a:t>2020/4/9</a:t>
+              <a:t>2020/6/24</a:t>
             </a:fld>
             <a:endParaRPr lang="zh-CN" altLang="en-US"/>
           </a:p>
@@ -897,7 +897,7 @@
           <a:p>
             <a:fld id="{82DF6F50-6649-4E72-90E0-B87FF704A153}" type="datetimeFigureOut">
               <a:rPr lang="zh-CN" altLang="en-US" smtClean="0"/>
-              <a:t>2020/4/9</a:t>
+              <a:t>2020/6/24</a:t>
             </a:fld>
             <a:endParaRPr lang="zh-CN" altLang="en-US"/>
           </a:p>
@@ -1105,7 +1105,7 @@
           <a:p>
             <a:fld id="{82DF6F50-6649-4E72-90E0-B87FF704A153}" type="datetimeFigureOut">
               <a:rPr lang="zh-CN" altLang="en-US" smtClean="0"/>
-              <a:t>2020/4/9</a:t>
+              <a:t>2020/6/24</a:t>
             </a:fld>
             <a:endParaRPr lang="zh-CN" altLang="en-US"/>
           </a:p>
@@ -1303,7 +1303,7 @@
           <a:p>
             <a:fld id="{82DF6F50-6649-4E72-90E0-B87FF704A153}" type="datetimeFigureOut">
               <a:rPr lang="zh-CN" altLang="en-US" smtClean="0"/>
-              <a:t>2020/4/9</a:t>
+              <a:t>2020/6/24</a:t>
             </a:fld>
             <a:endParaRPr lang="zh-CN" altLang="en-US"/>
           </a:p>
@@ -1578,7 +1578,7 @@
           <a:p>
             <a:fld id="{82DF6F50-6649-4E72-90E0-B87FF704A153}" type="datetimeFigureOut">
               <a:rPr lang="zh-CN" altLang="en-US" smtClean="0"/>
-              <a:t>2020/4/9</a:t>
+              <a:t>2020/6/24</a:t>
             </a:fld>
             <a:endParaRPr lang="zh-CN" altLang="en-US"/>
           </a:p>
@@ -1843,7 +1843,7 @@
           <a:p>
             <a:fld id="{82DF6F50-6649-4E72-90E0-B87FF704A153}" type="datetimeFigureOut">
               <a:rPr lang="zh-CN" altLang="en-US" smtClean="0"/>
-              <a:t>2020/4/9</a:t>
+              <a:t>2020/6/24</a:t>
             </a:fld>
             <a:endParaRPr lang="zh-CN" altLang="en-US"/>
           </a:p>
@@ -2255,7 +2255,7 @@
           <a:p>
             <a:fld id="{82DF6F50-6649-4E72-90E0-B87FF704A153}" type="datetimeFigureOut">
               <a:rPr lang="zh-CN" altLang="en-US" smtClean="0"/>
-              <a:t>2020/4/9</a:t>
+              <a:t>2020/6/24</a:t>
             </a:fld>
             <a:endParaRPr lang="zh-CN" altLang="en-US"/>
           </a:p>
@@ -2396,7 +2396,7 @@
           <a:p>
             <a:fld id="{82DF6F50-6649-4E72-90E0-B87FF704A153}" type="datetimeFigureOut">
               <a:rPr lang="zh-CN" altLang="en-US" smtClean="0"/>
-              <a:t>2020/4/9</a:t>
+              <a:t>2020/6/24</a:t>
             </a:fld>
             <a:endParaRPr lang="zh-CN" altLang="en-US"/>
           </a:p>
@@ -2509,7 +2509,7 @@
           <a:p>
             <a:fld id="{82DF6F50-6649-4E72-90E0-B87FF704A153}" type="datetimeFigureOut">
               <a:rPr lang="zh-CN" altLang="en-US" smtClean="0"/>
-              <a:t>2020/4/9</a:t>
+              <a:t>2020/6/24</a:t>
             </a:fld>
             <a:endParaRPr lang="zh-CN" altLang="en-US"/>
           </a:p>
@@ -2820,7 +2820,7 @@
           <a:p>
             <a:fld id="{82DF6F50-6649-4E72-90E0-B87FF704A153}" type="datetimeFigureOut">
               <a:rPr lang="zh-CN" altLang="en-US" smtClean="0"/>
-              <a:t>2020/4/9</a:t>
+              <a:t>2020/6/24</a:t>
             </a:fld>
             <a:endParaRPr lang="zh-CN" altLang="en-US"/>
           </a:p>
@@ -3108,7 +3108,7 @@
           <a:p>
             <a:fld id="{82DF6F50-6649-4E72-90E0-B87FF704A153}" type="datetimeFigureOut">
               <a:rPr lang="zh-CN" altLang="en-US" smtClean="0"/>
-              <a:t>2020/4/9</a:t>
+              <a:t>2020/6/24</a:t>
             </a:fld>
             <a:endParaRPr lang="zh-CN" altLang="en-US"/>
           </a:p>
@@ -3349,7 +3349,7 @@
           <a:p>
             <a:fld id="{82DF6F50-6649-4E72-90E0-B87FF704A153}" type="datetimeFigureOut">
               <a:rPr lang="zh-CN" altLang="en-US" smtClean="0"/>
-              <a:t>2020/4/9</a:t>
+              <a:t>2020/6/24</a:t>
             </a:fld>
             <a:endParaRPr lang="zh-CN" altLang="en-US"/>
           </a:p>
@@ -4005,7 +4005,7 @@
         <p:spPr>
           <a:xfrm>
             <a:off x="511784" y="990416"/>
-            <a:ext cx="6833922" cy="2862322"/>
+            <a:ext cx="9860392" cy="3970318"/>
           </a:xfrm>
           <a:prstGeom prst="rect">
             <a:avLst/>
@@ -4138,6 +4138,60 @@
                 <a:cs typeface="Times New Roman" panose="02020603050405020304" pitchFamily="18" charset="0"/>
               </a:rPr>
               <a:t>There are 5 ~ 7 exposures.</a:t>
+            </a:r>
+          </a:p>
+          <a:p>
+            <a:endParaRPr lang="en-US" altLang="zh-CN" dirty="0">
+              <a:latin typeface="Times New Roman" panose="02020603050405020304" pitchFamily="18" charset="0"/>
+              <a:cs typeface="Times New Roman" panose="02020603050405020304" pitchFamily="18" charset="0"/>
+            </a:endParaRPr>
+          </a:p>
+          <a:p>
+            <a:r>
+              <a:rPr lang="en-US" altLang="zh-CN" dirty="0">
+                <a:latin typeface="Times New Roman" panose="02020603050405020304" pitchFamily="18" charset="0"/>
+                <a:cs typeface="Times New Roman" panose="02020603050405020304" pitchFamily="18" charset="0"/>
+              </a:rPr>
+              <a:t>Each field has a unique label: </a:t>
+            </a:r>
+            <a:r>
+              <a:rPr lang="en-US" altLang="zh-CN" b="1" i="1" dirty="0">
+                <a:latin typeface="Times New Roman" panose="02020603050405020304" pitchFamily="18" charset="0"/>
+                <a:cs typeface="Times New Roman" panose="02020603050405020304" pitchFamily="18" charset="0"/>
+              </a:rPr>
+              <a:t>field labels (0 ~ n)</a:t>
+            </a:r>
+          </a:p>
+          <a:p>
+            <a:r>
+              <a:rPr lang="en-US" altLang="zh-CN" dirty="0">
+                <a:latin typeface="Times New Roman" panose="02020603050405020304" pitchFamily="18" charset="0"/>
+                <a:cs typeface="Times New Roman" panose="02020603050405020304" pitchFamily="18" charset="0"/>
+              </a:rPr>
+              <a:t>In the pair searching, to avoid the repetitive computation, it will only find the galaxy pairs from the fields</a:t>
+            </a:r>
+          </a:p>
+          <a:p>
+            <a:r>
+              <a:rPr lang="en-US" altLang="zh-CN" dirty="0">
+                <a:latin typeface="Times New Roman" panose="02020603050405020304" pitchFamily="18" charset="0"/>
+                <a:cs typeface="Times New Roman" panose="02020603050405020304" pitchFamily="18" charset="0"/>
+              </a:rPr>
+              <a:t>which has a bigger </a:t>
+            </a:r>
+            <a:r>
+              <a:rPr lang="en-US" altLang="zh-CN" b="1" i="1" dirty="0">
+                <a:latin typeface="Times New Roman" panose="02020603050405020304" pitchFamily="18" charset="0"/>
+                <a:cs typeface="Times New Roman" panose="02020603050405020304" pitchFamily="18" charset="0"/>
+              </a:rPr>
+              <a:t>field label </a:t>
+            </a:r>
+            <a:r>
+              <a:rPr lang="en-US" altLang="zh-CN" dirty="0">
+                <a:latin typeface="Times New Roman" panose="02020603050405020304" pitchFamily="18" charset="0"/>
+                <a:cs typeface="Times New Roman" panose="02020603050405020304" pitchFamily="18" charset="0"/>
+              </a:rPr>
+              <a:t>than that of the current field.</a:t>
             </a:r>
             <a:endParaRPr lang="zh-CN" altLang="en-US" dirty="0">
               <a:latin typeface="Times New Roman" panose="02020603050405020304" pitchFamily="18" charset="0"/>
@@ -6454,8 +6508,8 @@
           </a:p>
         </p:txBody>
       </p:sp>
-      <mc:AlternateContent xmlns:mc="http://schemas.openxmlformats.org/markup-compatibility/2006">
-        <mc:Choice xmlns:a14="http://schemas.microsoft.com/office/drawing/2010/main" Requires="a14">
+      <mc:AlternateContent xmlns:mc="http://schemas.openxmlformats.org/markup-compatibility/2006" xmlns:a14="http://schemas.microsoft.com/office/drawing/2010/main">
+        <mc:Choice Requires="a14">
           <p:sp>
             <p:nvSpPr>
               <p:cNvPr id="54" name="矩形: 圆角 53">
@@ -6607,7 +6661,7 @@
             </p:txBody>
           </p:sp>
         </mc:Choice>
-        <mc:Fallback>
+        <mc:Fallback xmlns="">
           <p:sp>
             <p:nvSpPr>
               <p:cNvPr id="54" name="矩形: 圆角 53">

--- a/correlation/Notes/2D_Correlation.pptx
+++ b/correlation/Notes/2D_Correlation.pptx
@@ -201,7 +201,7 @@
           <a:p>
             <a:fld id="{66F288D8-71D9-4F75-AD48-B432E8F9C6EE}" type="datetimeFigureOut">
               <a:rPr lang="zh-CN" altLang="en-US" smtClean="0"/>
-              <a:t>2020/6/24</a:t>
+              <a:t>2020/7/3</a:t>
             </a:fld>
             <a:endParaRPr lang="zh-CN" altLang="en-US"/>
           </a:p>
@@ -699,7 +699,7 @@
           <a:p>
             <a:fld id="{82DF6F50-6649-4E72-90E0-B87FF704A153}" type="datetimeFigureOut">
               <a:rPr lang="zh-CN" altLang="en-US" smtClean="0"/>
-              <a:t>2020/6/24</a:t>
+              <a:t>2020/7/3</a:t>
             </a:fld>
             <a:endParaRPr lang="zh-CN" altLang="en-US"/>
           </a:p>
@@ -897,7 +897,7 @@
           <a:p>
             <a:fld id="{82DF6F50-6649-4E72-90E0-B87FF704A153}" type="datetimeFigureOut">
               <a:rPr lang="zh-CN" altLang="en-US" smtClean="0"/>
-              <a:t>2020/6/24</a:t>
+              <a:t>2020/7/3</a:t>
             </a:fld>
             <a:endParaRPr lang="zh-CN" altLang="en-US"/>
           </a:p>
@@ -1105,7 +1105,7 @@
           <a:p>
             <a:fld id="{82DF6F50-6649-4E72-90E0-B87FF704A153}" type="datetimeFigureOut">
               <a:rPr lang="zh-CN" altLang="en-US" smtClean="0"/>
-              <a:t>2020/6/24</a:t>
+              <a:t>2020/7/3</a:t>
             </a:fld>
             <a:endParaRPr lang="zh-CN" altLang="en-US"/>
           </a:p>
@@ -1303,7 +1303,7 @@
           <a:p>
             <a:fld id="{82DF6F50-6649-4E72-90E0-B87FF704A153}" type="datetimeFigureOut">
               <a:rPr lang="zh-CN" altLang="en-US" smtClean="0"/>
-              <a:t>2020/6/24</a:t>
+              <a:t>2020/7/3</a:t>
             </a:fld>
             <a:endParaRPr lang="zh-CN" altLang="en-US"/>
           </a:p>
@@ -1578,7 +1578,7 @@
           <a:p>
             <a:fld id="{82DF6F50-6649-4E72-90E0-B87FF704A153}" type="datetimeFigureOut">
               <a:rPr lang="zh-CN" altLang="en-US" smtClean="0"/>
-              <a:t>2020/6/24</a:t>
+              <a:t>2020/7/3</a:t>
             </a:fld>
             <a:endParaRPr lang="zh-CN" altLang="en-US"/>
           </a:p>
@@ -1843,7 +1843,7 @@
           <a:p>
             <a:fld id="{82DF6F50-6649-4E72-90E0-B87FF704A153}" type="datetimeFigureOut">
               <a:rPr lang="zh-CN" altLang="en-US" smtClean="0"/>
-              <a:t>2020/6/24</a:t>
+              <a:t>2020/7/3</a:t>
             </a:fld>
             <a:endParaRPr lang="zh-CN" altLang="en-US"/>
           </a:p>
@@ -2255,7 +2255,7 @@
           <a:p>
             <a:fld id="{82DF6F50-6649-4E72-90E0-B87FF704A153}" type="datetimeFigureOut">
               <a:rPr lang="zh-CN" altLang="en-US" smtClean="0"/>
-              <a:t>2020/6/24</a:t>
+              <a:t>2020/7/3</a:t>
             </a:fld>
             <a:endParaRPr lang="zh-CN" altLang="en-US"/>
           </a:p>
@@ -2396,7 +2396,7 @@
           <a:p>
             <a:fld id="{82DF6F50-6649-4E72-90E0-B87FF704A153}" type="datetimeFigureOut">
               <a:rPr lang="zh-CN" altLang="en-US" smtClean="0"/>
-              <a:t>2020/6/24</a:t>
+              <a:t>2020/7/3</a:t>
             </a:fld>
             <a:endParaRPr lang="zh-CN" altLang="en-US"/>
           </a:p>
@@ -2509,7 +2509,7 @@
           <a:p>
             <a:fld id="{82DF6F50-6649-4E72-90E0-B87FF704A153}" type="datetimeFigureOut">
               <a:rPr lang="zh-CN" altLang="en-US" smtClean="0"/>
-              <a:t>2020/6/24</a:t>
+              <a:t>2020/7/3</a:t>
             </a:fld>
             <a:endParaRPr lang="zh-CN" altLang="en-US"/>
           </a:p>
@@ -2820,7 +2820,7 @@
           <a:p>
             <a:fld id="{82DF6F50-6649-4E72-90E0-B87FF704A153}" type="datetimeFigureOut">
               <a:rPr lang="zh-CN" altLang="en-US" smtClean="0"/>
-              <a:t>2020/6/24</a:t>
+              <a:t>2020/7/3</a:t>
             </a:fld>
             <a:endParaRPr lang="zh-CN" altLang="en-US"/>
           </a:p>
@@ -3108,7 +3108,7 @@
           <a:p>
             <a:fld id="{82DF6F50-6649-4E72-90E0-B87FF704A153}" type="datetimeFigureOut">
               <a:rPr lang="zh-CN" altLang="en-US" smtClean="0"/>
-              <a:t>2020/6/24</a:t>
+              <a:t>2020/7/3</a:t>
             </a:fld>
             <a:endParaRPr lang="zh-CN" altLang="en-US"/>
           </a:p>
@@ -3349,7 +3349,7 @@
           <a:p>
             <a:fld id="{82DF6F50-6649-4E72-90E0-B87FF704A153}" type="datetimeFigureOut">
               <a:rPr lang="zh-CN" altLang="en-US" smtClean="0"/>
-              <a:t>2020/6/24</a:t>
+              <a:t>2020/7/3</a:t>
             </a:fld>
             <a:endParaRPr lang="zh-CN" altLang="en-US"/>
           </a:p>
@@ -4005,7 +4005,7 @@
         <p:spPr>
           <a:xfrm>
             <a:off x="511784" y="990416"/>
-            <a:ext cx="9860392" cy="3970318"/>
+            <a:ext cx="9918100" cy="4524315"/>
           </a:xfrm>
           <a:prstGeom prst="rect">
             <a:avLst/>
@@ -4192,6 +4192,28 @@
                 <a:cs typeface="Times New Roman" panose="02020603050405020304" pitchFamily="18" charset="0"/>
               </a:rPr>
               <a:t>than that of the current field.</a:t>
+            </a:r>
+          </a:p>
+          <a:p>
+            <a:endParaRPr lang="en-US" altLang="zh-CN" dirty="0">
+              <a:latin typeface="Times New Roman" panose="02020603050405020304" pitchFamily="18" charset="0"/>
+              <a:cs typeface="Times New Roman" panose="02020603050405020304" pitchFamily="18" charset="0"/>
+            </a:endParaRPr>
+          </a:p>
+          <a:p>
+            <a:r>
+              <a:rPr lang="en-US" altLang="zh-CN" dirty="0">
+                <a:latin typeface="Times New Roman" panose="02020603050405020304" pitchFamily="18" charset="0"/>
+                <a:cs typeface="Times New Roman" panose="02020603050405020304" pitchFamily="18" charset="0"/>
+              </a:rPr>
+              <a:t>! Label </a:t>
+            </a:r>
+            <a:r>
+              <a:rPr lang="en-US" altLang="zh-CN">
+                <a:latin typeface="Times New Roman" panose="02020603050405020304" pitchFamily="18" charset="0"/>
+                <a:cs typeface="Times New Roman" panose="02020603050405020304" pitchFamily="18" charset="0"/>
+              </a:rPr>
+              <a:t>the field.</a:t>
             </a:r>
             <a:endParaRPr lang="zh-CN" altLang="en-US" dirty="0">
               <a:latin typeface="Times New Roman" panose="02020603050405020304" pitchFamily="18" charset="0"/>

--- a/correlation/Notes/2D_Correlation.pptx
+++ b/correlation/Notes/2D_Correlation.pptx
@@ -201,7 +201,7 @@
           <a:p>
             <a:fld id="{66F288D8-71D9-4F75-AD48-B432E8F9C6EE}" type="datetimeFigureOut">
               <a:rPr lang="zh-CN" altLang="en-US" smtClean="0"/>
-              <a:t>2020/7/3</a:t>
+              <a:t>2020/8/26</a:t>
             </a:fld>
             <a:endParaRPr lang="zh-CN" altLang="en-US"/>
           </a:p>
@@ -699,7 +699,7 @@
           <a:p>
             <a:fld id="{82DF6F50-6649-4E72-90E0-B87FF704A153}" type="datetimeFigureOut">
               <a:rPr lang="zh-CN" altLang="en-US" smtClean="0"/>
-              <a:t>2020/7/3</a:t>
+              <a:t>2020/8/26</a:t>
             </a:fld>
             <a:endParaRPr lang="zh-CN" altLang="en-US"/>
           </a:p>
@@ -897,7 +897,7 @@
           <a:p>
             <a:fld id="{82DF6F50-6649-4E72-90E0-B87FF704A153}" type="datetimeFigureOut">
               <a:rPr lang="zh-CN" altLang="en-US" smtClean="0"/>
-              <a:t>2020/7/3</a:t>
+              <a:t>2020/8/26</a:t>
             </a:fld>
             <a:endParaRPr lang="zh-CN" altLang="en-US"/>
           </a:p>
@@ -1105,7 +1105,7 @@
           <a:p>
             <a:fld id="{82DF6F50-6649-4E72-90E0-B87FF704A153}" type="datetimeFigureOut">
               <a:rPr lang="zh-CN" altLang="en-US" smtClean="0"/>
-              <a:t>2020/7/3</a:t>
+              <a:t>2020/8/26</a:t>
             </a:fld>
             <a:endParaRPr lang="zh-CN" altLang="en-US"/>
           </a:p>
@@ -1303,7 +1303,7 @@
           <a:p>
             <a:fld id="{82DF6F50-6649-4E72-90E0-B87FF704A153}" type="datetimeFigureOut">
               <a:rPr lang="zh-CN" altLang="en-US" smtClean="0"/>
-              <a:t>2020/7/3</a:t>
+              <a:t>2020/8/26</a:t>
             </a:fld>
             <a:endParaRPr lang="zh-CN" altLang="en-US"/>
           </a:p>
@@ -1578,7 +1578,7 @@
           <a:p>
             <a:fld id="{82DF6F50-6649-4E72-90E0-B87FF704A153}" type="datetimeFigureOut">
               <a:rPr lang="zh-CN" altLang="en-US" smtClean="0"/>
-              <a:t>2020/7/3</a:t>
+              <a:t>2020/8/26</a:t>
             </a:fld>
             <a:endParaRPr lang="zh-CN" altLang="en-US"/>
           </a:p>
@@ -1843,7 +1843,7 @@
           <a:p>
             <a:fld id="{82DF6F50-6649-4E72-90E0-B87FF704A153}" type="datetimeFigureOut">
               <a:rPr lang="zh-CN" altLang="en-US" smtClean="0"/>
-              <a:t>2020/7/3</a:t>
+              <a:t>2020/8/26</a:t>
             </a:fld>
             <a:endParaRPr lang="zh-CN" altLang="en-US"/>
           </a:p>
@@ -2255,7 +2255,7 @@
           <a:p>
             <a:fld id="{82DF6F50-6649-4E72-90E0-B87FF704A153}" type="datetimeFigureOut">
               <a:rPr lang="zh-CN" altLang="en-US" smtClean="0"/>
-              <a:t>2020/7/3</a:t>
+              <a:t>2020/8/26</a:t>
             </a:fld>
             <a:endParaRPr lang="zh-CN" altLang="en-US"/>
           </a:p>
@@ -2396,7 +2396,7 @@
           <a:p>
             <a:fld id="{82DF6F50-6649-4E72-90E0-B87FF704A153}" type="datetimeFigureOut">
               <a:rPr lang="zh-CN" altLang="en-US" smtClean="0"/>
-              <a:t>2020/7/3</a:t>
+              <a:t>2020/8/26</a:t>
             </a:fld>
             <a:endParaRPr lang="zh-CN" altLang="en-US"/>
           </a:p>
@@ -2509,7 +2509,7 @@
           <a:p>
             <a:fld id="{82DF6F50-6649-4E72-90E0-B87FF704A153}" type="datetimeFigureOut">
               <a:rPr lang="zh-CN" altLang="en-US" smtClean="0"/>
-              <a:t>2020/7/3</a:t>
+              <a:t>2020/8/26</a:t>
             </a:fld>
             <a:endParaRPr lang="zh-CN" altLang="en-US"/>
           </a:p>
@@ -2820,7 +2820,7 @@
           <a:p>
             <a:fld id="{82DF6F50-6649-4E72-90E0-B87FF704A153}" type="datetimeFigureOut">
               <a:rPr lang="zh-CN" altLang="en-US" smtClean="0"/>
-              <a:t>2020/7/3</a:t>
+              <a:t>2020/8/26</a:t>
             </a:fld>
             <a:endParaRPr lang="zh-CN" altLang="en-US"/>
           </a:p>
@@ -3108,7 +3108,7 @@
           <a:p>
             <a:fld id="{82DF6F50-6649-4E72-90E0-B87FF704A153}" type="datetimeFigureOut">
               <a:rPr lang="zh-CN" altLang="en-US" smtClean="0"/>
-              <a:t>2020/7/3</a:t>
+              <a:t>2020/8/26</a:t>
             </a:fld>
             <a:endParaRPr lang="zh-CN" altLang="en-US"/>
           </a:p>
@@ -3349,7 +3349,7 @@
           <a:p>
             <a:fld id="{82DF6F50-6649-4E72-90E0-B87FF704A153}" type="datetimeFigureOut">
               <a:rPr lang="zh-CN" altLang="en-US" smtClean="0"/>
-              <a:t>2020/7/3</a:t>
+              <a:t>2020/8/26</a:t>
             </a:fld>
             <a:endParaRPr lang="zh-CN" altLang="en-US"/>
           </a:p>
@@ -8589,6 +8589,228 @@
           <a:chExt cx="0" cy="0"/>
         </a:xfrm>
       </p:grpSpPr>
+      <p:sp>
+        <p:nvSpPr>
+          <p:cNvPr id="2" name="文本框 1">
+            <a:extLst>
+              <a:ext uri="{FF2B5EF4-FFF2-40B4-BE49-F238E27FC236}">
+                <a16:creationId xmlns:a16="http://schemas.microsoft.com/office/drawing/2014/main" id="{11E5B72F-BC1E-4F69-9190-82EE4F02AAD4}"/>
+              </a:ext>
+            </a:extLst>
+          </p:cNvPr>
+          <p:cNvSpPr txBox="1"/>
+          <p:nvPr/>
+        </p:nvSpPr>
+        <p:spPr>
+          <a:xfrm>
+            <a:off x="1028700" y="580292"/>
+            <a:ext cx="8864927" cy="923330"/>
+          </a:xfrm>
+          <a:prstGeom prst="rect">
+            <a:avLst/>
+          </a:prstGeom>
+          <a:noFill/>
+        </p:spPr>
+        <p:txBody>
+          <a:bodyPr wrap="none" rtlCol="0">
+            <a:spAutoFit/>
+          </a:bodyPr>
+          <a:lstStyle/>
+          <a:p>
+            <a:r>
+              <a:rPr lang="en-US" altLang="zh-CN" dirty="0"/>
+              <a:t>Pair in same field:</a:t>
+            </a:r>
+          </a:p>
+          <a:p>
+            <a:pPr marL="342900" indent="-342900">
+              <a:buAutoNum type="arabicPeriod"/>
+            </a:pPr>
+            <a:r>
+              <a:rPr lang="en-US" altLang="zh-CN" dirty="0"/>
+              <a:t>Same Z bin, different exposures, search pairs in the blocks have a larger label that its</a:t>
+            </a:r>
+          </a:p>
+          <a:p>
+            <a:pPr marL="342900" indent="-342900">
+              <a:buAutoNum type="arabicPeriod"/>
+            </a:pPr>
+            <a:r>
+              <a:rPr lang="en-US" altLang="zh-CN" dirty="0"/>
+              <a:t>Different Z bin, all exposures, search pairs in all blocks</a:t>
+            </a:r>
+            <a:endParaRPr lang="zh-CN" altLang="en-US" dirty="0"/>
+          </a:p>
+        </p:txBody>
+      </p:sp>
+      <p:sp>
+        <p:nvSpPr>
+          <p:cNvPr id="4" name="文本框 3">
+            <a:extLst>
+              <a:ext uri="{FF2B5EF4-FFF2-40B4-BE49-F238E27FC236}">
+                <a16:creationId xmlns:a16="http://schemas.microsoft.com/office/drawing/2014/main" id="{A98D82B5-C691-459B-95ED-F5952FDD925B}"/>
+              </a:ext>
+            </a:extLst>
+          </p:cNvPr>
+          <p:cNvSpPr txBox="1"/>
+          <p:nvPr/>
+        </p:nvSpPr>
+        <p:spPr>
+          <a:xfrm>
+            <a:off x="1028700" y="2148253"/>
+            <a:ext cx="6455613" cy="923330"/>
+          </a:xfrm>
+          <a:prstGeom prst="rect">
+            <a:avLst/>
+          </a:prstGeom>
+          <a:noFill/>
+        </p:spPr>
+        <p:txBody>
+          <a:bodyPr wrap="none" rtlCol="0">
+            <a:spAutoFit/>
+          </a:bodyPr>
+          <a:lstStyle/>
+          <a:p>
+            <a:r>
+              <a:rPr lang="en-US" altLang="zh-CN" dirty="0"/>
+              <a:t>Pair in different field:</a:t>
+            </a:r>
+          </a:p>
+          <a:p>
+            <a:pPr marL="342900" indent="-342900">
+              <a:buAutoNum type="arabicPeriod"/>
+            </a:pPr>
+            <a:r>
+              <a:rPr lang="en-US" altLang="zh-CN" dirty="0"/>
+              <a:t>Same/different Z bin, all exposures, search pairs in all blocks</a:t>
+            </a:r>
+            <a:endParaRPr lang="zh-CN" altLang="en-US" dirty="0"/>
+          </a:p>
+          <a:p>
+            <a:endParaRPr lang="zh-CN" altLang="en-US" dirty="0"/>
+          </a:p>
+        </p:txBody>
+      </p:sp>
+      <p:pic>
+        <p:nvPicPr>
+          <p:cNvPr id="5" name="图片 4">
+            <a:extLst>
+              <a:ext uri="{FF2B5EF4-FFF2-40B4-BE49-F238E27FC236}">
+                <a16:creationId xmlns:a16="http://schemas.microsoft.com/office/drawing/2014/main" id="{36172F65-B204-4CC4-ABEE-219BAF3ECB40}"/>
+              </a:ext>
+            </a:extLst>
+          </p:cNvPr>
+          <p:cNvPicPr>
+            <a:picLocks noChangeAspect="1"/>
+          </p:cNvPicPr>
+          <p:nvPr/>
+        </p:nvPicPr>
+        <p:blipFill>
+          <a:blip r:embed="rId2"/>
+          <a:stretch>
+            <a:fillRect/>
+          </a:stretch>
+        </p:blipFill>
+        <p:spPr>
+          <a:xfrm>
+            <a:off x="632314" y="5107782"/>
+            <a:ext cx="4619625" cy="657225"/>
+          </a:xfrm>
+          <a:prstGeom prst="rect">
+            <a:avLst/>
+          </a:prstGeom>
+        </p:spPr>
+      </p:pic>
+      <p:pic>
+        <p:nvPicPr>
+          <p:cNvPr id="6" name="图片 5">
+            <a:extLst>
+              <a:ext uri="{FF2B5EF4-FFF2-40B4-BE49-F238E27FC236}">
+                <a16:creationId xmlns:a16="http://schemas.microsoft.com/office/drawing/2014/main" id="{DB28FA9F-100D-4166-A5C4-014F43B7B355}"/>
+              </a:ext>
+            </a:extLst>
+          </p:cNvPr>
+          <p:cNvPicPr>
+            <a:picLocks noChangeAspect="1"/>
+          </p:cNvPicPr>
+          <p:nvPr/>
+        </p:nvPicPr>
+        <p:blipFill>
+          <a:blip r:embed="rId3"/>
+          <a:stretch>
+            <a:fillRect/>
+          </a:stretch>
+        </p:blipFill>
+        <p:spPr>
+          <a:xfrm>
+            <a:off x="663087" y="3539821"/>
+            <a:ext cx="4438650" cy="514350"/>
+          </a:xfrm>
+          <a:prstGeom prst="rect">
+            <a:avLst/>
+          </a:prstGeom>
+        </p:spPr>
+      </p:pic>
+      <p:pic>
+        <p:nvPicPr>
+          <p:cNvPr id="8" name="图片 7">
+            <a:extLst>
+              <a:ext uri="{FF2B5EF4-FFF2-40B4-BE49-F238E27FC236}">
+                <a16:creationId xmlns:a16="http://schemas.microsoft.com/office/drawing/2014/main" id="{355920FD-2111-4B6D-8C91-194B9E4E0E18}"/>
+              </a:ext>
+            </a:extLst>
+          </p:cNvPr>
+          <p:cNvPicPr>
+            <a:picLocks noChangeAspect="1"/>
+          </p:cNvPicPr>
+          <p:nvPr/>
+        </p:nvPicPr>
+        <p:blipFill>
+          <a:blip r:embed="rId4"/>
+          <a:stretch>
+            <a:fillRect/>
+          </a:stretch>
+        </p:blipFill>
+        <p:spPr>
+          <a:xfrm>
+            <a:off x="632314" y="4363787"/>
+            <a:ext cx="4514850" cy="485775"/>
+          </a:xfrm>
+          <a:prstGeom prst="rect">
+            <a:avLst/>
+          </a:prstGeom>
+        </p:spPr>
+      </p:pic>
+      <p:pic>
+        <p:nvPicPr>
+          <p:cNvPr id="9" name="图片 8">
+            <a:extLst>
+              <a:ext uri="{FF2B5EF4-FFF2-40B4-BE49-F238E27FC236}">
+                <a16:creationId xmlns:a16="http://schemas.microsoft.com/office/drawing/2014/main" id="{B81B8303-3AEC-4359-90AA-A74BF0ECE34B}"/>
+              </a:ext>
+            </a:extLst>
+          </p:cNvPr>
+          <p:cNvPicPr>
+            <a:picLocks noChangeAspect="1"/>
+          </p:cNvPicPr>
+          <p:nvPr/>
+        </p:nvPicPr>
+        <p:blipFill>
+          <a:blip r:embed="rId5"/>
+          <a:stretch>
+            <a:fillRect/>
+          </a:stretch>
+        </p:blipFill>
+        <p:spPr>
+          <a:xfrm>
+            <a:off x="7044838" y="4363787"/>
+            <a:ext cx="4457700" cy="504825"/>
+          </a:xfrm>
+          <a:prstGeom prst="rect">
+            <a:avLst/>
+          </a:prstGeom>
+        </p:spPr>
+      </p:pic>
     </p:spTree>
     <p:extLst>
       <p:ext uri="{BB962C8B-B14F-4D97-AF65-F5344CB8AC3E}">

--- a/correlation/Notes/2D_Correlation.pptx
+++ b/correlation/Notes/2D_Correlation.pptx
@@ -5,7 +5,7 @@
     <p:sldMasterId id="2147483648" r:id="rId1"/>
   </p:sldMasterIdLst>
   <p:notesMasterIdLst>
-    <p:notesMasterId r:id="rId7"/>
+    <p:notesMasterId r:id="rId9"/>
   </p:notesMasterIdLst>
   <p:sldIdLst>
     <p:sldId id="256" r:id="rId2"/>
@@ -13,6 +13,8 @@
     <p:sldId id="258" r:id="rId4"/>
     <p:sldId id="259" r:id="rId5"/>
     <p:sldId id="260" r:id="rId6"/>
+    <p:sldId id="261" r:id="rId7"/>
+    <p:sldId id="262" r:id="rId8"/>
   </p:sldIdLst>
   <p:sldSz cx="12192000" cy="6858000"/>
   <p:notesSz cx="6858000" cy="9144000"/>
@@ -201,7 +203,7 @@
           <a:p>
             <a:fld id="{66F288D8-71D9-4F75-AD48-B432E8F9C6EE}" type="datetimeFigureOut">
               <a:rPr lang="zh-CN" altLang="en-US" smtClean="0"/>
-              <a:t>2020/8/26</a:t>
+              <a:t>2020/8/27</a:t>
             </a:fld>
             <a:endParaRPr lang="zh-CN" altLang="en-US"/>
           </a:p>
@@ -699,7 +701,7 @@
           <a:p>
             <a:fld id="{82DF6F50-6649-4E72-90E0-B87FF704A153}" type="datetimeFigureOut">
               <a:rPr lang="zh-CN" altLang="en-US" smtClean="0"/>
-              <a:t>2020/8/26</a:t>
+              <a:t>2020/8/27</a:t>
             </a:fld>
             <a:endParaRPr lang="zh-CN" altLang="en-US"/>
           </a:p>
@@ -897,7 +899,7 @@
           <a:p>
             <a:fld id="{82DF6F50-6649-4E72-90E0-B87FF704A153}" type="datetimeFigureOut">
               <a:rPr lang="zh-CN" altLang="en-US" smtClean="0"/>
-              <a:t>2020/8/26</a:t>
+              <a:t>2020/8/27</a:t>
             </a:fld>
             <a:endParaRPr lang="zh-CN" altLang="en-US"/>
           </a:p>
@@ -1105,7 +1107,7 @@
           <a:p>
             <a:fld id="{82DF6F50-6649-4E72-90E0-B87FF704A153}" type="datetimeFigureOut">
               <a:rPr lang="zh-CN" altLang="en-US" smtClean="0"/>
-              <a:t>2020/8/26</a:t>
+              <a:t>2020/8/27</a:t>
             </a:fld>
             <a:endParaRPr lang="zh-CN" altLang="en-US"/>
           </a:p>
@@ -1303,7 +1305,7 @@
           <a:p>
             <a:fld id="{82DF6F50-6649-4E72-90E0-B87FF704A153}" type="datetimeFigureOut">
               <a:rPr lang="zh-CN" altLang="en-US" smtClean="0"/>
-              <a:t>2020/8/26</a:t>
+              <a:t>2020/8/27</a:t>
             </a:fld>
             <a:endParaRPr lang="zh-CN" altLang="en-US"/>
           </a:p>
@@ -1578,7 +1580,7 @@
           <a:p>
             <a:fld id="{82DF6F50-6649-4E72-90E0-B87FF704A153}" type="datetimeFigureOut">
               <a:rPr lang="zh-CN" altLang="en-US" smtClean="0"/>
-              <a:t>2020/8/26</a:t>
+              <a:t>2020/8/27</a:t>
             </a:fld>
             <a:endParaRPr lang="zh-CN" altLang="en-US"/>
           </a:p>
@@ -1843,7 +1845,7 @@
           <a:p>
             <a:fld id="{82DF6F50-6649-4E72-90E0-B87FF704A153}" type="datetimeFigureOut">
               <a:rPr lang="zh-CN" altLang="en-US" smtClean="0"/>
-              <a:t>2020/8/26</a:t>
+              <a:t>2020/8/27</a:t>
             </a:fld>
             <a:endParaRPr lang="zh-CN" altLang="en-US"/>
           </a:p>
@@ -2255,7 +2257,7 @@
           <a:p>
             <a:fld id="{82DF6F50-6649-4E72-90E0-B87FF704A153}" type="datetimeFigureOut">
               <a:rPr lang="zh-CN" altLang="en-US" smtClean="0"/>
-              <a:t>2020/8/26</a:t>
+              <a:t>2020/8/27</a:t>
             </a:fld>
             <a:endParaRPr lang="zh-CN" altLang="en-US"/>
           </a:p>
@@ -2396,7 +2398,7 @@
           <a:p>
             <a:fld id="{82DF6F50-6649-4E72-90E0-B87FF704A153}" type="datetimeFigureOut">
               <a:rPr lang="zh-CN" altLang="en-US" smtClean="0"/>
-              <a:t>2020/8/26</a:t>
+              <a:t>2020/8/27</a:t>
             </a:fld>
             <a:endParaRPr lang="zh-CN" altLang="en-US"/>
           </a:p>
@@ -2509,7 +2511,7 @@
           <a:p>
             <a:fld id="{82DF6F50-6649-4E72-90E0-B87FF704A153}" type="datetimeFigureOut">
               <a:rPr lang="zh-CN" altLang="en-US" smtClean="0"/>
-              <a:t>2020/8/26</a:t>
+              <a:t>2020/8/27</a:t>
             </a:fld>
             <a:endParaRPr lang="zh-CN" altLang="en-US"/>
           </a:p>
@@ -2820,7 +2822,7 @@
           <a:p>
             <a:fld id="{82DF6F50-6649-4E72-90E0-B87FF704A153}" type="datetimeFigureOut">
               <a:rPr lang="zh-CN" altLang="en-US" smtClean="0"/>
-              <a:t>2020/8/26</a:t>
+              <a:t>2020/8/27</a:t>
             </a:fld>
             <a:endParaRPr lang="zh-CN" altLang="en-US"/>
           </a:p>
@@ -3108,7 +3110,7 @@
           <a:p>
             <a:fld id="{82DF6F50-6649-4E72-90E0-B87FF704A153}" type="datetimeFigureOut">
               <a:rPr lang="zh-CN" altLang="en-US" smtClean="0"/>
-              <a:t>2020/8/26</a:t>
+              <a:t>2020/8/27</a:t>
             </a:fld>
             <a:endParaRPr lang="zh-CN" altLang="en-US"/>
           </a:p>
@@ -3349,7 +3351,7 @@
           <a:p>
             <a:fld id="{82DF6F50-6649-4E72-90E0-B87FF704A153}" type="datetimeFigureOut">
               <a:rPr lang="zh-CN" altLang="en-US" smtClean="0"/>
-              <a:t>2020/8/26</a:t>
+              <a:t>2020/8/27</a:t>
             </a:fld>
             <a:endParaRPr lang="zh-CN" altLang="en-US"/>
           </a:p>
@@ -8815,6 +8817,781 @@
     <p:extLst>
       <p:ext uri="{BB962C8B-B14F-4D97-AF65-F5344CB8AC3E}">
         <p14:creationId xmlns:p14="http://schemas.microsoft.com/office/powerpoint/2010/main" val="2206257032"/>
+      </p:ext>
+    </p:extLst>
+  </p:cSld>
+  <p:clrMapOvr>
+    <a:masterClrMapping/>
+  </p:clrMapOvr>
+</p:sld>
+</file>
+
+<file path=ppt/slides/slide6.xml><?xml version="1.0" encoding="utf-8"?>
+<p:sld xmlns:a="http://schemas.openxmlformats.org/drawingml/2006/main" xmlns:r="http://schemas.openxmlformats.org/officeDocument/2006/relationships" xmlns:p="http://schemas.openxmlformats.org/presentationml/2006/main">
+  <p:cSld>
+    <p:spTree>
+      <p:nvGrpSpPr>
+        <p:cNvPr id="1" name=""/>
+        <p:cNvGrpSpPr/>
+        <p:nvPr/>
+      </p:nvGrpSpPr>
+      <p:grpSpPr>
+        <a:xfrm>
+          <a:off x="0" y="0"/>
+          <a:ext cx="0" cy="0"/>
+          <a:chOff x="0" y="0"/>
+          <a:chExt cx="0" cy="0"/>
+        </a:xfrm>
+      </p:grpSpPr>
+      <p:sp>
+        <p:nvSpPr>
+          <p:cNvPr id="5" name="文本框 4">
+            <a:extLst>
+              <a:ext uri="{FF2B5EF4-FFF2-40B4-BE49-F238E27FC236}">
+                <a16:creationId xmlns:a16="http://schemas.microsoft.com/office/drawing/2014/main" id="{7C996774-C53F-43D6-9B13-B6077AE129AD}"/>
+              </a:ext>
+            </a:extLst>
+          </p:cNvPr>
+          <p:cNvSpPr txBox="1"/>
+          <p:nvPr/>
+        </p:nvSpPr>
+        <p:spPr>
+          <a:xfrm>
+            <a:off x="0" y="276889"/>
+            <a:ext cx="12192000" cy="584775"/>
+          </a:xfrm>
+          <a:prstGeom prst="rect">
+            <a:avLst/>
+          </a:prstGeom>
+          <a:noFill/>
+        </p:spPr>
+        <p:txBody>
+          <a:bodyPr wrap="square">
+            <a:spAutoFit/>
+          </a:bodyPr>
+          <a:lstStyle/>
+          <a:p>
+            <a:r>
+              <a:rPr lang="en-US" altLang="zh-CN" sz="1600" b="0" dirty="0">
+                <a:solidFill>
+                  <a:srgbClr val="00B0F0"/>
+                </a:solidFill>
+                <a:effectLst/>
+                <a:latin typeface="Consolas" panose="020B0609020204030204" pitchFamily="49" charset="0"/>
+              </a:rPr>
+              <a:t>hist_2d_new</a:t>
+            </a:r>
+            <a:r>
+              <a:rPr lang="en-US" altLang="zh-CN" sz="1600" b="0" dirty="0">
+                <a:solidFill>
+                  <a:srgbClr val="0070C0"/>
+                </a:solidFill>
+                <a:effectLst/>
+                <a:latin typeface="Consolas" panose="020B0609020204030204" pitchFamily="49" charset="0"/>
+              </a:rPr>
+              <a:t>(</a:t>
+            </a:r>
+            <a:r>
+              <a:rPr lang="en-US" altLang="zh-CN" sz="1600" b="0" dirty="0" err="1">
+                <a:solidFill>
+                  <a:srgbClr val="00B050"/>
+                </a:solidFill>
+                <a:effectLst/>
+                <a:latin typeface="Consolas" panose="020B0609020204030204" pitchFamily="49" charset="0"/>
+              </a:rPr>
+              <a:t>temp_x_tt</a:t>
+            </a:r>
+            <a:r>
+              <a:rPr lang="en-US" altLang="zh-CN" sz="1600" b="0" dirty="0">
+                <a:solidFill>
+                  <a:srgbClr val="00B050"/>
+                </a:solidFill>
+                <a:effectLst/>
+                <a:latin typeface="Consolas" panose="020B0609020204030204" pitchFamily="49" charset="0"/>
+              </a:rPr>
+              <a:t>, </a:t>
+            </a:r>
+            <a:r>
+              <a:rPr lang="en-US" altLang="zh-CN" sz="1600" b="0" dirty="0" err="1">
+                <a:solidFill>
+                  <a:srgbClr val="00B050"/>
+                </a:solidFill>
+                <a:effectLst/>
+                <a:latin typeface="Consolas" panose="020B0609020204030204" pitchFamily="49" charset="0"/>
+              </a:rPr>
+              <a:t>temp_y_tt</a:t>
+            </a:r>
+            <a:r>
+              <a:rPr lang="en-US" altLang="zh-CN" sz="1600" b="0" dirty="0">
+                <a:solidFill>
+                  <a:srgbClr val="00B050"/>
+                </a:solidFill>
+                <a:effectLst/>
+                <a:latin typeface="Consolas" panose="020B0609020204030204" pitchFamily="49" charset="0"/>
+              </a:rPr>
+              <a:t>, </a:t>
+            </a:r>
+            <a:r>
+              <a:rPr lang="en-US" altLang="zh-CN" sz="1600" b="0" dirty="0" err="1">
+                <a:solidFill>
+                  <a:srgbClr val="00B050"/>
+                </a:solidFill>
+                <a:effectLst/>
+                <a:latin typeface="Consolas" panose="020B0609020204030204" pitchFamily="49" charset="0"/>
+              </a:rPr>
+              <a:t>field_info</a:t>
+            </a:r>
+            <a:r>
+              <a:rPr lang="en-US" altLang="zh-CN" sz="1600" b="0" dirty="0">
+                <a:solidFill>
+                  <a:srgbClr val="00B050"/>
+                </a:solidFill>
+                <a:effectLst/>
+                <a:latin typeface="Consolas" panose="020B0609020204030204" pitchFamily="49" charset="0"/>
+              </a:rPr>
+              <a:t>-&gt;</a:t>
+            </a:r>
+            <a:r>
+              <a:rPr lang="en-US" altLang="zh-CN" sz="1600" b="0" dirty="0" err="1">
+                <a:solidFill>
+                  <a:srgbClr val="00B050"/>
+                </a:solidFill>
+                <a:effectLst/>
+                <a:latin typeface="Consolas" panose="020B0609020204030204" pitchFamily="49" charset="0"/>
+              </a:rPr>
+              <a:t>mg_bin</a:t>
+            </a:r>
+            <a:r>
+              <a:rPr lang="en-US" altLang="zh-CN" sz="1600" b="0" dirty="0">
+                <a:solidFill>
+                  <a:srgbClr val="00B050"/>
+                </a:solidFill>
+                <a:effectLst/>
+                <a:latin typeface="Consolas" panose="020B0609020204030204" pitchFamily="49" charset="0"/>
+              </a:rPr>
+              <a:t>, </a:t>
+            </a:r>
+            <a:r>
+              <a:rPr lang="en-US" altLang="zh-CN" sz="1600" b="1" dirty="0">
+                <a:solidFill>
+                  <a:schemeClr val="accent2"/>
+                </a:solidFill>
+                <a:effectLst/>
+                <a:latin typeface="Consolas" panose="020B0609020204030204" pitchFamily="49" charset="0"/>
+              </a:rPr>
+              <a:t>mg_bin_num,mg_bin_num1, mg_bin_num2, mg_bin_num3</a:t>
+            </a:r>
+            <a:r>
+              <a:rPr lang="en-US" altLang="zh-CN" sz="1600" b="0" dirty="0">
+                <a:solidFill>
+                  <a:srgbClr val="00B050"/>
+                </a:solidFill>
+                <a:effectLst/>
+                <a:latin typeface="Consolas" panose="020B0609020204030204" pitchFamily="49" charset="0"/>
+              </a:rPr>
+              <a:t>, </a:t>
+            </a:r>
+            <a:r>
+              <a:rPr lang="en-US" altLang="zh-CN" sz="1600" b="0" dirty="0" err="1">
+                <a:solidFill>
+                  <a:srgbClr val="00B050"/>
+                </a:solidFill>
+                <a:effectLst/>
+                <a:latin typeface="Consolas" panose="020B0609020204030204" pitchFamily="49" charset="0"/>
+              </a:rPr>
+              <a:t>ix_tt</a:t>
+            </a:r>
+            <a:r>
+              <a:rPr lang="en-US" altLang="zh-CN" sz="1600" b="0" dirty="0">
+                <a:solidFill>
+                  <a:srgbClr val="00B050"/>
+                </a:solidFill>
+                <a:effectLst/>
+                <a:latin typeface="Consolas" panose="020B0609020204030204" pitchFamily="49" charset="0"/>
+              </a:rPr>
+              <a:t>, </a:t>
+            </a:r>
+            <a:r>
+              <a:rPr lang="en-US" altLang="zh-CN" sz="1600" b="0" dirty="0" err="1">
+                <a:solidFill>
+                  <a:srgbClr val="00B050"/>
+                </a:solidFill>
+                <a:effectLst/>
+                <a:latin typeface="Consolas" panose="020B0609020204030204" pitchFamily="49" charset="0"/>
+              </a:rPr>
+              <a:t>iy_tt</a:t>
+            </a:r>
+            <a:r>
+              <a:rPr lang="en-US" altLang="zh-CN" sz="1600" b="0" dirty="0">
+                <a:solidFill>
+                  <a:srgbClr val="0070C0"/>
+                </a:solidFill>
+                <a:effectLst/>
+                <a:latin typeface="Consolas" panose="020B0609020204030204" pitchFamily="49" charset="0"/>
+              </a:rPr>
+              <a:t>);</a:t>
+            </a:r>
+          </a:p>
+        </p:txBody>
+      </p:sp>
+      <p:sp>
+        <p:nvSpPr>
+          <p:cNvPr id="7" name="文本框 6">
+            <a:extLst>
+              <a:ext uri="{FF2B5EF4-FFF2-40B4-BE49-F238E27FC236}">
+                <a16:creationId xmlns:a16="http://schemas.microsoft.com/office/drawing/2014/main" id="{B1B0A720-AB04-4F93-90C1-290FFA7C1733}"/>
+              </a:ext>
+            </a:extLst>
+          </p:cNvPr>
+          <p:cNvSpPr txBox="1"/>
+          <p:nvPr/>
+        </p:nvSpPr>
+        <p:spPr>
+          <a:xfrm>
+            <a:off x="0" y="2730588"/>
+            <a:ext cx="12192000" cy="369332"/>
+          </a:xfrm>
+          <a:prstGeom prst="rect">
+            <a:avLst/>
+          </a:prstGeom>
+          <a:noFill/>
+        </p:spPr>
+        <p:txBody>
+          <a:bodyPr wrap="square">
+            <a:spAutoFit/>
+          </a:bodyPr>
+          <a:lstStyle/>
+          <a:p>
+            <a:r>
+              <a:rPr lang="en-US" altLang="zh-CN" b="0" dirty="0">
+                <a:solidFill>
+                  <a:srgbClr val="00B0F0"/>
+                </a:solidFill>
+                <a:effectLst/>
+                <a:latin typeface="Consolas" panose="020B0609020204030204" pitchFamily="49" charset="0"/>
+              </a:rPr>
+              <a:t>hist_2d_new(</a:t>
+            </a:r>
+            <a:r>
+              <a:rPr lang="en-US" altLang="zh-CN" b="0" dirty="0" err="1">
+                <a:solidFill>
+                  <a:srgbClr val="00B050"/>
+                </a:solidFill>
+                <a:effectLst/>
+                <a:latin typeface="Consolas" panose="020B0609020204030204" pitchFamily="49" charset="0"/>
+              </a:rPr>
+              <a:t>temp_x_tt</a:t>
+            </a:r>
+            <a:r>
+              <a:rPr lang="en-US" altLang="zh-CN" b="0" dirty="0">
+                <a:solidFill>
+                  <a:srgbClr val="00B050"/>
+                </a:solidFill>
+                <a:effectLst/>
+                <a:latin typeface="Consolas" panose="020B0609020204030204" pitchFamily="49" charset="0"/>
+              </a:rPr>
+              <a:t>, </a:t>
+            </a:r>
+            <a:r>
+              <a:rPr lang="en-US" altLang="zh-CN" b="0" dirty="0" err="1">
+                <a:solidFill>
+                  <a:srgbClr val="00B050"/>
+                </a:solidFill>
+                <a:effectLst/>
+                <a:latin typeface="Consolas" panose="020B0609020204030204" pitchFamily="49" charset="0"/>
+              </a:rPr>
+              <a:t>temp_y_tt</a:t>
+            </a:r>
+            <a:r>
+              <a:rPr lang="en-US" altLang="zh-CN" b="0" dirty="0">
+                <a:solidFill>
+                  <a:srgbClr val="00B050"/>
+                </a:solidFill>
+                <a:effectLst/>
+                <a:latin typeface="Consolas" panose="020B0609020204030204" pitchFamily="49" charset="0"/>
+              </a:rPr>
+              <a:t>, </a:t>
+            </a:r>
+            <a:r>
+              <a:rPr lang="en-US" altLang="zh-CN" b="0" dirty="0" err="1">
+                <a:solidFill>
+                  <a:srgbClr val="00B050"/>
+                </a:solidFill>
+                <a:effectLst/>
+                <a:latin typeface="Consolas" panose="020B0609020204030204" pitchFamily="49" charset="0"/>
+              </a:rPr>
+              <a:t>field_info</a:t>
+            </a:r>
+            <a:r>
+              <a:rPr lang="en-US" altLang="zh-CN" b="0" dirty="0">
+                <a:solidFill>
+                  <a:srgbClr val="00B050"/>
+                </a:solidFill>
+                <a:effectLst/>
+                <a:latin typeface="Consolas" panose="020B0609020204030204" pitchFamily="49" charset="0"/>
+              </a:rPr>
+              <a:t>-&gt;</a:t>
+            </a:r>
+            <a:r>
+              <a:rPr lang="en-US" altLang="zh-CN" b="0" dirty="0" err="1">
+                <a:solidFill>
+                  <a:srgbClr val="00B050"/>
+                </a:solidFill>
+                <a:effectLst/>
+                <a:latin typeface="Consolas" panose="020B0609020204030204" pitchFamily="49" charset="0"/>
+              </a:rPr>
+              <a:t>mg_bin</a:t>
+            </a:r>
+            <a:r>
+              <a:rPr lang="en-US" altLang="zh-CN" b="0" dirty="0">
+                <a:solidFill>
+                  <a:srgbClr val="00B050"/>
+                </a:solidFill>
+                <a:effectLst/>
+                <a:latin typeface="Consolas" panose="020B0609020204030204" pitchFamily="49" charset="0"/>
+              </a:rPr>
+              <a:t>, </a:t>
+            </a:r>
+            <a:r>
+              <a:rPr lang="en-US" altLang="zh-CN" b="1" dirty="0" err="1">
+                <a:solidFill>
+                  <a:schemeClr val="accent2"/>
+                </a:solidFill>
+                <a:effectLst/>
+                <a:latin typeface="Consolas" panose="020B0609020204030204" pitchFamily="49" charset="0"/>
+              </a:rPr>
+              <a:t>bin_num_para</a:t>
+            </a:r>
+            <a:r>
+              <a:rPr lang="en-US" altLang="zh-CN" b="0" dirty="0">
+                <a:solidFill>
+                  <a:srgbClr val="00B050"/>
+                </a:solidFill>
+                <a:effectLst/>
+                <a:latin typeface="Consolas" panose="020B0609020204030204" pitchFamily="49" charset="0"/>
+              </a:rPr>
+              <a:t>, </a:t>
+            </a:r>
+            <a:r>
+              <a:rPr lang="en-US" altLang="zh-CN" b="0" dirty="0" err="1">
+                <a:solidFill>
+                  <a:srgbClr val="00B050"/>
+                </a:solidFill>
+                <a:effectLst/>
+                <a:latin typeface="Consolas" panose="020B0609020204030204" pitchFamily="49" charset="0"/>
+              </a:rPr>
+              <a:t>ix_tt</a:t>
+            </a:r>
+            <a:r>
+              <a:rPr lang="en-US" altLang="zh-CN" b="0" dirty="0">
+                <a:solidFill>
+                  <a:srgbClr val="00B050"/>
+                </a:solidFill>
+                <a:effectLst/>
+                <a:latin typeface="Consolas" panose="020B0609020204030204" pitchFamily="49" charset="0"/>
+              </a:rPr>
+              <a:t>, </a:t>
+            </a:r>
+            <a:r>
+              <a:rPr lang="en-US" altLang="zh-CN" b="0" dirty="0" err="1">
+                <a:solidFill>
+                  <a:srgbClr val="00B050"/>
+                </a:solidFill>
+                <a:effectLst/>
+                <a:latin typeface="Consolas" panose="020B0609020204030204" pitchFamily="49" charset="0"/>
+              </a:rPr>
+              <a:t>iy_tt</a:t>
+            </a:r>
+            <a:r>
+              <a:rPr lang="en-US" altLang="zh-CN" b="0" dirty="0">
+                <a:solidFill>
+                  <a:srgbClr val="00B0F0"/>
+                </a:solidFill>
+                <a:effectLst/>
+                <a:latin typeface="Consolas" panose="020B0609020204030204" pitchFamily="49" charset="0"/>
+              </a:rPr>
+              <a:t>);</a:t>
+            </a:r>
+          </a:p>
+        </p:txBody>
+      </p:sp>
+      <p:sp>
+        <p:nvSpPr>
+          <p:cNvPr id="9" name="文本框 8">
+            <a:extLst>
+              <a:ext uri="{FF2B5EF4-FFF2-40B4-BE49-F238E27FC236}">
+                <a16:creationId xmlns:a16="http://schemas.microsoft.com/office/drawing/2014/main" id="{066BCD6E-6590-4119-AEEE-BF28C9B01614}"/>
+              </a:ext>
+            </a:extLst>
+          </p:cNvPr>
+          <p:cNvSpPr txBox="1"/>
+          <p:nvPr/>
+        </p:nvSpPr>
+        <p:spPr>
+          <a:xfrm>
+            <a:off x="0" y="3230033"/>
+            <a:ext cx="11014564" cy="369332"/>
+          </a:xfrm>
+          <a:prstGeom prst="rect">
+            <a:avLst/>
+          </a:prstGeom>
+          <a:noFill/>
+        </p:spPr>
+        <p:txBody>
+          <a:bodyPr wrap="square">
+            <a:spAutoFit/>
+          </a:bodyPr>
+          <a:lstStyle/>
+          <a:p>
+            <a:r>
+              <a:rPr lang="en-US" altLang="zh-CN" b="0" dirty="0">
+                <a:solidFill>
+                  <a:schemeClr val="accent2"/>
+                </a:solidFill>
+                <a:effectLst/>
+                <a:latin typeface="Consolas" panose="020B0609020204030204" pitchFamily="49" charset="0"/>
+              </a:rPr>
+              <a:t>Int </a:t>
+            </a:r>
+            <a:r>
+              <a:rPr lang="en-US" altLang="zh-CN" b="0" dirty="0" err="1">
+                <a:solidFill>
+                  <a:schemeClr val="accent2"/>
+                </a:solidFill>
+                <a:effectLst/>
+                <a:latin typeface="Consolas" panose="020B0609020204030204" pitchFamily="49" charset="0"/>
+              </a:rPr>
+              <a:t>bin_num_para</a:t>
+            </a:r>
+            <a:r>
+              <a:rPr lang="en-US" altLang="zh-CN" b="0" dirty="0">
+                <a:solidFill>
+                  <a:schemeClr val="accent2"/>
+                </a:solidFill>
+                <a:effectLst/>
+                <a:latin typeface="Consolas" panose="020B0609020204030204" pitchFamily="49" charset="0"/>
+              </a:rPr>
+              <a:t>[4]</a:t>
+            </a:r>
+            <a:r>
+              <a:rPr lang="en-US" altLang="zh-CN" dirty="0">
+                <a:solidFill>
+                  <a:schemeClr val="accent2"/>
+                </a:solidFill>
+                <a:latin typeface="Consolas" panose="020B0609020204030204" pitchFamily="49" charset="0"/>
+              </a:rPr>
+              <a:t> = [</a:t>
+            </a:r>
+            <a:r>
+              <a:rPr lang="en-US" altLang="zh-CN" sz="1800" b="0" dirty="0">
+                <a:solidFill>
+                  <a:schemeClr val="accent2"/>
+                </a:solidFill>
+                <a:effectLst/>
+                <a:latin typeface="Consolas" panose="020B0609020204030204" pitchFamily="49" charset="0"/>
+              </a:rPr>
+              <a:t>mg_bin_num,mg_bin_num1, mg_bin_num2, mg_bin_num3</a:t>
+            </a:r>
+            <a:r>
+              <a:rPr lang="en-US" altLang="zh-CN" dirty="0">
+                <a:solidFill>
+                  <a:schemeClr val="accent2"/>
+                </a:solidFill>
+                <a:latin typeface="Consolas" panose="020B0609020204030204" pitchFamily="49" charset="0"/>
+              </a:rPr>
+              <a:t>];</a:t>
+            </a:r>
+            <a:endParaRPr lang="zh-CN" altLang="en-US" dirty="0">
+              <a:solidFill>
+                <a:schemeClr val="accent2"/>
+              </a:solidFill>
+            </a:endParaRPr>
+          </a:p>
+        </p:txBody>
+      </p:sp>
+      <p:sp>
+        <p:nvSpPr>
+          <p:cNvPr id="10" name="箭头: 下 9">
+            <a:extLst>
+              <a:ext uri="{FF2B5EF4-FFF2-40B4-BE49-F238E27FC236}">
+                <a16:creationId xmlns:a16="http://schemas.microsoft.com/office/drawing/2014/main" id="{994F52C2-4F26-4C4E-A22E-E480968470DC}"/>
+              </a:ext>
+            </a:extLst>
+          </p:cNvPr>
+          <p:cNvSpPr/>
+          <p:nvPr/>
+        </p:nvSpPr>
+        <p:spPr>
+          <a:xfrm rot="10800000">
+            <a:off x="457199" y="1051045"/>
+            <a:ext cx="492370" cy="1490162"/>
+          </a:xfrm>
+          <a:prstGeom prst="downArrow">
+            <a:avLst/>
+          </a:prstGeom>
+        </p:spPr>
+        <p:style>
+          <a:lnRef idx="2">
+            <a:schemeClr val="accent1">
+              <a:shade val="50000"/>
+            </a:schemeClr>
+          </a:lnRef>
+          <a:fillRef idx="1">
+            <a:schemeClr val="accent1"/>
+          </a:fillRef>
+          <a:effectRef idx="0">
+            <a:schemeClr val="accent1"/>
+          </a:effectRef>
+          <a:fontRef idx="minor">
+            <a:schemeClr val="lt1"/>
+          </a:fontRef>
+        </p:style>
+        <p:txBody>
+          <a:bodyPr rtlCol="0" anchor="ctr"/>
+          <a:lstStyle/>
+          <a:p>
+            <a:pPr algn="ctr"/>
+            <a:endParaRPr lang="zh-CN" altLang="en-US"/>
+          </a:p>
+        </p:txBody>
+      </p:sp>
+      <p:sp>
+        <p:nvSpPr>
+          <p:cNvPr id="12" name="文本框 11">
+            <a:extLst>
+              <a:ext uri="{FF2B5EF4-FFF2-40B4-BE49-F238E27FC236}">
+                <a16:creationId xmlns:a16="http://schemas.microsoft.com/office/drawing/2014/main" id="{A1FB0541-D706-4F17-9CCF-06B1140762F3}"/>
+              </a:ext>
+            </a:extLst>
+          </p:cNvPr>
+          <p:cNvSpPr txBox="1"/>
+          <p:nvPr/>
+        </p:nvSpPr>
+        <p:spPr>
+          <a:xfrm>
+            <a:off x="949570" y="2118817"/>
+            <a:ext cx="1508746" cy="369332"/>
+          </a:xfrm>
+          <a:prstGeom prst="rect">
+            <a:avLst/>
+          </a:prstGeom>
+          <a:noFill/>
+        </p:spPr>
+        <p:txBody>
+          <a:bodyPr wrap="none" rtlCol="0">
+            <a:spAutoFit/>
+          </a:bodyPr>
+          <a:lstStyle/>
+          <a:p>
+            <a:r>
+              <a:rPr lang="en-US" altLang="zh-CN" dirty="0"/>
+              <a:t>Slightly faster</a:t>
+            </a:r>
+            <a:endParaRPr lang="zh-CN" altLang="en-US" dirty="0"/>
+          </a:p>
+        </p:txBody>
+      </p:sp>
+      <p:pic>
+        <p:nvPicPr>
+          <p:cNvPr id="14" name="图片 13">
+            <a:extLst>
+              <a:ext uri="{FF2B5EF4-FFF2-40B4-BE49-F238E27FC236}">
+                <a16:creationId xmlns:a16="http://schemas.microsoft.com/office/drawing/2014/main" id="{96CF011B-C18B-464D-943D-58D929AB3F83}"/>
+              </a:ext>
+            </a:extLst>
+          </p:cNvPr>
+          <p:cNvPicPr>
+            <a:picLocks noChangeAspect="1"/>
+          </p:cNvPicPr>
+          <p:nvPr/>
+        </p:nvPicPr>
+        <p:blipFill>
+          <a:blip r:embed="rId2"/>
+          <a:stretch>
+            <a:fillRect/>
+          </a:stretch>
+        </p:blipFill>
+        <p:spPr>
+          <a:xfrm>
+            <a:off x="2576878" y="1017854"/>
+            <a:ext cx="8229600" cy="752475"/>
+          </a:xfrm>
+          <a:prstGeom prst="rect">
+            <a:avLst/>
+          </a:prstGeom>
+        </p:spPr>
+      </p:pic>
+      <p:pic>
+        <p:nvPicPr>
+          <p:cNvPr id="16" name="图片 15">
+            <a:extLst>
+              <a:ext uri="{FF2B5EF4-FFF2-40B4-BE49-F238E27FC236}">
+                <a16:creationId xmlns:a16="http://schemas.microsoft.com/office/drawing/2014/main" id="{FE1A2016-E5CD-4EEE-89FA-EB55EC64C76D}"/>
+              </a:ext>
+            </a:extLst>
+          </p:cNvPr>
+          <p:cNvPicPr>
+            <a:picLocks noChangeAspect="1"/>
+          </p:cNvPicPr>
+          <p:nvPr/>
+        </p:nvPicPr>
+        <p:blipFill>
+          <a:blip r:embed="rId3"/>
+          <a:stretch>
+            <a:fillRect/>
+          </a:stretch>
+        </p:blipFill>
+        <p:spPr>
+          <a:xfrm>
+            <a:off x="2758587" y="3740202"/>
+            <a:ext cx="8134350" cy="771525"/>
+          </a:xfrm>
+          <a:prstGeom prst="rect">
+            <a:avLst/>
+          </a:prstGeom>
+        </p:spPr>
+      </p:pic>
+      <p:sp>
+        <p:nvSpPr>
+          <p:cNvPr id="17" name="文本框 16">
+            <a:extLst>
+              <a:ext uri="{FF2B5EF4-FFF2-40B4-BE49-F238E27FC236}">
+                <a16:creationId xmlns:a16="http://schemas.microsoft.com/office/drawing/2014/main" id="{28AD2518-D34F-447A-9006-1268D1825807}"/>
+              </a:ext>
+            </a:extLst>
+          </p:cNvPr>
+          <p:cNvSpPr txBox="1"/>
+          <p:nvPr/>
+        </p:nvSpPr>
+        <p:spPr>
+          <a:xfrm>
+            <a:off x="228601" y="5231422"/>
+            <a:ext cx="7813357" cy="1200329"/>
+          </a:xfrm>
+          <a:prstGeom prst="rect">
+            <a:avLst/>
+          </a:prstGeom>
+          <a:noFill/>
+        </p:spPr>
+        <p:txBody>
+          <a:bodyPr wrap="none" rtlCol="0">
+            <a:spAutoFit/>
+          </a:bodyPr>
+          <a:lstStyle/>
+          <a:p>
+            <a:r>
+              <a:rPr lang="en-US" altLang="zh-CN" dirty="0"/>
+              <a:t>Time cost of parameter pass</a:t>
+            </a:r>
+          </a:p>
+          <a:p>
+            <a:r>
+              <a:rPr lang="en-US" altLang="zh-CN" dirty="0"/>
+              <a:t>Fun1(float *</a:t>
+            </a:r>
+            <a:r>
+              <a:rPr lang="en-US" altLang="zh-CN" dirty="0" err="1"/>
+              <a:t>abcd</a:t>
+            </a:r>
+            <a:r>
+              <a:rPr lang="en-US" altLang="zh-CN" dirty="0"/>
+              <a:t>); &gt; Fun2(float a, float b, float c, float d); ~ 0.77 : 1</a:t>
+            </a:r>
+          </a:p>
+          <a:p>
+            <a:endParaRPr lang="en-US" altLang="zh-CN" dirty="0"/>
+          </a:p>
+          <a:p>
+            <a:r>
+              <a:rPr lang="en-US" altLang="zh-CN" dirty="0"/>
+              <a:t>Passing a array is faster  than passing many parameters when calling function.</a:t>
+            </a:r>
+            <a:endParaRPr lang="zh-CN" altLang="en-US" dirty="0"/>
+          </a:p>
+        </p:txBody>
+      </p:sp>
+    </p:spTree>
+    <p:extLst>
+      <p:ext uri="{BB962C8B-B14F-4D97-AF65-F5344CB8AC3E}">
+        <p14:creationId xmlns:p14="http://schemas.microsoft.com/office/powerpoint/2010/main" val="3611572983"/>
+      </p:ext>
+    </p:extLst>
+  </p:cSld>
+  <p:clrMapOvr>
+    <a:masterClrMapping/>
+  </p:clrMapOvr>
+</p:sld>
+</file>
+
+<file path=ppt/slides/slide7.xml><?xml version="1.0" encoding="utf-8"?>
+<p:sld xmlns:a="http://schemas.openxmlformats.org/drawingml/2006/main" xmlns:r="http://schemas.openxmlformats.org/officeDocument/2006/relationships" xmlns:p="http://schemas.openxmlformats.org/presentationml/2006/main">
+  <p:cSld>
+    <p:spTree>
+      <p:nvGrpSpPr>
+        <p:cNvPr id="1" name=""/>
+        <p:cNvGrpSpPr/>
+        <p:nvPr/>
+      </p:nvGrpSpPr>
+      <p:grpSpPr>
+        <a:xfrm>
+          <a:off x="0" y="0"/>
+          <a:ext cx="0" cy="0"/>
+          <a:chOff x="0" y="0"/>
+          <a:chExt cx="0" cy="0"/>
+        </a:xfrm>
+      </p:grpSpPr>
+      <p:sp>
+        <p:nvSpPr>
+          <p:cNvPr id="4" name="文本框 3">
+            <a:extLst>
+              <a:ext uri="{FF2B5EF4-FFF2-40B4-BE49-F238E27FC236}">
+                <a16:creationId xmlns:a16="http://schemas.microsoft.com/office/drawing/2014/main" id="{E783B156-29B6-4E65-A8A8-6D4EB18665B8}"/>
+              </a:ext>
+            </a:extLst>
+          </p:cNvPr>
+          <p:cNvSpPr txBox="1"/>
+          <p:nvPr/>
+        </p:nvSpPr>
+        <p:spPr>
+          <a:xfrm>
+            <a:off x="703385" y="633046"/>
+            <a:ext cx="5690982" cy="923330"/>
+          </a:xfrm>
+          <a:prstGeom prst="rect">
+            <a:avLst/>
+          </a:prstGeom>
+          <a:noFill/>
+        </p:spPr>
+        <p:txBody>
+          <a:bodyPr wrap="none" rtlCol="0">
+            <a:spAutoFit/>
+          </a:bodyPr>
+          <a:lstStyle/>
+          <a:p>
+            <a:r>
+              <a:rPr lang="en-US" altLang="zh-CN" dirty="0"/>
+              <a:t>Assignment statement  is faster than IF statement (~2x).</a:t>
+            </a:r>
+          </a:p>
+          <a:p>
+            <a:r>
+              <a:rPr lang="en-US" altLang="zh-CN" dirty="0"/>
+              <a:t>a = b;</a:t>
+            </a:r>
+          </a:p>
+          <a:p>
+            <a:r>
+              <a:rPr lang="en-US" altLang="zh-CN" dirty="0"/>
+              <a:t>If(a == b){}</a:t>
+            </a:r>
+            <a:endParaRPr lang="zh-CN" altLang="en-US" dirty="0"/>
+          </a:p>
+        </p:txBody>
+      </p:sp>
+    </p:spTree>
+    <p:extLst>
+      <p:ext uri="{BB962C8B-B14F-4D97-AF65-F5344CB8AC3E}">
+        <p14:creationId xmlns:p14="http://schemas.microsoft.com/office/powerpoint/2010/main" val="2629921999"/>
       </p:ext>
     </p:extLst>
   </p:cSld>
